--- a/Презентация Microsoft PowerPoint.pptx
+++ b/Презентация Microsoft PowerPoint.pptx
@@ -5,16 +5,17 @@
     <p:sldMasterId id="2147483648" r:id="rId1"/>
   </p:sldMasterIdLst>
   <p:notesMasterIdLst>
-    <p:notesMasterId r:id="rId9"/>
+    <p:notesMasterId r:id="rId10"/>
   </p:notesMasterIdLst>
   <p:sldIdLst>
     <p:sldId id="256" r:id="rId2"/>
-    <p:sldId id="257" r:id="rId3"/>
-    <p:sldId id="258" r:id="rId4"/>
-    <p:sldId id="259" r:id="rId5"/>
-    <p:sldId id="260" r:id="rId6"/>
-    <p:sldId id="261" r:id="rId7"/>
-    <p:sldId id="262" r:id="rId8"/>
+    <p:sldId id="263" r:id="rId3"/>
+    <p:sldId id="264" r:id="rId4"/>
+    <p:sldId id="258" r:id="rId5"/>
+    <p:sldId id="259" r:id="rId6"/>
+    <p:sldId id="260" r:id="rId7"/>
+    <p:sldId id="261" r:id="rId8"/>
+    <p:sldId id="262" r:id="rId9"/>
   </p:sldIdLst>
   <p:sldSz cx="12192000" cy="6858000"/>
   <p:notesSz cx="6858000" cy="9144000"/>
@@ -115,7 +116,7 @@
   </p:defaultTextStyle>
   <p:extLst>
     <p:ext uri="{EFAFB233-063F-42B5-8137-9DF3F51BA10A}">
-      <p15:sldGuideLst xmlns:p15="http://schemas.microsoft.com/office/powerpoint/2012/main"/>
+      <p15:sldGuideLst xmlns="" xmlns:p15="http://schemas.microsoft.com/office/powerpoint/2012/main"/>
     </p:ext>
   </p:extLst>
 </p:presentation>
@@ -203,7 +204,7 @@
           <a:p>
             <a:fld id="{CDC16405-B1F8-4CB3-B4EF-6D572229795C}" type="datetimeFigureOut">
               <a:rPr lang="ru-RU" smtClean="0"/>
-              <a:t>12.02.2024</a:t>
+              <a:t>13.02.2024</a:t>
             </a:fld>
             <a:endParaRPr lang="ru-RU"/>
           </a:p>
@@ -492,7 +493,7 @@
           <p:cNvPr id="2" name="Заголовок 1">
             <a:extLst>
               <a:ext uri="{FF2B5EF4-FFF2-40B4-BE49-F238E27FC236}">
-                <a16:creationId xmlns:a16="http://schemas.microsoft.com/office/drawing/2014/main" id="{283FD91C-B533-488C-95D9-EDA1B233A7F0}"/>
+                <a16:creationId xmlns="" xmlns:a16="http://schemas.microsoft.com/office/drawing/2014/main" id="{283FD91C-B533-488C-95D9-EDA1B233A7F0}"/>
               </a:ext>
             </a:extLst>
           </p:cNvPr>
@@ -529,7 +530,7 @@
           <p:cNvPr id="3" name="Подзаголовок 2">
             <a:extLst>
               <a:ext uri="{FF2B5EF4-FFF2-40B4-BE49-F238E27FC236}">
-                <a16:creationId xmlns:a16="http://schemas.microsoft.com/office/drawing/2014/main" id="{B925300A-509F-439A-A059-6650C5852C0C}"/>
+                <a16:creationId xmlns="" xmlns:a16="http://schemas.microsoft.com/office/drawing/2014/main" id="{B925300A-509F-439A-A059-6650C5852C0C}"/>
               </a:ext>
             </a:extLst>
           </p:cNvPr>
@@ -599,7 +600,7 @@
           <p:cNvPr id="4" name="Дата 3">
             <a:extLst>
               <a:ext uri="{FF2B5EF4-FFF2-40B4-BE49-F238E27FC236}">
-                <a16:creationId xmlns:a16="http://schemas.microsoft.com/office/drawing/2014/main" id="{F95D3E71-DAED-4B56-BA6B-B8BCCB69B007}"/>
+                <a16:creationId xmlns="" xmlns:a16="http://schemas.microsoft.com/office/drawing/2014/main" id="{F95D3E71-DAED-4B56-BA6B-B8BCCB69B007}"/>
               </a:ext>
             </a:extLst>
           </p:cNvPr>
@@ -617,7 +618,7 @@
           <a:p>
             <a:fld id="{0BA341DE-52A3-4960-A4E4-E0B9B47337F2}" type="datetimeFigureOut">
               <a:rPr lang="ru-RU" smtClean="0"/>
-              <a:t>12.02.2024</a:t>
+              <a:t>13.02.2024</a:t>
             </a:fld>
             <a:endParaRPr lang="ru-RU"/>
           </a:p>
@@ -628,7 +629,7 @@
           <p:cNvPr id="5" name="Нижний колонтитул 4">
             <a:extLst>
               <a:ext uri="{FF2B5EF4-FFF2-40B4-BE49-F238E27FC236}">
-                <a16:creationId xmlns:a16="http://schemas.microsoft.com/office/drawing/2014/main" id="{8B943E9A-0314-4DA1-B491-3A59252A14DC}"/>
+                <a16:creationId xmlns="" xmlns:a16="http://schemas.microsoft.com/office/drawing/2014/main" id="{8B943E9A-0314-4DA1-B491-3A59252A14DC}"/>
               </a:ext>
             </a:extLst>
           </p:cNvPr>
@@ -653,7 +654,7 @@
           <p:cNvPr id="6" name="Номер слайда 5">
             <a:extLst>
               <a:ext uri="{FF2B5EF4-FFF2-40B4-BE49-F238E27FC236}">
-                <a16:creationId xmlns:a16="http://schemas.microsoft.com/office/drawing/2014/main" id="{506ABC50-D6C3-4BF9-B44C-2913A7AB0C64}"/>
+                <a16:creationId xmlns="" xmlns:a16="http://schemas.microsoft.com/office/drawing/2014/main" id="{506ABC50-D6C3-4BF9-B44C-2913A7AB0C64}"/>
               </a:ext>
             </a:extLst>
           </p:cNvPr>
@@ -712,7 +713,7 @@
           <p:cNvPr id="2" name="Заголовок 1">
             <a:extLst>
               <a:ext uri="{FF2B5EF4-FFF2-40B4-BE49-F238E27FC236}">
-                <a16:creationId xmlns:a16="http://schemas.microsoft.com/office/drawing/2014/main" id="{47A06A23-10B1-413B-8F2D-95439A808658}"/>
+                <a16:creationId xmlns="" xmlns:a16="http://schemas.microsoft.com/office/drawing/2014/main" id="{47A06A23-10B1-413B-8F2D-95439A808658}"/>
               </a:ext>
             </a:extLst>
           </p:cNvPr>
@@ -740,7 +741,7 @@
           <p:cNvPr id="3" name="Вертикальный текст 2">
             <a:extLst>
               <a:ext uri="{FF2B5EF4-FFF2-40B4-BE49-F238E27FC236}">
-                <a16:creationId xmlns:a16="http://schemas.microsoft.com/office/drawing/2014/main" id="{6354E4F1-9732-4CB9-BC7E-0AA965A45A46}"/>
+                <a16:creationId xmlns="" xmlns:a16="http://schemas.microsoft.com/office/drawing/2014/main" id="{6354E4F1-9732-4CB9-BC7E-0AA965A45A46}"/>
               </a:ext>
             </a:extLst>
           </p:cNvPr>
@@ -797,7 +798,7 @@
           <p:cNvPr id="4" name="Дата 3">
             <a:extLst>
               <a:ext uri="{FF2B5EF4-FFF2-40B4-BE49-F238E27FC236}">
-                <a16:creationId xmlns:a16="http://schemas.microsoft.com/office/drawing/2014/main" id="{9EED374D-3053-4BEE-AEC2-F740B5DC57BE}"/>
+                <a16:creationId xmlns="" xmlns:a16="http://schemas.microsoft.com/office/drawing/2014/main" id="{9EED374D-3053-4BEE-AEC2-F740B5DC57BE}"/>
               </a:ext>
             </a:extLst>
           </p:cNvPr>
@@ -815,7 +816,7 @@
           <a:p>
             <a:fld id="{0BA341DE-52A3-4960-A4E4-E0B9B47337F2}" type="datetimeFigureOut">
               <a:rPr lang="ru-RU" smtClean="0"/>
-              <a:t>12.02.2024</a:t>
+              <a:t>13.02.2024</a:t>
             </a:fld>
             <a:endParaRPr lang="ru-RU"/>
           </a:p>
@@ -826,7 +827,7 @@
           <p:cNvPr id="5" name="Нижний колонтитул 4">
             <a:extLst>
               <a:ext uri="{FF2B5EF4-FFF2-40B4-BE49-F238E27FC236}">
-                <a16:creationId xmlns:a16="http://schemas.microsoft.com/office/drawing/2014/main" id="{996E03C1-E5F5-4227-B943-248731FE689A}"/>
+                <a16:creationId xmlns="" xmlns:a16="http://schemas.microsoft.com/office/drawing/2014/main" id="{996E03C1-E5F5-4227-B943-248731FE689A}"/>
               </a:ext>
             </a:extLst>
           </p:cNvPr>
@@ -851,7 +852,7 @@
           <p:cNvPr id="6" name="Номер слайда 5">
             <a:extLst>
               <a:ext uri="{FF2B5EF4-FFF2-40B4-BE49-F238E27FC236}">
-                <a16:creationId xmlns:a16="http://schemas.microsoft.com/office/drawing/2014/main" id="{205107A9-416C-417A-B829-8FE18C1721D4}"/>
+                <a16:creationId xmlns="" xmlns:a16="http://schemas.microsoft.com/office/drawing/2014/main" id="{205107A9-416C-417A-B829-8FE18C1721D4}"/>
               </a:ext>
             </a:extLst>
           </p:cNvPr>
@@ -910,7 +911,7 @@
           <p:cNvPr id="2" name="Вертикальный заголовок 1">
             <a:extLst>
               <a:ext uri="{FF2B5EF4-FFF2-40B4-BE49-F238E27FC236}">
-                <a16:creationId xmlns:a16="http://schemas.microsoft.com/office/drawing/2014/main" id="{FDE715DB-BEB4-4F3E-9CC8-4EA7045D1DF7}"/>
+                <a16:creationId xmlns="" xmlns:a16="http://schemas.microsoft.com/office/drawing/2014/main" id="{FDE715DB-BEB4-4F3E-9CC8-4EA7045D1DF7}"/>
               </a:ext>
             </a:extLst>
           </p:cNvPr>
@@ -943,7 +944,7 @@
           <p:cNvPr id="3" name="Вертикальный текст 2">
             <a:extLst>
               <a:ext uri="{FF2B5EF4-FFF2-40B4-BE49-F238E27FC236}">
-                <a16:creationId xmlns:a16="http://schemas.microsoft.com/office/drawing/2014/main" id="{E7D0765E-FE08-4C22-B2B0-628F79501F12}"/>
+                <a16:creationId xmlns="" xmlns:a16="http://schemas.microsoft.com/office/drawing/2014/main" id="{E7D0765E-FE08-4C22-B2B0-628F79501F12}"/>
               </a:ext>
             </a:extLst>
           </p:cNvPr>
@@ -1005,7 +1006,7 @@
           <p:cNvPr id="4" name="Дата 3">
             <a:extLst>
               <a:ext uri="{FF2B5EF4-FFF2-40B4-BE49-F238E27FC236}">
-                <a16:creationId xmlns:a16="http://schemas.microsoft.com/office/drawing/2014/main" id="{9B4909BA-1324-4FAA-BE8E-A786553D6686}"/>
+                <a16:creationId xmlns="" xmlns:a16="http://schemas.microsoft.com/office/drawing/2014/main" id="{9B4909BA-1324-4FAA-BE8E-A786553D6686}"/>
               </a:ext>
             </a:extLst>
           </p:cNvPr>
@@ -1023,7 +1024,7 @@
           <a:p>
             <a:fld id="{0BA341DE-52A3-4960-A4E4-E0B9B47337F2}" type="datetimeFigureOut">
               <a:rPr lang="ru-RU" smtClean="0"/>
-              <a:t>12.02.2024</a:t>
+              <a:t>13.02.2024</a:t>
             </a:fld>
             <a:endParaRPr lang="ru-RU"/>
           </a:p>
@@ -1034,7 +1035,7 @@
           <p:cNvPr id="5" name="Нижний колонтитул 4">
             <a:extLst>
               <a:ext uri="{FF2B5EF4-FFF2-40B4-BE49-F238E27FC236}">
-                <a16:creationId xmlns:a16="http://schemas.microsoft.com/office/drawing/2014/main" id="{F2EAC16C-CD27-46AE-9F17-916613F6B996}"/>
+                <a16:creationId xmlns="" xmlns:a16="http://schemas.microsoft.com/office/drawing/2014/main" id="{F2EAC16C-CD27-46AE-9F17-916613F6B996}"/>
               </a:ext>
             </a:extLst>
           </p:cNvPr>
@@ -1059,7 +1060,7 @@
           <p:cNvPr id="6" name="Номер слайда 5">
             <a:extLst>
               <a:ext uri="{FF2B5EF4-FFF2-40B4-BE49-F238E27FC236}">
-                <a16:creationId xmlns:a16="http://schemas.microsoft.com/office/drawing/2014/main" id="{8F5FA05F-32CB-4F29-8D2F-1D315E9D53B4}"/>
+                <a16:creationId xmlns="" xmlns:a16="http://schemas.microsoft.com/office/drawing/2014/main" id="{8F5FA05F-32CB-4F29-8D2F-1D315E9D53B4}"/>
               </a:ext>
             </a:extLst>
           </p:cNvPr>
@@ -1118,7 +1119,7 @@
           <p:cNvPr id="2" name="Заголовок 1">
             <a:extLst>
               <a:ext uri="{FF2B5EF4-FFF2-40B4-BE49-F238E27FC236}">
-                <a16:creationId xmlns:a16="http://schemas.microsoft.com/office/drawing/2014/main" id="{9DC23E3D-DE8A-45BB-9737-B1DD5600438A}"/>
+                <a16:creationId xmlns="" xmlns:a16="http://schemas.microsoft.com/office/drawing/2014/main" id="{9DC23E3D-DE8A-45BB-9737-B1DD5600438A}"/>
               </a:ext>
             </a:extLst>
           </p:cNvPr>
@@ -1146,7 +1147,7 @@
           <p:cNvPr id="3" name="Объект 2">
             <a:extLst>
               <a:ext uri="{FF2B5EF4-FFF2-40B4-BE49-F238E27FC236}">
-                <a16:creationId xmlns:a16="http://schemas.microsoft.com/office/drawing/2014/main" id="{4E5818E6-402A-47F0-BFC5-C08AF567E239}"/>
+                <a16:creationId xmlns="" xmlns:a16="http://schemas.microsoft.com/office/drawing/2014/main" id="{4E5818E6-402A-47F0-BFC5-C08AF567E239}"/>
               </a:ext>
             </a:extLst>
           </p:cNvPr>
@@ -1203,7 +1204,7 @@
           <p:cNvPr id="4" name="Дата 3">
             <a:extLst>
               <a:ext uri="{FF2B5EF4-FFF2-40B4-BE49-F238E27FC236}">
-                <a16:creationId xmlns:a16="http://schemas.microsoft.com/office/drawing/2014/main" id="{3F661468-92AE-4AAC-940B-D702C5E9FDB6}"/>
+                <a16:creationId xmlns="" xmlns:a16="http://schemas.microsoft.com/office/drawing/2014/main" id="{3F661468-92AE-4AAC-940B-D702C5E9FDB6}"/>
               </a:ext>
             </a:extLst>
           </p:cNvPr>
@@ -1221,7 +1222,7 @@
           <a:p>
             <a:fld id="{0BA341DE-52A3-4960-A4E4-E0B9B47337F2}" type="datetimeFigureOut">
               <a:rPr lang="ru-RU" smtClean="0"/>
-              <a:t>12.02.2024</a:t>
+              <a:t>13.02.2024</a:t>
             </a:fld>
             <a:endParaRPr lang="ru-RU"/>
           </a:p>
@@ -1232,7 +1233,7 @@
           <p:cNvPr id="5" name="Нижний колонтитул 4">
             <a:extLst>
               <a:ext uri="{FF2B5EF4-FFF2-40B4-BE49-F238E27FC236}">
-                <a16:creationId xmlns:a16="http://schemas.microsoft.com/office/drawing/2014/main" id="{6A75746A-188D-4E20-9D16-B9FB1A9422CC}"/>
+                <a16:creationId xmlns="" xmlns:a16="http://schemas.microsoft.com/office/drawing/2014/main" id="{6A75746A-188D-4E20-9D16-B9FB1A9422CC}"/>
               </a:ext>
             </a:extLst>
           </p:cNvPr>
@@ -1257,7 +1258,7 @@
           <p:cNvPr id="6" name="Номер слайда 5">
             <a:extLst>
               <a:ext uri="{FF2B5EF4-FFF2-40B4-BE49-F238E27FC236}">
-                <a16:creationId xmlns:a16="http://schemas.microsoft.com/office/drawing/2014/main" id="{B01D9066-E808-43C5-B7FD-6738286DAA72}"/>
+                <a16:creationId xmlns="" xmlns:a16="http://schemas.microsoft.com/office/drawing/2014/main" id="{B01D9066-E808-43C5-B7FD-6738286DAA72}"/>
               </a:ext>
             </a:extLst>
           </p:cNvPr>
@@ -1316,7 +1317,7 @@
           <p:cNvPr id="2" name="Заголовок 1">
             <a:extLst>
               <a:ext uri="{FF2B5EF4-FFF2-40B4-BE49-F238E27FC236}">
-                <a16:creationId xmlns:a16="http://schemas.microsoft.com/office/drawing/2014/main" id="{B645BEC7-5451-4C6C-8AF9-701EDCBA71B4}"/>
+                <a16:creationId xmlns="" xmlns:a16="http://schemas.microsoft.com/office/drawing/2014/main" id="{B645BEC7-5451-4C6C-8AF9-701EDCBA71B4}"/>
               </a:ext>
             </a:extLst>
           </p:cNvPr>
@@ -1353,7 +1354,7 @@
           <p:cNvPr id="3" name="Текст 2">
             <a:extLst>
               <a:ext uri="{FF2B5EF4-FFF2-40B4-BE49-F238E27FC236}">
-                <a16:creationId xmlns:a16="http://schemas.microsoft.com/office/drawing/2014/main" id="{856F58DF-AE14-49E8-BE6E-08D676B30119}"/>
+                <a16:creationId xmlns="" xmlns:a16="http://schemas.microsoft.com/office/drawing/2014/main" id="{856F58DF-AE14-49E8-BE6E-08D676B30119}"/>
               </a:ext>
             </a:extLst>
           </p:cNvPr>
@@ -1478,7 +1479,7 @@
           <p:cNvPr id="4" name="Дата 3">
             <a:extLst>
               <a:ext uri="{FF2B5EF4-FFF2-40B4-BE49-F238E27FC236}">
-                <a16:creationId xmlns:a16="http://schemas.microsoft.com/office/drawing/2014/main" id="{D49A1771-B3BC-44A3-A71B-82BE8EFD4E6C}"/>
+                <a16:creationId xmlns="" xmlns:a16="http://schemas.microsoft.com/office/drawing/2014/main" id="{D49A1771-B3BC-44A3-A71B-82BE8EFD4E6C}"/>
               </a:ext>
             </a:extLst>
           </p:cNvPr>
@@ -1496,7 +1497,7 @@
           <a:p>
             <a:fld id="{0BA341DE-52A3-4960-A4E4-E0B9B47337F2}" type="datetimeFigureOut">
               <a:rPr lang="ru-RU" smtClean="0"/>
-              <a:t>12.02.2024</a:t>
+              <a:t>13.02.2024</a:t>
             </a:fld>
             <a:endParaRPr lang="ru-RU"/>
           </a:p>
@@ -1507,7 +1508,7 @@
           <p:cNvPr id="5" name="Нижний колонтитул 4">
             <a:extLst>
               <a:ext uri="{FF2B5EF4-FFF2-40B4-BE49-F238E27FC236}">
-                <a16:creationId xmlns:a16="http://schemas.microsoft.com/office/drawing/2014/main" id="{2EAF9CCA-875D-4564-BD9D-E9145CFF989B}"/>
+                <a16:creationId xmlns="" xmlns:a16="http://schemas.microsoft.com/office/drawing/2014/main" id="{2EAF9CCA-875D-4564-BD9D-E9145CFF989B}"/>
               </a:ext>
             </a:extLst>
           </p:cNvPr>
@@ -1532,7 +1533,7 @@
           <p:cNvPr id="6" name="Номер слайда 5">
             <a:extLst>
               <a:ext uri="{FF2B5EF4-FFF2-40B4-BE49-F238E27FC236}">
-                <a16:creationId xmlns:a16="http://schemas.microsoft.com/office/drawing/2014/main" id="{A4D30511-8E90-4D68-900C-5E003010145B}"/>
+                <a16:creationId xmlns="" xmlns:a16="http://schemas.microsoft.com/office/drawing/2014/main" id="{A4D30511-8E90-4D68-900C-5E003010145B}"/>
               </a:ext>
             </a:extLst>
           </p:cNvPr>
@@ -1591,7 +1592,7 @@
           <p:cNvPr id="2" name="Заголовок 1">
             <a:extLst>
               <a:ext uri="{FF2B5EF4-FFF2-40B4-BE49-F238E27FC236}">
-                <a16:creationId xmlns:a16="http://schemas.microsoft.com/office/drawing/2014/main" id="{21B7F65D-C4F7-4876-BB55-1E705064EE86}"/>
+                <a16:creationId xmlns="" xmlns:a16="http://schemas.microsoft.com/office/drawing/2014/main" id="{21B7F65D-C4F7-4876-BB55-1E705064EE86}"/>
               </a:ext>
             </a:extLst>
           </p:cNvPr>
@@ -1619,7 +1620,7 @@
           <p:cNvPr id="3" name="Объект 2">
             <a:extLst>
               <a:ext uri="{FF2B5EF4-FFF2-40B4-BE49-F238E27FC236}">
-                <a16:creationId xmlns:a16="http://schemas.microsoft.com/office/drawing/2014/main" id="{2715BF40-5C2F-4030-A183-59A2F0982D55}"/>
+                <a16:creationId xmlns="" xmlns:a16="http://schemas.microsoft.com/office/drawing/2014/main" id="{2715BF40-5C2F-4030-A183-59A2F0982D55}"/>
               </a:ext>
             </a:extLst>
           </p:cNvPr>
@@ -1681,7 +1682,7 @@
           <p:cNvPr id="4" name="Объект 3">
             <a:extLst>
               <a:ext uri="{FF2B5EF4-FFF2-40B4-BE49-F238E27FC236}">
-                <a16:creationId xmlns:a16="http://schemas.microsoft.com/office/drawing/2014/main" id="{A4AEC0FC-868E-4A41-B46A-74D66B9E5D78}"/>
+                <a16:creationId xmlns="" xmlns:a16="http://schemas.microsoft.com/office/drawing/2014/main" id="{A4AEC0FC-868E-4A41-B46A-74D66B9E5D78}"/>
               </a:ext>
             </a:extLst>
           </p:cNvPr>
@@ -1743,7 +1744,7 @@
           <p:cNvPr id="5" name="Дата 4">
             <a:extLst>
               <a:ext uri="{FF2B5EF4-FFF2-40B4-BE49-F238E27FC236}">
-                <a16:creationId xmlns:a16="http://schemas.microsoft.com/office/drawing/2014/main" id="{6ACB2E59-7A37-4887-BADE-9E27E2258FF6}"/>
+                <a16:creationId xmlns="" xmlns:a16="http://schemas.microsoft.com/office/drawing/2014/main" id="{6ACB2E59-7A37-4887-BADE-9E27E2258FF6}"/>
               </a:ext>
             </a:extLst>
           </p:cNvPr>
@@ -1761,7 +1762,7 @@
           <a:p>
             <a:fld id="{0BA341DE-52A3-4960-A4E4-E0B9B47337F2}" type="datetimeFigureOut">
               <a:rPr lang="ru-RU" smtClean="0"/>
-              <a:t>12.02.2024</a:t>
+              <a:t>13.02.2024</a:t>
             </a:fld>
             <a:endParaRPr lang="ru-RU"/>
           </a:p>
@@ -1772,7 +1773,7 @@
           <p:cNvPr id="6" name="Нижний колонтитул 5">
             <a:extLst>
               <a:ext uri="{FF2B5EF4-FFF2-40B4-BE49-F238E27FC236}">
-                <a16:creationId xmlns:a16="http://schemas.microsoft.com/office/drawing/2014/main" id="{29D056A3-BB38-4882-9A28-C519F9467399}"/>
+                <a16:creationId xmlns="" xmlns:a16="http://schemas.microsoft.com/office/drawing/2014/main" id="{29D056A3-BB38-4882-9A28-C519F9467399}"/>
               </a:ext>
             </a:extLst>
           </p:cNvPr>
@@ -1797,7 +1798,7 @@
           <p:cNvPr id="7" name="Номер слайда 6">
             <a:extLst>
               <a:ext uri="{FF2B5EF4-FFF2-40B4-BE49-F238E27FC236}">
-                <a16:creationId xmlns:a16="http://schemas.microsoft.com/office/drawing/2014/main" id="{8E424F73-AC04-4B06-8C5D-35B726503133}"/>
+                <a16:creationId xmlns="" xmlns:a16="http://schemas.microsoft.com/office/drawing/2014/main" id="{8E424F73-AC04-4B06-8C5D-35B726503133}"/>
               </a:ext>
             </a:extLst>
           </p:cNvPr>
@@ -1856,7 +1857,7 @@
           <p:cNvPr id="2" name="Заголовок 1">
             <a:extLst>
               <a:ext uri="{FF2B5EF4-FFF2-40B4-BE49-F238E27FC236}">
-                <a16:creationId xmlns:a16="http://schemas.microsoft.com/office/drawing/2014/main" id="{DC581487-4A25-4EF3-8D1E-545B49D6671E}"/>
+                <a16:creationId xmlns="" xmlns:a16="http://schemas.microsoft.com/office/drawing/2014/main" id="{DC581487-4A25-4EF3-8D1E-545B49D6671E}"/>
               </a:ext>
             </a:extLst>
           </p:cNvPr>
@@ -1889,7 +1890,7 @@
           <p:cNvPr id="3" name="Текст 2">
             <a:extLst>
               <a:ext uri="{FF2B5EF4-FFF2-40B4-BE49-F238E27FC236}">
-                <a16:creationId xmlns:a16="http://schemas.microsoft.com/office/drawing/2014/main" id="{91F955F8-F607-456D-B90F-D13C554204FB}"/>
+                <a16:creationId xmlns="" xmlns:a16="http://schemas.microsoft.com/office/drawing/2014/main" id="{91F955F8-F607-456D-B90F-D13C554204FB}"/>
               </a:ext>
             </a:extLst>
           </p:cNvPr>
@@ -1960,7 +1961,7 @@
           <p:cNvPr id="4" name="Объект 3">
             <a:extLst>
               <a:ext uri="{FF2B5EF4-FFF2-40B4-BE49-F238E27FC236}">
-                <a16:creationId xmlns:a16="http://schemas.microsoft.com/office/drawing/2014/main" id="{03FE0353-D278-4F66-BD6E-AD6E18DD6438}"/>
+                <a16:creationId xmlns="" xmlns:a16="http://schemas.microsoft.com/office/drawing/2014/main" id="{03FE0353-D278-4F66-BD6E-AD6E18DD6438}"/>
               </a:ext>
             </a:extLst>
           </p:cNvPr>
@@ -2022,7 +2023,7 @@
           <p:cNvPr id="5" name="Текст 4">
             <a:extLst>
               <a:ext uri="{FF2B5EF4-FFF2-40B4-BE49-F238E27FC236}">
-                <a16:creationId xmlns:a16="http://schemas.microsoft.com/office/drawing/2014/main" id="{4BF909DC-E217-47CE-B143-C70227F54E7F}"/>
+                <a16:creationId xmlns="" xmlns:a16="http://schemas.microsoft.com/office/drawing/2014/main" id="{4BF909DC-E217-47CE-B143-C70227F54E7F}"/>
               </a:ext>
             </a:extLst>
           </p:cNvPr>
@@ -2093,7 +2094,7 @@
           <p:cNvPr id="6" name="Объект 5">
             <a:extLst>
               <a:ext uri="{FF2B5EF4-FFF2-40B4-BE49-F238E27FC236}">
-                <a16:creationId xmlns:a16="http://schemas.microsoft.com/office/drawing/2014/main" id="{6A6B088C-340B-410F-97C5-20CD8D36B215}"/>
+                <a16:creationId xmlns="" xmlns:a16="http://schemas.microsoft.com/office/drawing/2014/main" id="{6A6B088C-340B-410F-97C5-20CD8D36B215}"/>
               </a:ext>
             </a:extLst>
           </p:cNvPr>
@@ -2155,7 +2156,7 @@
           <p:cNvPr id="7" name="Дата 6">
             <a:extLst>
               <a:ext uri="{FF2B5EF4-FFF2-40B4-BE49-F238E27FC236}">
-                <a16:creationId xmlns:a16="http://schemas.microsoft.com/office/drawing/2014/main" id="{AB47A814-FA92-42FF-AC9B-13E591585236}"/>
+                <a16:creationId xmlns="" xmlns:a16="http://schemas.microsoft.com/office/drawing/2014/main" id="{AB47A814-FA92-42FF-AC9B-13E591585236}"/>
               </a:ext>
             </a:extLst>
           </p:cNvPr>
@@ -2173,7 +2174,7 @@
           <a:p>
             <a:fld id="{0BA341DE-52A3-4960-A4E4-E0B9B47337F2}" type="datetimeFigureOut">
               <a:rPr lang="ru-RU" smtClean="0"/>
-              <a:t>12.02.2024</a:t>
+              <a:t>13.02.2024</a:t>
             </a:fld>
             <a:endParaRPr lang="ru-RU"/>
           </a:p>
@@ -2184,7 +2185,7 @@
           <p:cNvPr id="8" name="Нижний колонтитул 7">
             <a:extLst>
               <a:ext uri="{FF2B5EF4-FFF2-40B4-BE49-F238E27FC236}">
-                <a16:creationId xmlns:a16="http://schemas.microsoft.com/office/drawing/2014/main" id="{D3190B88-3502-4305-A3F3-C738F0441E67}"/>
+                <a16:creationId xmlns="" xmlns:a16="http://schemas.microsoft.com/office/drawing/2014/main" id="{D3190B88-3502-4305-A3F3-C738F0441E67}"/>
               </a:ext>
             </a:extLst>
           </p:cNvPr>
@@ -2209,7 +2210,7 @@
           <p:cNvPr id="9" name="Номер слайда 8">
             <a:extLst>
               <a:ext uri="{FF2B5EF4-FFF2-40B4-BE49-F238E27FC236}">
-                <a16:creationId xmlns:a16="http://schemas.microsoft.com/office/drawing/2014/main" id="{314379C6-4E54-416E-978B-7D6B6EF5EC47}"/>
+                <a16:creationId xmlns="" xmlns:a16="http://schemas.microsoft.com/office/drawing/2014/main" id="{314379C6-4E54-416E-978B-7D6B6EF5EC47}"/>
               </a:ext>
             </a:extLst>
           </p:cNvPr>
@@ -2268,7 +2269,7 @@
           <p:cNvPr id="2" name="Заголовок 1">
             <a:extLst>
               <a:ext uri="{FF2B5EF4-FFF2-40B4-BE49-F238E27FC236}">
-                <a16:creationId xmlns:a16="http://schemas.microsoft.com/office/drawing/2014/main" id="{F0B7F35A-8955-4948-B603-FFD122577CF3}"/>
+                <a16:creationId xmlns="" xmlns:a16="http://schemas.microsoft.com/office/drawing/2014/main" id="{F0B7F35A-8955-4948-B603-FFD122577CF3}"/>
               </a:ext>
             </a:extLst>
           </p:cNvPr>
@@ -2296,7 +2297,7 @@
           <p:cNvPr id="3" name="Дата 2">
             <a:extLst>
               <a:ext uri="{FF2B5EF4-FFF2-40B4-BE49-F238E27FC236}">
-                <a16:creationId xmlns:a16="http://schemas.microsoft.com/office/drawing/2014/main" id="{A3593B58-D359-4C11-A6BD-712437242840}"/>
+                <a16:creationId xmlns="" xmlns:a16="http://schemas.microsoft.com/office/drawing/2014/main" id="{A3593B58-D359-4C11-A6BD-712437242840}"/>
               </a:ext>
             </a:extLst>
           </p:cNvPr>
@@ -2314,7 +2315,7 @@
           <a:p>
             <a:fld id="{0BA341DE-52A3-4960-A4E4-E0B9B47337F2}" type="datetimeFigureOut">
               <a:rPr lang="ru-RU" smtClean="0"/>
-              <a:t>12.02.2024</a:t>
+              <a:t>13.02.2024</a:t>
             </a:fld>
             <a:endParaRPr lang="ru-RU"/>
           </a:p>
@@ -2325,7 +2326,7 @@
           <p:cNvPr id="4" name="Нижний колонтитул 3">
             <a:extLst>
               <a:ext uri="{FF2B5EF4-FFF2-40B4-BE49-F238E27FC236}">
-                <a16:creationId xmlns:a16="http://schemas.microsoft.com/office/drawing/2014/main" id="{D4A037BB-1D72-47FC-B084-37307FC34A1B}"/>
+                <a16:creationId xmlns="" xmlns:a16="http://schemas.microsoft.com/office/drawing/2014/main" id="{D4A037BB-1D72-47FC-B084-37307FC34A1B}"/>
               </a:ext>
             </a:extLst>
           </p:cNvPr>
@@ -2350,7 +2351,7 @@
           <p:cNvPr id="5" name="Номер слайда 4">
             <a:extLst>
               <a:ext uri="{FF2B5EF4-FFF2-40B4-BE49-F238E27FC236}">
-                <a16:creationId xmlns:a16="http://schemas.microsoft.com/office/drawing/2014/main" id="{FD1004DD-696E-4589-8A48-0366F1754530}"/>
+                <a16:creationId xmlns="" xmlns:a16="http://schemas.microsoft.com/office/drawing/2014/main" id="{FD1004DD-696E-4589-8A48-0366F1754530}"/>
               </a:ext>
             </a:extLst>
           </p:cNvPr>
@@ -2409,7 +2410,7 @@
           <p:cNvPr id="2" name="Дата 1">
             <a:extLst>
               <a:ext uri="{FF2B5EF4-FFF2-40B4-BE49-F238E27FC236}">
-                <a16:creationId xmlns:a16="http://schemas.microsoft.com/office/drawing/2014/main" id="{575A99F8-201E-45AB-95E5-8BFF504165A9}"/>
+                <a16:creationId xmlns="" xmlns:a16="http://schemas.microsoft.com/office/drawing/2014/main" id="{575A99F8-201E-45AB-95E5-8BFF504165A9}"/>
               </a:ext>
             </a:extLst>
           </p:cNvPr>
@@ -2427,7 +2428,7 @@
           <a:p>
             <a:fld id="{0BA341DE-52A3-4960-A4E4-E0B9B47337F2}" type="datetimeFigureOut">
               <a:rPr lang="ru-RU" smtClean="0"/>
-              <a:t>12.02.2024</a:t>
+              <a:t>13.02.2024</a:t>
             </a:fld>
             <a:endParaRPr lang="ru-RU"/>
           </a:p>
@@ -2438,7 +2439,7 @@
           <p:cNvPr id="3" name="Нижний колонтитул 2">
             <a:extLst>
               <a:ext uri="{FF2B5EF4-FFF2-40B4-BE49-F238E27FC236}">
-                <a16:creationId xmlns:a16="http://schemas.microsoft.com/office/drawing/2014/main" id="{B6A62162-83AD-443C-8E04-08D8C4A86AEF}"/>
+                <a16:creationId xmlns="" xmlns:a16="http://schemas.microsoft.com/office/drawing/2014/main" id="{B6A62162-83AD-443C-8E04-08D8C4A86AEF}"/>
               </a:ext>
             </a:extLst>
           </p:cNvPr>
@@ -2463,7 +2464,7 @@
           <p:cNvPr id="4" name="Номер слайда 3">
             <a:extLst>
               <a:ext uri="{FF2B5EF4-FFF2-40B4-BE49-F238E27FC236}">
-                <a16:creationId xmlns:a16="http://schemas.microsoft.com/office/drawing/2014/main" id="{047E1679-B144-4B01-9095-A304318CD1CE}"/>
+                <a16:creationId xmlns="" xmlns:a16="http://schemas.microsoft.com/office/drawing/2014/main" id="{047E1679-B144-4B01-9095-A304318CD1CE}"/>
               </a:ext>
             </a:extLst>
           </p:cNvPr>
@@ -2522,7 +2523,7 @@
           <p:cNvPr id="2" name="Заголовок 1">
             <a:extLst>
               <a:ext uri="{FF2B5EF4-FFF2-40B4-BE49-F238E27FC236}">
-                <a16:creationId xmlns:a16="http://schemas.microsoft.com/office/drawing/2014/main" id="{426F6EC2-2B12-453A-BFD6-4F9587559C25}"/>
+                <a16:creationId xmlns="" xmlns:a16="http://schemas.microsoft.com/office/drawing/2014/main" id="{426F6EC2-2B12-453A-BFD6-4F9587559C25}"/>
               </a:ext>
             </a:extLst>
           </p:cNvPr>
@@ -2559,7 +2560,7 @@
           <p:cNvPr id="3" name="Объект 2">
             <a:extLst>
               <a:ext uri="{FF2B5EF4-FFF2-40B4-BE49-F238E27FC236}">
-                <a16:creationId xmlns:a16="http://schemas.microsoft.com/office/drawing/2014/main" id="{468790B8-EF27-48F3-87A9-1DE880DE02BB}"/>
+                <a16:creationId xmlns="" xmlns:a16="http://schemas.microsoft.com/office/drawing/2014/main" id="{468790B8-EF27-48F3-87A9-1DE880DE02BB}"/>
               </a:ext>
             </a:extLst>
           </p:cNvPr>
@@ -2649,7 +2650,7 @@
           <p:cNvPr id="4" name="Текст 3">
             <a:extLst>
               <a:ext uri="{FF2B5EF4-FFF2-40B4-BE49-F238E27FC236}">
-                <a16:creationId xmlns:a16="http://schemas.microsoft.com/office/drawing/2014/main" id="{8B415D3D-0DC0-44C5-BEB6-C15B65B9D1E7}"/>
+                <a16:creationId xmlns="" xmlns:a16="http://schemas.microsoft.com/office/drawing/2014/main" id="{8B415D3D-0DC0-44C5-BEB6-C15B65B9D1E7}"/>
               </a:ext>
             </a:extLst>
           </p:cNvPr>
@@ -2720,7 +2721,7 @@
           <p:cNvPr id="5" name="Дата 4">
             <a:extLst>
               <a:ext uri="{FF2B5EF4-FFF2-40B4-BE49-F238E27FC236}">
-                <a16:creationId xmlns:a16="http://schemas.microsoft.com/office/drawing/2014/main" id="{F7A4C33B-E00E-4295-BFD0-9A9148742DBC}"/>
+                <a16:creationId xmlns="" xmlns:a16="http://schemas.microsoft.com/office/drawing/2014/main" id="{F7A4C33B-E00E-4295-BFD0-9A9148742DBC}"/>
               </a:ext>
             </a:extLst>
           </p:cNvPr>
@@ -2738,7 +2739,7 @@
           <a:p>
             <a:fld id="{0BA341DE-52A3-4960-A4E4-E0B9B47337F2}" type="datetimeFigureOut">
               <a:rPr lang="ru-RU" smtClean="0"/>
-              <a:t>12.02.2024</a:t>
+              <a:t>13.02.2024</a:t>
             </a:fld>
             <a:endParaRPr lang="ru-RU"/>
           </a:p>
@@ -2749,7 +2750,7 @@
           <p:cNvPr id="6" name="Нижний колонтитул 5">
             <a:extLst>
               <a:ext uri="{FF2B5EF4-FFF2-40B4-BE49-F238E27FC236}">
-                <a16:creationId xmlns:a16="http://schemas.microsoft.com/office/drawing/2014/main" id="{74CB9968-873B-4D44-8993-38A0F47279C9}"/>
+                <a16:creationId xmlns="" xmlns:a16="http://schemas.microsoft.com/office/drawing/2014/main" id="{74CB9968-873B-4D44-8993-38A0F47279C9}"/>
               </a:ext>
             </a:extLst>
           </p:cNvPr>
@@ -2774,7 +2775,7 @@
           <p:cNvPr id="7" name="Номер слайда 6">
             <a:extLst>
               <a:ext uri="{FF2B5EF4-FFF2-40B4-BE49-F238E27FC236}">
-                <a16:creationId xmlns:a16="http://schemas.microsoft.com/office/drawing/2014/main" id="{D6E1D231-C9AE-4439-A3FC-DDBCEB3FA594}"/>
+                <a16:creationId xmlns="" xmlns:a16="http://schemas.microsoft.com/office/drawing/2014/main" id="{D6E1D231-C9AE-4439-A3FC-DDBCEB3FA594}"/>
               </a:ext>
             </a:extLst>
           </p:cNvPr>
@@ -2833,7 +2834,7 @@
           <p:cNvPr id="2" name="Заголовок 1">
             <a:extLst>
               <a:ext uri="{FF2B5EF4-FFF2-40B4-BE49-F238E27FC236}">
-                <a16:creationId xmlns:a16="http://schemas.microsoft.com/office/drawing/2014/main" id="{52CBD09E-D627-42D9-BDA8-540D4CED45A4}"/>
+                <a16:creationId xmlns="" xmlns:a16="http://schemas.microsoft.com/office/drawing/2014/main" id="{52CBD09E-D627-42D9-BDA8-540D4CED45A4}"/>
               </a:ext>
             </a:extLst>
           </p:cNvPr>
@@ -2870,7 +2871,7 @@
           <p:cNvPr id="3" name="Рисунок 2">
             <a:extLst>
               <a:ext uri="{FF2B5EF4-FFF2-40B4-BE49-F238E27FC236}">
-                <a16:creationId xmlns:a16="http://schemas.microsoft.com/office/drawing/2014/main" id="{E1278D7E-70B6-470F-BD28-6CD21DBEEF47}"/>
+                <a16:creationId xmlns="" xmlns:a16="http://schemas.microsoft.com/office/drawing/2014/main" id="{E1278D7E-70B6-470F-BD28-6CD21DBEEF47}"/>
               </a:ext>
             </a:extLst>
           </p:cNvPr>
@@ -2937,7 +2938,7 @@
           <p:cNvPr id="4" name="Текст 3">
             <a:extLst>
               <a:ext uri="{FF2B5EF4-FFF2-40B4-BE49-F238E27FC236}">
-                <a16:creationId xmlns:a16="http://schemas.microsoft.com/office/drawing/2014/main" id="{190400D1-D645-4345-B463-A5E3FC379E82}"/>
+                <a16:creationId xmlns="" xmlns:a16="http://schemas.microsoft.com/office/drawing/2014/main" id="{190400D1-D645-4345-B463-A5E3FC379E82}"/>
               </a:ext>
             </a:extLst>
           </p:cNvPr>
@@ -3008,7 +3009,7 @@
           <p:cNvPr id="5" name="Дата 4">
             <a:extLst>
               <a:ext uri="{FF2B5EF4-FFF2-40B4-BE49-F238E27FC236}">
-                <a16:creationId xmlns:a16="http://schemas.microsoft.com/office/drawing/2014/main" id="{F25D5B20-159B-471A-ACCF-F8DC4C199EDA}"/>
+                <a16:creationId xmlns="" xmlns:a16="http://schemas.microsoft.com/office/drawing/2014/main" id="{F25D5B20-159B-471A-ACCF-F8DC4C199EDA}"/>
               </a:ext>
             </a:extLst>
           </p:cNvPr>
@@ -3026,7 +3027,7 @@
           <a:p>
             <a:fld id="{0BA341DE-52A3-4960-A4E4-E0B9B47337F2}" type="datetimeFigureOut">
               <a:rPr lang="ru-RU" smtClean="0"/>
-              <a:t>12.02.2024</a:t>
+              <a:t>13.02.2024</a:t>
             </a:fld>
             <a:endParaRPr lang="ru-RU"/>
           </a:p>
@@ -3037,7 +3038,7 @@
           <p:cNvPr id="6" name="Нижний колонтитул 5">
             <a:extLst>
               <a:ext uri="{FF2B5EF4-FFF2-40B4-BE49-F238E27FC236}">
-                <a16:creationId xmlns:a16="http://schemas.microsoft.com/office/drawing/2014/main" id="{B99A5192-145C-4984-B5FA-02E5FB65CD28}"/>
+                <a16:creationId xmlns="" xmlns:a16="http://schemas.microsoft.com/office/drawing/2014/main" id="{B99A5192-145C-4984-B5FA-02E5FB65CD28}"/>
               </a:ext>
             </a:extLst>
           </p:cNvPr>
@@ -3062,7 +3063,7 @@
           <p:cNvPr id="7" name="Номер слайда 6">
             <a:extLst>
               <a:ext uri="{FF2B5EF4-FFF2-40B4-BE49-F238E27FC236}">
-                <a16:creationId xmlns:a16="http://schemas.microsoft.com/office/drawing/2014/main" id="{E1ADE512-1A02-4B4A-A91C-6E7DC459E3B6}"/>
+                <a16:creationId xmlns="" xmlns:a16="http://schemas.microsoft.com/office/drawing/2014/main" id="{E1ADE512-1A02-4B4A-A91C-6E7DC459E3B6}"/>
               </a:ext>
             </a:extLst>
           </p:cNvPr>
@@ -3126,7 +3127,7 @@
           <p:cNvPr id="2" name="Заголовок 1">
             <a:extLst>
               <a:ext uri="{FF2B5EF4-FFF2-40B4-BE49-F238E27FC236}">
-                <a16:creationId xmlns:a16="http://schemas.microsoft.com/office/drawing/2014/main" id="{91A84FB4-C57A-41A2-8C52-24C7E4ACC086}"/>
+                <a16:creationId xmlns="" xmlns:a16="http://schemas.microsoft.com/office/drawing/2014/main" id="{91A84FB4-C57A-41A2-8C52-24C7E4ACC086}"/>
               </a:ext>
             </a:extLst>
           </p:cNvPr>
@@ -3164,7 +3165,7 @@
           <p:cNvPr id="3" name="Текст 2">
             <a:extLst>
               <a:ext uri="{FF2B5EF4-FFF2-40B4-BE49-F238E27FC236}">
-                <a16:creationId xmlns:a16="http://schemas.microsoft.com/office/drawing/2014/main" id="{144BA084-0FD3-4AA3-9241-BB4E8F7B542E}"/>
+                <a16:creationId xmlns="" xmlns:a16="http://schemas.microsoft.com/office/drawing/2014/main" id="{144BA084-0FD3-4AA3-9241-BB4E8F7B542E}"/>
               </a:ext>
             </a:extLst>
           </p:cNvPr>
@@ -3231,7 +3232,7 @@
           <p:cNvPr id="4" name="Дата 3">
             <a:extLst>
               <a:ext uri="{FF2B5EF4-FFF2-40B4-BE49-F238E27FC236}">
-                <a16:creationId xmlns:a16="http://schemas.microsoft.com/office/drawing/2014/main" id="{E92D21E8-035B-40F0-B852-A4FB12504252}"/>
+                <a16:creationId xmlns="" xmlns:a16="http://schemas.microsoft.com/office/drawing/2014/main" id="{E92D21E8-035B-40F0-B852-A4FB12504252}"/>
               </a:ext>
             </a:extLst>
           </p:cNvPr>
@@ -3267,7 +3268,7 @@
           <a:p>
             <a:fld id="{0BA341DE-52A3-4960-A4E4-E0B9B47337F2}" type="datetimeFigureOut">
               <a:rPr lang="ru-RU" smtClean="0"/>
-              <a:t>12.02.2024</a:t>
+              <a:t>13.02.2024</a:t>
             </a:fld>
             <a:endParaRPr lang="ru-RU"/>
           </a:p>
@@ -3278,7 +3279,7 @@
           <p:cNvPr id="5" name="Нижний колонтитул 4">
             <a:extLst>
               <a:ext uri="{FF2B5EF4-FFF2-40B4-BE49-F238E27FC236}">
-                <a16:creationId xmlns:a16="http://schemas.microsoft.com/office/drawing/2014/main" id="{608B4918-6E21-4876-8C79-5A4A12E525B4}"/>
+                <a16:creationId xmlns="" xmlns:a16="http://schemas.microsoft.com/office/drawing/2014/main" id="{608B4918-6E21-4876-8C79-5A4A12E525B4}"/>
               </a:ext>
             </a:extLst>
           </p:cNvPr>
@@ -3321,7 +3322,7 @@
           <p:cNvPr id="6" name="Номер слайда 5">
             <a:extLst>
               <a:ext uri="{FF2B5EF4-FFF2-40B4-BE49-F238E27FC236}">
-                <a16:creationId xmlns:a16="http://schemas.microsoft.com/office/drawing/2014/main" id="{FD6DAEB5-879C-4C8B-B530-956DB4F7A04D}"/>
+                <a16:creationId xmlns="" xmlns:a16="http://schemas.microsoft.com/office/drawing/2014/main" id="{FD6DAEB5-879C-4C8B-B530-956DB4F7A04D}"/>
               </a:ext>
             </a:extLst>
           </p:cNvPr>
@@ -3689,7 +3690,7 @@
           <p:cNvPr id="2" name="Заголовок 1">
             <a:extLst>
               <a:ext uri="{FF2B5EF4-FFF2-40B4-BE49-F238E27FC236}">
-                <a16:creationId xmlns:a16="http://schemas.microsoft.com/office/drawing/2014/main" id="{CFE7DB13-0EE3-4131-B3B4-B477CF9ED0AA}"/>
+                <a16:creationId xmlns="" xmlns:a16="http://schemas.microsoft.com/office/drawing/2014/main" id="{CFE7DB13-0EE3-4131-B3B4-B477CF9ED0AA}"/>
               </a:ext>
             </a:extLst>
           </p:cNvPr>
@@ -3734,7 +3735,7 @@
           <p:cNvPr id="3" name="Подзаголовок 2">
             <a:extLst>
               <a:ext uri="{FF2B5EF4-FFF2-40B4-BE49-F238E27FC236}">
-                <a16:creationId xmlns:a16="http://schemas.microsoft.com/office/drawing/2014/main" id="{93382DD5-921F-403B-876E-3109CE98A765}"/>
+                <a16:creationId xmlns="" xmlns:a16="http://schemas.microsoft.com/office/drawing/2014/main" id="{93382DD5-921F-403B-876E-3109CE98A765}"/>
               </a:ext>
             </a:extLst>
           </p:cNvPr>
@@ -3766,7 +3767,7 @@
           <p:cNvPr id="4" name="TextBox 3">
             <a:extLst>
               <a:ext uri="{FF2B5EF4-FFF2-40B4-BE49-F238E27FC236}">
-                <a16:creationId xmlns:a16="http://schemas.microsoft.com/office/drawing/2014/main" id="{7239B912-B068-413C-8F69-A0EE2507F65D}"/>
+                <a16:creationId xmlns="" xmlns:a16="http://schemas.microsoft.com/office/drawing/2014/main" id="{7239B912-B068-413C-8F69-A0EE2507F65D}"/>
               </a:ext>
             </a:extLst>
           </p:cNvPr>
@@ -3822,6 +3823,13 @@
   <p:clrMapOvr>
     <a:masterClrMapping/>
   </p:clrMapOvr>
+  <p:timing>
+    <p:tnLst>
+      <p:par>
+        <p:cTn id="1" dur="indefinite" restart="never" nodeType="tmRoot"/>
+      </p:par>
+    </p:tnLst>
+  </p:timing>
 </p:sld>
 </file>
 
@@ -3847,7 +3855,7 @@
           <p:cNvPr id="2" name="Заголовок 1">
             <a:extLst>
               <a:ext uri="{FF2B5EF4-FFF2-40B4-BE49-F238E27FC236}">
-                <a16:creationId xmlns:a16="http://schemas.microsoft.com/office/drawing/2014/main" id="{F5437F0A-FD52-494B-9787-D33921FF945A}"/>
+                <a16:creationId xmlns="" xmlns:a16="http://schemas.microsoft.com/office/drawing/2014/main" id="{F5437F0A-FD52-494B-9787-D33921FF945A}"/>
               </a:ext>
             </a:extLst>
           </p:cNvPr>
@@ -3858,9 +3866,16 @@
             <p:ph type="title"/>
           </p:nvPr>
         </p:nvSpPr>
-        <p:spPr/>
-        <p:txBody>
-          <a:bodyPr/>
+        <p:spPr>
+          <a:xfrm>
+            <a:off x="839788" y="457201"/>
+            <a:ext cx="3932237" cy="543463"/>
+          </a:xfrm>
+        </p:spPr>
+        <p:txBody>
+          <a:bodyPr>
+            <a:normAutofit/>
+          </a:bodyPr>
           <a:lstStyle/>
           <a:p>
             <a:r>
@@ -3875,66 +3890,511 @@
           </a:p>
         </p:txBody>
       </p:sp>
-      <p:sp>
-        <p:nvSpPr>
-          <p:cNvPr id="3" name="Объект 2">
-            <a:extLst>
-              <a:ext uri="{FF2B5EF4-FFF2-40B4-BE49-F238E27FC236}">
-                <a16:creationId xmlns:a16="http://schemas.microsoft.com/office/drawing/2014/main" id="{E368B81C-9C8A-4733-96DF-8D4BEC7EB87C}"/>
-              </a:ext>
-            </a:extLst>
-          </p:cNvPr>
-          <p:cNvSpPr>
-            <a:spLocks noGrp="1"/>
-          </p:cNvSpPr>
+      <p:pic>
+        <p:nvPicPr>
+          <p:cNvPr id="5" name="Объект 4"/>
+          <p:cNvPicPr>
+            <a:picLocks noGrp="1" noChangeAspect="1"/>
+          </p:cNvPicPr>
           <p:nvPr>
             <p:ph idx="1"/>
           </p:nvPr>
-        </p:nvSpPr>
-        <p:spPr/>
+        </p:nvPicPr>
+        <p:blipFill rotWithShape="1">
+          <a:blip r:embed="rId2" cstate="print">
+            <a:extLst>
+              <a:ext uri="{28A0092B-C50C-407E-A947-70E740481C1C}">
+                <a14:useLocalDpi xmlns:a14="http://schemas.microsoft.com/office/drawing/2010/main" val="0"/>
+              </a:ext>
+            </a:extLst>
+          </a:blip>
+          <a:srcRect l="53130" t="21702" r="6617" b="6030"/>
+          <a:stretch/>
+        </p:blipFill>
+        <p:spPr>
+          <a:xfrm>
+            <a:off x="5917720" y="542859"/>
+            <a:ext cx="5667556" cy="5726590"/>
+          </a:xfrm>
+        </p:spPr>
+      </p:pic>
+      <p:sp>
+        <p:nvSpPr>
+          <p:cNvPr id="4" name="Текст 3">
+            <a:extLst>
+              <a:ext uri="{FF2B5EF4-FFF2-40B4-BE49-F238E27FC236}">
+                <a16:creationId xmlns="" xmlns:a16="http://schemas.microsoft.com/office/drawing/2014/main" id="{D33BF655-0120-41B3-A26A-D05B33923351}"/>
+              </a:ext>
+            </a:extLst>
+          </p:cNvPr>
+          <p:cNvSpPr>
+            <a:spLocks noGrp="1"/>
+          </p:cNvSpPr>
+          <p:nvPr>
+            <p:ph type="body" sz="half" idx="2"/>
+          </p:nvPr>
+        </p:nvSpPr>
+        <p:spPr>
+          <a:xfrm>
+            <a:off x="813909" y="953218"/>
+            <a:ext cx="3932237" cy="5438955"/>
+          </a:xfrm>
+        </p:spPr>
         <p:txBody>
           <a:bodyPr/>
           <a:lstStyle/>
           <a:p>
-            <a:endParaRPr lang="ru-RU"/>
-          </a:p>
-        </p:txBody>
-      </p:sp>
-      <p:sp>
-        <p:nvSpPr>
-          <p:cNvPr id="4" name="Текст 3">
-            <a:extLst>
-              <a:ext uri="{FF2B5EF4-FFF2-40B4-BE49-F238E27FC236}">
-                <a16:creationId xmlns:a16="http://schemas.microsoft.com/office/drawing/2014/main" id="{D33BF655-0120-41B3-A26A-D05B33923351}"/>
-              </a:ext>
-            </a:extLst>
-          </p:cNvPr>
-          <p:cNvSpPr>
-            <a:spLocks noGrp="1"/>
-          </p:cNvSpPr>
-          <p:nvPr>
-            <p:ph type="body" sz="half" idx="2"/>
-          </p:nvPr>
-        </p:nvSpPr>
-        <p:spPr/>
-        <p:txBody>
-          <a:bodyPr/>
-          <a:lstStyle/>
-          <a:p>
-            <a:endParaRPr lang="ru-RU"/>
+            <a:r>
+              <a:rPr lang="ru-RU" b="1" dirty="0" err="1"/>
+              <a:t>Git</a:t>
+            </a:r>
+            <a:r>
+              <a:rPr lang="ru-RU" dirty="0"/>
+              <a:t> (произносится «гит») — </a:t>
+            </a:r>
+            <a:r>
+              <a:rPr lang="ru-RU" dirty="0" smtClean="0"/>
+              <a:t>это распределённая</a:t>
+            </a:r>
+            <a:r>
+              <a:rPr lang="ru-RU" dirty="0"/>
+              <a:t> система управления версиями. Проект был </a:t>
+            </a:r>
+            <a:r>
+              <a:rPr lang="ru-RU" dirty="0" smtClean="0"/>
+              <a:t>создан </a:t>
+            </a:r>
+            <a:r>
+              <a:rPr lang="ru-RU" dirty="0" err="1" smtClean="0"/>
+              <a:t>Линусом</a:t>
+            </a:r>
+            <a:r>
+              <a:rPr lang="ru-RU" dirty="0" smtClean="0"/>
+              <a:t> </a:t>
+            </a:r>
+            <a:r>
+              <a:rPr lang="ru-RU" dirty="0" err="1" smtClean="0"/>
+              <a:t>Торвальдсом</a:t>
+            </a:r>
+            <a:r>
+              <a:rPr lang="ru-RU" dirty="0" smtClean="0"/>
+              <a:t> для </a:t>
+            </a:r>
+            <a:r>
+              <a:rPr lang="ru-RU" dirty="0"/>
+              <a:t>управления разработкой </a:t>
+            </a:r>
+            <a:r>
+              <a:rPr lang="en-US" dirty="0" smtClean="0"/>
+              <a:t> </a:t>
+            </a:r>
+            <a:r>
+              <a:rPr lang="ru-RU" dirty="0" smtClean="0"/>
+              <a:t>ядра </a:t>
+            </a:r>
+            <a:r>
+              <a:rPr lang="en-US" dirty="0" smtClean="0"/>
+              <a:t>Linux</a:t>
+            </a:r>
+            <a:r>
+              <a:rPr lang="ru-RU" dirty="0" smtClean="0"/>
+              <a:t>, </a:t>
+            </a:r>
+            <a:r>
+              <a:rPr lang="ru-RU" dirty="0"/>
+              <a:t>первая версия выпущена 7 апреля 2005 года. На сегодняшний день его </a:t>
+            </a:r>
+            <a:r>
+              <a:rPr lang="ru-RU" dirty="0" smtClean="0"/>
+              <a:t>поддерживает</a:t>
+            </a:r>
+            <a:r>
+              <a:rPr lang="en-US" dirty="0" smtClean="0"/>
+              <a:t> </a:t>
+            </a:r>
+            <a:r>
+              <a:rPr lang="ru-RU" dirty="0" err="1" smtClean="0"/>
+              <a:t>Джунио</a:t>
+            </a:r>
+            <a:r>
+              <a:rPr lang="ru-RU" dirty="0" smtClean="0"/>
+              <a:t> </a:t>
+            </a:r>
+            <a:r>
+              <a:rPr lang="ru-RU" dirty="0" err="1" smtClean="0"/>
+              <a:t>Хамано</a:t>
+            </a:r>
+            <a:r>
+              <a:rPr lang="ru-RU" dirty="0" smtClean="0"/>
+              <a:t>.</a:t>
+            </a:r>
+            <a:endParaRPr lang="ru-RU" dirty="0"/>
+          </a:p>
+        </p:txBody>
+      </p:sp>
+      <p:pic>
+        <p:nvPicPr>
+          <p:cNvPr id="1027" name="Picture 3" descr="C:\Users\pukazov_yag\Downloads\scale_1200.png"/>
+          <p:cNvPicPr>
+            <a:picLocks noChangeAspect="1" noChangeArrowheads="1"/>
+          </p:cNvPicPr>
+          <p:nvPr/>
+        </p:nvPicPr>
+        <p:blipFill>
+          <a:blip r:embed="rId3" cstate="print">
+            <a:extLst>
+              <a:ext uri="{28A0092B-C50C-407E-A947-70E740481C1C}">
+                <a14:useLocalDpi xmlns:a14="http://schemas.microsoft.com/office/drawing/2010/main" val="0"/>
+              </a:ext>
+            </a:extLst>
+          </a:blip>
+          <a:srcRect/>
+          <a:stretch>
+            <a:fillRect/>
+          </a:stretch>
+        </p:blipFill>
+        <p:spPr bwMode="auto">
+          <a:xfrm>
+            <a:off x="2726218" y="2829028"/>
+            <a:ext cx="2114270" cy="2642837"/>
+          </a:xfrm>
+          <a:prstGeom prst="rect">
+            <a:avLst/>
+          </a:prstGeom>
+          <a:noFill/>
+          <a:extLst>
+            <a:ext uri="{909E8E84-426E-40DD-AFC4-6F175D3DCCD1}">
+              <a14:hiddenFill xmlns:a14="http://schemas.microsoft.com/office/drawing/2010/main">
+                <a:solidFill>
+                  <a:srgbClr val="FFFFFF"/>
+                </a:solidFill>
+              </a14:hiddenFill>
+            </a:ext>
+          </a:extLst>
+        </p:spPr>
+      </p:pic>
+      <p:pic>
+        <p:nvPicPr>
+          <p:cNvPr id="1028" name="Picture 4" descr="C:\Users\pukazov_yag\Downloads\LinuxCon_Europe_Linus_Torvalds_03_(cropped).jpg"/>
+          <p:cNvPicPr>
+            <a:picLocks noChangeAspect="1" noChangeArrowheads="1"/>
+          </p:cNvPicPr>
+          <p:nvPr/>
+        </p:nvPicPr>
+        <p:blipFill>
+          <a:blip r:embed="rId4">
+            <a:extLst>
+              <a:ext uri="{28A0092B-C50C-407E-A947-70E740481C1C}">
+                <a14:useLocalDpi xmlns:a14="http://schemas.microsoft.com/office/drawing/2010/main" val="0"/>
+              </a:ext>
+            </a:extLst>
+          </a:blip>
+          <a:srcRect/>
+          <a:stretch>
+            <a:fillRect/>
+          </a:stretch>
+        </p:blipFill>
+        <p:spPr bwMode="auto">
+          <a:xfrm>
+            <a:off x="825594" y="2829029"/>
+            <a:ext cx="1900623" cy="2642837"/>
+          </a:xfrm>
+          <a:prstGeom prst="rect">
+            <a:avLst/>
+          </a:prstGeom>
+          <a:noFill/>
+          <a:extLst>
+            <a:ext uri="{909E8E84-426E-40DD-AFC4-6F175D3DCCD1}">
+              <a14:hiddenFill xmlns:a14="http://schemas.microsoft.com/office/drawing/2010/main">
+                <a:solidFill>
+                  <a:srgbClr val="FFFFFF"/>
+                </a:solidFill>
+              </a14:hiddenFill>
+            </a:ext>
+          </a:extLst>
+        </p:spPr>
+      </p:pic>
+      <p:sp>
+        <p:nvSpPr>
+          <p:cNvPr id="6" name="Прямоугольник 5"/>
+          <p:cNvSpPr/>
+          <p:nvPr/>
+        </p:nvSpPr>
+        <p:spPr>
+          <a:xfrm>
+            <a:off x="2726218" y="5481456"/>
+            <a:ext cx="1358607" cy="261610"/>
+          </a:xfrm>
+          <a:prstGeom prst="rect">
+            <a:avLst/>
+          </a:prstGeom>
+        </p:spPr>
+        <p:txBody>
+          <a:bodyPr wrap="square">
+            <a:spAutoFit/>
+          </a:bodyPr>
+          <a:lstStyle/>
+          <a:p>
+            <a:r>
+              <a:rPr lang="ru-RU" sz="1100" dirty="0" err="1"/>
+              <a:t>Джунио</a:t>
+            </a:r>
+            <a:r>
+              <a:rPr lang="ru-RU" sz="1100" dirty="0"/>
+              <a:t> </a:t>
+            </a:r>
+            <a:r>
+              <a:rPr lang="ru-RU" sz="1100" dirty="0" err="1"/>
+              <a:t>Хамано</a:t>
+            </a:r>
+            <a:endParaRPr lang="ru-RU" sz="1100" dirty="0"/>
+          </a:p>
+        </p:txBody>
+      </p:sp>
+      <p:sp>
+        <p:nvSpPr>
+          <p:cNvPr id="10" name="Прямоугольник 9"/>
+          <p:cNvSpPr/>
+          <p:nvPr/>
+        </p:nvSpPr>
+        <p:spPr>
+          <a:xfrm>
+            <a:off x="825594" y="5470457"/>
+            <a:ext cx="1358607" cy="261610"/>
+          </a:xfrm>
+          <a:prstGeom prst="rect">
+            <a:avLst/>
+          </a:prstGeom>
+        </p:spPr>
+        <p:txBody>
+          <a:bodyPr wrap="square">
+            <a:spAutoFit/>
+          </a:bodyPr>
+          <a:lstStyle/>
+          <a:p>
+            <a:r>
+              <a:rPr lang="ru-RU" sz="1100" dirty="0" err="1" smtClean="0"/>
+              <a:t>Линус</a:t>
+            </a:r>
+            <a:r>
+              <a:rPr lang="ru-RU" sz="1100" dirty="0" smtClean="0"/>
+              <a:t> </a:t>
+            </a:r>
+            <a:r>
+              <a:rPr lang="ru-RU" sz="1100" dirty="0" err="1" smtClean="0"/>
+              <a:t>Торвальдс</a:t>
+            </a:r>
+            <a:endParaRPr lang="ru-RU" sz="1100" dirty="0"/>
+          </a:p>
+        </p:txBody>
+      </p:sp>
+      <p:sp>
+        <p:nvSpPr>
+          <p:cNvPr id="3" name="TextBox 2"/>
+          <p:cNvSpPr txBox="1"/>
+          <p:nvPr/>
+        </p:nvSpPr>
+        <p:spPr>
+          <a:xfrm>
+            <a:off x="704824" y="5746229"/>
+            <a:ext cx="4624599" cy="1046440"/>
+          </a:xfrm>
+          <a:prstGeom prst="rect">
+            <a:avLst/>
+          </a:prstGeom>
+          <a:noFill/>
+        </p:spPr>
+        <p:txBody>
+          <a:bodyPr wrap="none" rtlCol="0">
+            <a:spAutoFit/>
+          </a:bodyPr>
+          <a:lstStyle/>
+          <a:p>
+            <a:r>
+              <a:rPr lang="ru-RU" sz="1400" b="1" i="1" dirty="0"/>
+              <a:t>Немного истории</a:t>
+            </a:r>
+          </a:p>
+          <a:p>
+            <a:r>
+              <a:rPr lang="ru-RU" sz="1200" i="1" dirty="0"/>
+              <a:t>3 апреля 2005 года: начало разработки</a:t>
+            </a:r>
+          </a:p>
+          <a:p>
+            <a:r>
+              <a:rPr lang="ru-RU" sz="1200" i="1" dirty="0"/>
+              <a:t>6 апреля 2005: первый релиз</a:t>
+            </a:r>
+          </a:p>
+          <a:p>
+            <a:r>
+              <a:rPr lang="ru-RU" sz="1200" i="1" dirty="0"/>
+              <a:t>7 апреля 2005: разработка </a:t>
+            </a:r>
+            <a:r>
+              <a:rPr lang="ru-RU" sz="1200" i="1" dirty="0" err="1"/>
+              <a:t>git</a:t>
+            </a:r>
+            <a:r>
+              <a:rPr lang="ru-RU" sz="1200" i="1" dirty="0"/>
+              <a:t> осуществляется самостоятельно.</a:t>
+            </a:r>
+          </a:p>
+          <a:p>
+            <a:r>
+              <a:rPr lang="ru-RU" sz="1200" i="1" dirty="0"/>
+              <a:t>26 июля 2005: </a:t>
+            </a:r>
+            <a:r>
+              <a:rPr lang="ru-RU" sz="1200" i="1" dirty="0" err="1"/>
+              <a:t>Джунио</a:t>
+            </a:r>
+            <a:r>
+              <a:rPr lang="ru-RU" sz="1200" i="1" dirty="0"/>
+              <a:t> </a:t>
+            </a:r>
+            <a:r>
+              <a:rPr lang="ru-RU" sz="1200" i="1" dirty="0" err="1"/>
+              <a:t>Хамано</a:t>
+            </a:r>
+            <a:r>
+              <a:rPr lang="ru-RU" sz="1200" i="1" dirty="0"/>
+              <a:t> назначен новым </a:t>
+            </a:r>
+            <a:r>
+              <a:rPr lang="ru-RU" sz="1200" i="1" dirty="0" smtClean="0"/>
+              <a:t>сопровождающим</a:t>
+            </a:r>
+            <a:endParaRPr lang="ru-RU" sz="1200" i="1" dirty="0"/>
+          </a:p>
+        </p:txBody>
+      </p:sp>
+      <p:sp>
+        <p:nvSpPr>
+          <p:cNvPr id="8" name="Скругленный прямоугольник 7"/>
+          <p:cNvSpPr/>
+          <p:nvPr/>
+        </p:nvSpPr>
+        <p:spPr>
+          <a:xfrm>
+            <a:off x="4451229" y="51759"/>
+            <a:ext cx="2777708" cy="1595887"/>
+          </a:xfrm>
+          <a:prstGeom prst="roundRect">
+            <a:avLst/>
+          </a:prstGeom>
+          <a:solidFill>
+            <a:schemeClr val="accent4">
+              <a:lumMod val="20000"/>
+              <a:lumOff val="80000"/>
+            </a:schemeClr>
+          </a:solidFill>
+          <a:ln w="38100">
+            <a:solidFill>
+              <a:srgbClr val="FF0000"/>
+            </a:solidFill>
+          </a:ln>
+        </p:spPr>
+        <p:style>
+          <a:lnRef idx="2">
+            <a:schemeClr val="accent1">
+              <a:shade val="50000"/>
+            </a:schemeClr>
+          </a:lnRef>
+          <a:fillRef idx="1">
+            <a:schemeClr val="accent1"/>
+          </a:fillRef>
+          <a:effectRef idx="0">
+            <a:schemeClr val="accent1"/>
+          </a:effectRef>
+          <a:fontRef idx="minor">
+            <a:schemeClr val="lt1"/>
+          </a:fontRef>
+        </p:style>
+        <p:txBody>
+          <a:bodyPr rtlCol="0" anchor="ctr"/>
+          <a:lstStyle/>
+          <a:p>
+            <a:endParaRPr lang="ru-RU" sz="1200" dirty="0" smtClean="0">
+              <a:solidFill>
+                <a:schemeClr val="tx1"/>
+              </a:solidFill>
+            </a:endParaRPr>
+          </a:p>
+          <a:p>
+            <a:r>
+              <a:rPr lang="ru-RU" sz="1200" dirty="0" smtClean="0">
+                <a:solidFill>
+                  <a:schemeClr val="tx1"/>
+                </a:solidFill>
+              </a:rPr>
+              <a:t>Если </a:t>
+            </a:r>
+            <a:r>
+              <a:rPr lang="ru-RU" sz="1200" dirty="0">
+                <a:solidFill>
+                  <a:schemeClr val="tx1"/>
+                </a:solidFill>
+              </a:rPr>
+              <a:t>по-русски, то это программа, которая позволяет  фиксировать и отслеживать все изменения в каком либо проекте на компьютере. </a:t>
+            </a:r>
+          </a:p>
+          <a:p>
+            <a:r>
+              <a:rPr lang="ru-RU" sz="1200" dirty="0">
+                <a:solidFill>
+                  <a:schemeClr val="tx1"/>
+                </a:solidFill>
+              </a:rPr>
+              <a:t>При чем не важно, что это: С-код, чертежи КОМПАС-3D или </a:t>
+            </a:r>
+          </a:p>
+          <a:p>
+            <a:r>
+              <a:rPr lang="ru-RU" sz="1200" dirty="0">
+                <a:solidFill>
+                  <a:schemeClr val="tx1"/>
+                </a:solidFill>
+              </a:rPr>
+              <a:t>модели </a:t>
+            </a:r>
+            <a:r>
+              <a:rPr lang="ru-RU" sz="1200" dirty="0" err="1">
+                <a:solidFill>
+                  <a:schemeClr val="tx1"/>
+                </a:solidFill>
+              </a:rPr>
+              <a:t>Simulink</a:t>
+            </a:r>
+            <a:r>
+              <a:rPr lang="ru-RU" sz="1200" dirty="0"/>
+              <a:t>.</a:t>
+            </a:r>
+          </a:p>
+          <a:p>
+            <a:pPr algn="ctr"/>
+            <a:endParaRPr lang="ru-RU" dirty="0"/>
           </a:p>
         </p:txBody>
       </p:sp>
     </p:spTree>
     <p:extLst>
       <p:ext uri="{BB962C8B-B14F-4D97-AF65-F5344CB8AC3E}">
-        <p14:creationId xmlns:p14="http://schemas.microsoft.com/office/powerpoint/2010/main" val="2559060864"/>
+        <p14:creationId xmlns:p14="http://schemas.microsoft.com/office/powerpoint/2010/main" val="3584752382"/>
       </p:ext>
     </p:extLst>
   </p:cSld>
   <p:clrMapOvr>
     <a:masterClrMapping/>
   </p:clrMapOvr>
+  <p:timing>
+    <p:tnLst>
+      <p:par>
+        <p:cTn id="1" dur="indefinite" restart="never" nodeType="tmRoot"/>
+      </p:par>
+    </p:tnLst>
+  </p:timing>
 </p:sld>
 </file>
 
@@ -3957,92 +4417,845 @@
       </p:grpSpPr>
       <p:sp>
         <p:nvSpPr>
-          <p:cNvPr id="2" name="Заголовок 1">
-            <a:extLst>
-              <a:ext uri="{FF2B5EF4-FFF2-40B4-BE49-F238E27FC236}">
-                <a16:creationId xmlns:a16="http://schemas.microsoft.com/office/drawing/2014/main" id="{F5437F0A-FD52-494B-9787-D33921FF945A}"/>
-              </a:ext>
-            </a:extLst>
-          </p:cNvPr>
-          <p:cNvSpPr>
-            <a:spLocks noGrp="1"/>
-          </p:cNvSpPr>
-          <p:nvPr>
-            <p:ph type="title"/>
-          </p:nvPr>
-        </p:nvSpPr>
-        <p:spPr/>
-        <p:txBody>
-          <a:bodyPr/>
-          <a:lstStyle/>
-          <a:p>
+          <p:cNvPr id="2" name="Прямоугольник 1"/>
+          <p:cNvSpPr/>
+          <p:nvPr/>
+        </p:nvSpPr>
+        <p:spPr>
+          <a:xfrm>
+            <a:off x="319177" y="293299"/>
+            <a:ext cx="11395495" cy="1569660"/>
+          </a:xfrm>
+          <a:prstGeom prst="rect">
+            <a:avLst/>
+          </a:prstGeom>
+        </p:spPr>
+        <p:txBody>
+          <a:bodyPr wrap="square">
+            <a:spAutoFit/>
+          </a:bodyPr>
+          <a:lstStyle/>
+          <a:p>
+            <a:r>
+              <a:rPr lang="ru-RU" sz="3200" dirty="0"/>
+              <a:t>К</a:t>
+            </a:r>
+            <a:r>
+              <a:rPr lang="ru-RU" sz="3200" dirty="0" smtClean="0"/>
+              <a:t> </a:t>
+            </a:r>
+            <a:r>
+              <a:rPr lang="ru-RU" sz="3200" dirty="0"/>
+              <a:t>созданию </a:t>
+            </a:r>
+            <a:r>
+              <a:rPr lang="ru-RU" sz="3200" dirty="0" err="1" smtClean="0"/>
+              <a:t>Git</a:t>
+            </a:r>
+            <a:r>
+              <a:rPr lang="ru-RU" sz="3200" dirty="0" smtClean="0"/>
+              <a:t> привели неудовлетворительные </a:t>
+            </a:r>
+            <a:r>
+              <a:rPr lang="ru-RU" sz="3200" dirty="0"/>
+              <a:t>результаты использования ранее доступных систем контроля версий для управления </a:t>
+            </a:r>
+            <a:r>
+              <a:rPr lang="ru-RU" sz="3200" dirty="0" smtClean="0"/>
+              <a:t>распределенной </a:t>
+            </a:r>
+            <a:r>
+              <a:rPr lang="ru-RU" sz="3200" dirty="0"/>
+              <a:t>разработкой ядра </a:t>
+            </a:r>
+            <a:r>
+              <a:rPr lang="ru-RU" sz="3200" dirty="0" err="1"/>
+              <a:t>Linux</a:t>
+            </a:r>
+            <a:r>
+              <a:rPr lang="ru-RU" sz="3200" dirty="0"/>
+              <a:t>.</a:t>
+            </a:r>
+          </a:p>
+        </p:txBody>
+      </p:sp>
+      <p:sp>
+        <p:nvSpPr>
+          <p:cNvPr id="3" name="TextBox 2"/>
+          <p:cNvSpPr txBox="1"/>
+          <p:nvPr/>
+        </p:nvSpPr>
+        <p:spPr>
+          <a:xfrm>
+            <a:off x="353682" y="2077924"/>
+            <a:ext cx="4580934" cy="3231654"/>
+          </a:xfrm>
+          <a:prstGeom prst="rect">
+            <a:avLst/>
+          </a:prstGeom>
+          <a:noFill/>
+        </p:spPr>
+        <p:txBody>
+          <a:bodyPr wrap="none" rtlCol="0">
+            <a:spAutoFit/>
+          </a:bodyPr>
+          <a:lstStyle/>
+          <a:p>
+            <a:r>
+              <a:rPr lang="ru-RU" b="1" dirty="0" smtClean="0"/>
+              <a:t>История развития </a:t>
+            </a:r>
+            <a:r>
+              <a:rPr lang="en-US" b="1" dirty="0" smtClean="0"/>
+              <a:t>VCS</a:t>
+            </a:r>
+            <a:r>
+              <a:rPr lang="ru-RU" b="1" dirty="0" smtClean="0"/>
+              <a:t> </a:t>
+            </a:r>
+            <a:r>
+              <a:rPr lang="ru-RU" dirty="0" smtClean="0"/>
+              <a:t>(</a:t>
+            </a:r>
+            <a:r>
+              <a:rPr lang="en-US" sz="1600" i="1" dirty="0"/>
+              <a:t>Version Control </a:t>
+            </a:r>
+            <a:r>
+              <a:rPr lang="en-US" sz="1600" i="1" dirty="0" smtClean="0"/>
+              <a:t>System</a:t>
+            </a:r>
+            <a:r>
+              <a:rPr lang="ru-RU" sz="1600" dirty="0" smtClean="0"/>
+              <a:t>)</a:t>
+            </a:r>
+            <a:endParaRPr lang="en-US" dirty="0"/>
+          </a:p>
+          <a:p>
+            <a:pPr>
+              <a:lnSpc>
+                <a:spcPct val="150000"/>
+              </a:lnSpc>
+            </a:pPr>
+            <a:r>
+              <a:rPr lang="en-US" sz="1400" b="1" dirty="0"/>
+              <a:t>1972: </a:t>
+            </a:r>
+            <a:r>
+              <a:rPr lang="en-US" sz="1400" dirty="0" smtClean="0"/>
+              <a:t>SCSS (</a:t>
+            </a:r>
+            <a:r>
+              <a:rPr lang="en-US" sz="1400" dirty="0"/>
+              <a:t>Source Code Control </a:t>
+            </a:r>
+            <a:r>
+              <a:rPr lang="en-US" sz="1400" dirty="0" smtClean="0"/>
+              <a:t>System)</a:t>
+            </a:r>
+            <a:endParaRPr lang="en-US" sz="1400" dirty="0"/>
+          </a:p>
+          <a:p>
+            <a:pPr>
+              <a:lnSpc>
+                <a:spcPct val="150000"/>
+              </a:lnSpc>
+            </a:pPr>
+            <a:r>
+              <a:rPr lang="en-US" sz="1400" b="1" dirty="0" smtClean="0"/>
+              <a:t>1982</a:t>
+            </a:r>
+            <a:r>
+              <a:rPr lang="en-US" sz="1400" b="1" dirty="0"/>
+              <a:t>: </a:t>
+            </a:r>
+            <a:r>
+              <a:rPr lang="en-US" sz="1400" dirty="0" smtClean="0"/>
+              <a:t>RCS </a:t>
+            </a:r>
+            <a:r>
+              <a:rPr lang="ru-RU" sz="1400" dirty="0" smtClean="0"/>
+              <a:t>(</a:t>
+            </a:r>
+            <a:r>
+              <a:rPr lang="en-US" sz="1400" dirty="0"/>
+              <a:t>Revision Control </a:t>
+            </a:r>
+            <a:r>
+              <a:rPr lang="en-US" sz="1400" dirty="0" smtClean="0"/>
+              <a:t>System</a:t>
+            </a:r>
+            <a:r>
+              <a:rPr lang="ru-RU" sz="1400" dirty="0" smtClean="0"/>
+              <a:t>)</a:t>
+            </a:r>
+            <a:endParaRPr lang="en-US" sz="1400" dirty="0"/>
+          </a:p>
+          <a:p>
+            <a:pPr>
+              <a:lnSpc>
+                <a:spcPct val="150000"/>
+              </a:lnSpc>
+            </a:pPr>
+            <a:r>
+              <a:rPr lang="en-US" sz="1400" b="1" dirty="0" smtClean="0"/>
+              <a:t>1986</a:t>
+            </a:r>
+            <a:r>
+              <a:rPr lang="en-US" sz="1400" b="1" dirty="0"/>
+              <a:t>: </a:t>
+            </a:r>
+            <a:r>
+              <a:rPr lang="en-US" sz="1400" dirty="0" smtClean="0"/>
+              <a:t>CVS (</a:t>
+            </a:r>
+            <a:r>
+              <a:rPr lang="en-US" sz="1400" dirty="0"/>
+              <a:t>Concurrent Versions </a:t>
+            </a:r>
+            <a:r>
+              <a:rPr lang="en-US" sz="1400" dirty="0" smtClean="0"/>
+              <a:t>System)</a:t>
+            </a:r>
+            <a:endParaRPr lang="en-US" sz="1400" dirty="0"/>
+          </a:p>
+          <a:p>
+            <a:pPr>
+              <a:lnSpc>
+                <a:spcPct val="150000"/>
+              </a:lnSpc>
+            </a:pPr>
+            <a:r>
+              <a:rPr lang="en-US" sz="1400" b="1" dirty="0"/>
+              <a:t>2001:</a:t>
+            </a:r>
+            <a:r>
+              <a:rPr lang="en-US" sz="1400" dirty="0"/>
+              <a:t> </a:t>
+            </a:r>
+            <a:r>
+              <a:rPr lang="en-US" sz="1400" dirty="0" err="1"/>
+              <a:t>BitKeeper</a:t>
+            </a:r>
+            <a:r>
+              <a:rPr lang="en-US" sz="1400" dirty="0"/>
+              <a:t>, GNU Arch</a:t>
+            </a:r>
+          </a:p>
+          <a:p>
+            <a:pPr>
+              <a:lnSpc>
+                <a:spcPct val="150000"/>
+              </a:lnSpc>
+            </a:pPr>
+            <a:r>
+              <a:rPr lang="en-US" sz="1400" b="1" dirty="0"/>
+              <a:t>2002: </a:t>
+            </a:r>
+            <a:r>
+              <a:rPr lang="en-US" sz="1400" dirty="0" smtClean="0"/>
+              <a:t>SVN(Subversion),</a:t>
+            </a:r>
+            <a:r>
+              <a:rPr lang="en-US" sz="1400" dirty="0"/>
+              <a:t> </a:t>
+            </a:r>
+            <a:r>
+              <a:rPr lang="en-US" sz="1400" dirty="0" smtClean="0"/>
+              <a:t> </a:t>
+            </a:r>
+            <a:r>
+              <a:rPr lang="en-US" sz="1400" dirty="0" err="1" smtClean="0"/>
+              <a:t>Darcs</a:t>
+            </a:r>
+            <a:endParaRPr lang="en-US" sz="1400" dirty="0"/>
+          </a:p>
+          <a:p>
+            <a:pPr>
+              <a:lnSpc>
+                <a:spcPct val="150000"/>
+              </a:lnSpc>
+            </a:pPr>
+            <a:r>
+              <a:rPr lang="en-US" sz="1400" b="1" dirty="0"/>
+              <a:t>2003: </a:t>
+            </a:r>
+            <a:r>
+              <a:rPr lang="en-US" sz="1400" dirty="0"/>
+              <a:t>Monotone</a:t>
+            </a:r>
+          </a:p>
+          <a:p>
+            <a:pPr>
+              <a:lnSpc>
+                <a:spcPct val="150000"/>
+              </a:lnSpc>
+            </a:pPr>
+            <a:r>
+              <a:rPr lang="en-US" sz="1400" b="1" dirty="0"/>
+              <a:t>2005:</a:t>
+            </a:r>
+            <a:r>
+              <a:rPr lang="en-US" sz="1400" dirty="0"/>
+              <a:t> </a:t>
+            </a:r>
+            <a:r>
+              <a:rPr lang="en-US" sz="1400" dirty="0" err="1"/>
+              <a:t>Git</a:t>
+            </a:r>
+            <a:r>
+              <a:rPr lang="en-US" sz="1400" dirty="0"/>
+              <a:t>, Mercurial</a:t>
+            </a:r>
+          </a:p>
+          <a:p>
+            <a:pPr>
+              <a:lnSpc>
+                <a:spcPct val="150000"/>
+              </a:lnSpc>
+            </a:pPr>
+            <a:r>
+              <a:rPr lang="en-US" sz="1400" b="1" dirty="0"/>
+              <a:t>2007:</a:t>
+            </a:r>
+            <a:r>
+              <a:rPr lang="en-US" sz="1400" dirty="0"/>
+              <a:t> </a:t>
+            </a:r>
+            <a:r>
+              <a:rPr lang="en-US" sz="1400" dirty="0" smtClean="0"/>
+              <a:t>Bazaar</a:t>
+            </a:r>
+            <a:endParaRPr lang="en-US" sz="1400" dirty="0"/>
+          </a:p>
+          <a:p>
+            <a:endParaRPr lang="ru-RU" dirty="0"/>
+          </a:p>
+        </p:txBody>
+      </p:sp>
+      <p:cxnSp>
+        <p:nvCxnSpPr>
+          <p:cNvPr id="6" name="Прямая соединительная линия 5"/>
+          <p:cNvCxnSpPr/>
+          <p:nvPr/>
+        </p:nvCxnSpPr>
+        <p:spPr>
+          <a:xfrm flipV="1">
+            <a:off x="327803" y="4597880"/>
+            <a:ext cx="1621767" cy="1"/>
+          </a:xfrm>
+          <a:prstGeom prst="line">
+            <a:avLst/>
+          </a:prstGeom>
+          <a:ln w="38100">
+            <a:solidFill>
+              <a:srgbClr val="FF0000"/>
+            </a:solidFill>
+          </a:ln>
+        </p:spPr>
+        <p:style>
+          <a:lnRef idx="1">
+            <a:schemeClr val="accent1"/>
+          </a:lnRef>
+          <a:fillRef idx="0">
+            <a:schemeClr val="accent1"/>
+          </a:fillRef>
+          <a:effectRef idx="0">
+            <a:schemeClr val="accent1"/>
+          </a:effectRef>
+          <a:fontRef idx="minor">
+            <a:schemeClr val="tx1"/>
+          </a:fontRef>
+        </p:style>
+      </p:cxnSp>
+      <p:sp>
+        <p:nvSpPr>
+          <p:cNvPr id="8" name="TextBox 7"/>
+          <p:cNvSpPr txBox="1"/>
+          <p:nvPr/>
+        </p:nvSpPr>
+        <p:spPr>
+          <a:xfrm>
+            <a:off x="5055386" y="2069992"/>
+            <a:ext cx="6782187" cy="2431435"/>
+          </a:xfrm>
+          <a:prstGeom prst="rect">
+            <a:avLst/>
+          </a:prstGeom>
+          <a:noFill/>
+        </p:spPr>
+        <p:txBody>
+          <a:bodyPr wrap="square" rtlCol="0">
+            <a:spAutoFit/>
+          </a:bodyPr>
+          <a:lstStyle/>
+          <a:p>
+            <a:r>
+              <a:rPr lang="ru-RU" b="1" dirty="0" smtClean="0"/>
+              <a:t>2024 </a:t>
+            </a:r>
+            <a:r>
+              <a:rPr lang="ru-RU" dirty="0" smtClean="0"/>
+              <a:t>На сегодняшний день, </a:t>
+            </a:r>
+            <a:r>
+              <a:rPr lang="ru-RU" dirty="0" err="1" smtClean="0"/>
+              <a:t>Git</a:t>
+            </a:r>
+            <a:r>
+              <a:rPr lang="ru-RU" dirty="0" smtClean="0"/>
+              <a:t> </a:t>
+            </a:r>
             <a:r>
               <a:rPr lang="ru-RU" dirty="0"/>
-              <a:t>Какие еще бывают системы контроля версий?</a:t>
-            </a:r>
-          </a:p>
-        </p:txBody>
-      </p:sp>
-      <p:sp>
-        <p:nvSpPr>
-          <p:cNvPr id="3" name="Объект 2">
-            <a:extLst>
-              <a:ext uri="{FF2B5EF4-FFF2-40B4-BE49-F238E27FC236}">
-                <a16:creationId xmlns:a16="http://schemas.microsoft.com/office/drawing/2014/main" id="{E368B81C-9C8A-4733-96DF-8D4BEC7EB87C}"/>
-              </a:ext>
-            </a:extLst>
-          </p:cNvPr>
-          <p:cNvSpPr>
-            <a:spLocks noGrp="1"/>
-          </p:cNvSpPr>
-          <p:nvPr>
-            <p:ph idx="1"/>
-          </p:nvPr>
-        </p:nvSpPr>
-        <p:spPr/>
-        <p:txBody>
-          <a:bodyPr/>
-          <a:lstStyle/>
-          <a:p>
-            <a:endParaRPr lang="ru-RU"/>
-          </a:p>
-        </p:txBody>
-      </p:sp>
-      <p:sp>
-        <p:nvSpPr>
-          <p:cNvPr id="4" name="Текст 3">
-            <a:extLst>
-              <a:ext uri="{FF2B5EF4-FFF2-40B4-BE49-F238E27FC236}">
-                <a16:creationId xmlns:a16="http://schemas.microsoft.com/office/drawing/2014/main" id="{D33BF655-0120-41B3-A26A-D05B33923351}"/>
-              </a:ext>
-            </a:extLst>
-          </p:cNvPr>
-          <p:cNvSpPr>
-            <a:spLocks noGrp="1"/>
-          </p:cNvSpPr>
-          <p:nvPr>
-            <p:ph type="body" sz="half" idx="2"/>
-          </p:nvPr>
-        </p:nvSpPr>
-        <p:spPr/>
-        <p:txBody>
-          <a:bodyPr/>
-          <a:lstStyle/>
-          <a:p>
-            <a:endParaRPr lang="ru-RU"/>
+              <a:t>– это самая распространенная система контроля </a:t>
+            </a:r>
+            <a:r>
+              <a:rPr lang="ru-RU" dirty="0" smtClean="0"/>
+              <a:t>версий!</a:t>
+            </a:r>
+            <a:r>
+              <a:rPr lang="ru-RU" dirty="0"/>
+              <a:t/>
+            </a:r>
+            <a:br>
+              <a:rPr lang="ru-RU" dirty="0"/>
+            </a:br>
+            <a:endParaRPr lang="ru-RU" dirty="0"/>
+          </a:p>
+          <a:p>
+            <a:r>
+              <a:rPr lang="en-US" sz="1400" dirty="0" err="1" smtClean="0"/>
+              <a:t>Git</a:t>
+            </a:r>
+            <a:r>
+              <a:rPr lang="ru-RU" sz="1400" dirty="0" smtClean="0"/>
+              <a:t> </a:t>
+            </a:r>
+            <a:r>
+              <a:rPr lang="ru-RU" sz="1400" dirty="0"/>
+              <a:t>– это основополагающий инструмент для командной разработки. </a:t>
+            </a:r>
+            <a:br>
+              <a:rPr lang="ru-RU" sz="1400" dirty="0"/>
+            </a:br>
+            <a:endParaRPr lang="ru-RU" sz="1400" dirty="0"/>
+          </a:p>
+          <a:p>
+            <a:r>
+              <a:rPr lang="ru-RU" sz="1400" dirty="0"/>
+              <a:t>Благодаря </a:t>
+            </a:r>
+            <a:r>
+              <a:rPr lang="en-US" sz="1400" dirty="0" err="1" smtClean="0"/>
+              <a:t>Git</a:t>
+            </a:r>
+            <a:r>
+              <a:rPr lang="ru-RU" sz="1400" dirty="0" smtClean="0"/>
+              <a:t> </a:t>
+            </a:r>
+            <a:r>
+              <a:rPr lang="ru-RU" sz="1400" dirty="0"/>
+              <a:t>вся команда знает, когда каждая строчка </a:t>
+            </a:r>
+            <a:r>
+              <a:rPr lang="ru-RU" sz="1400" dirty="0" smtClean="0"/>
+              <a:t>кода</a:t>
+            </a:r>
+            <a:r>
+              <a:rPr lang="en-US" sz="1400" dirty="0"/>
+              <a:t> </a:t>
+            </a:r>
+            <a:r>
+              <a:rPr lang="ru-RU" sz="1400" dirty="0" smtClean="0"/>
+              <a:t>или файл появился, </a:t>
+            </a:r>
+            <a:r>
+              <a:rPr lang="ru-RU" sz="1400" dirty="0"/>
+              <a:t>кто </a:t>
+            </a:r>
+            <a:r>
+              <a:rPr lang="ru-RU" sz="1400" dirty="0" smtClean="0"/>
+              <a:t>его </a:t>
+            </a:r>
+            <a:r>
+              <a:rPr lang="ru-RU" sz="1400" dirty="0"/>
+              <a:t>изменил и с какой целью. Гит хранит полную эволюцию проекта от первой </a:t>
+            </a:r>
+            <a:r>
+              <a:rPr lang="ru-RU" sz="1400" dirty="0" smtClean="0"/>
+              <a:t>строки кода или файла </a:t>
+            </a:r>
+            <a:r>
+              <a:rPr lang="ru-RU" sz="1400" dirty="0"/>
+              <a:t>до текущего состояния. </a:t>
+            </a:r>
+            <a:r>
+              <a:rPr lang="ru-RU" sz="1400" dirty="0" smtClean="0"/>
+              <a:t>Благодаря чему, это позволяет </a:t>
+            </a:r>
+            <a:r>
+              <a:rPr lang="ru-RU" sz="1400" dirty="0"/>
+              <a:t>безопасно экспериментировать с кодом </a:t>
+            </a:r>
+            <a:r>
+              <a:rPr lang="ru-RU" sz="1400" dirty="0" smtClean="0"/>
+              <a:t>файлов </a:t>
+            </a:r>
+            <a:r>
+              <a:rPr lang="ru-RU" sz="1400" dirty="0"/>
+              <a:t>проекта и откатывать изменения, если что-то пошло не так</a:t>
+            </a:r>
+            <a:r>
+              <a:rPr lang="ru-RU" sz="1400" dirty="0" smtClean="0"/>
+              <a:t>.</a:t>
+            </a:r>
+            <a:endParaRPr lang="ru-RU" sz="1400" dirty="0"/>
+          </a:p>
+        </p:txBody>
+      </p:sp>
+      <p:sp>
+        <p:nvSpPr>
+          <p:cNvPr id="9" name="Скругленный прямоугольник 8"/>
+          <p:cNvSpPr/>
+          <p:nvPr/>
+        </p:nvSpPr>
+        <p:spPr>
+          <a:xfrm>
+            <a:off x="8100202" y="4321832"/>
+            <a:ext cx="3994031" cy="1725283"/>
+          </a:xfrm>
+          <a:prstGeom prst="roundRect">
+            <a:avLst/>
+          </a:prstGeom>
+          <a:solidFill>
+            <a:schemeClr val="accent4">
+              <a:lumMod val="20000"/>
+              <a:lumOff val="80000"/>
+            </a:schemeClr>
+          </a:solidFill>
+          <a:ln w="38100">
+            <a:solidFill>
+              <a:srgbClr val="FF0000"/>
+            </a:solidFill>
+          </a:ln>
+        </p:spPr>
+        <p:style>
+          <a:lnRef idx="2">
+            <a:schemeClr val="accent1">
+              <a:shade val="50000"/>
+            </a:schemeClr>
+          </a:lnRef>
+          <a:fillRef idx="1">
+            <a:schemeClr val="accent1"/>
+          </a:fillRef>
+          <a:effectRef idx="0">
+            <a:schemeClr val="accent1"/>
+          </a:effectRef>
+          <a:fontRef idx="minor">
+            <a:schemeClr val="lt1"/>
+          </a:fontRef>
+        </p:style>
+        <p:txBody>
+          <a:bodyPr rtlCol="0" anchor="ctr"/>
+          <a:lstStyle/>
+          <a:p>
+            <a:r>
+              <a:rPr lang="ru-RU" sz="1200" dirty="0" smtClean="0">
+                <a:solidFill>
+                  <a:schemeClr val="tx1"/>
+                </a:solidFill>
+              </a:rPr>
+              <a:t>Сомневаетесь? </a:t>
+            </a:r>
+            <a:r>
+              <a:rPr lang="ru-RU" sz="1200" dirty="0">
+                <a:solidFill>
+                  <a:schemeClr val="tx1"/>
+                </a:solidFill>
+              </a:rPr>
+              <a:t>Тогда </a:t>
+            </a:r>
+            <a:r>
+              <a:rPr lang="ru-RU" sz="1200" dirty="0" smtClean="0">
+                <a:solidFill>
+                  <a:schemeClr val="tx1"/>
+                </a:solidFill>
+              </a:rPr>
+              <a:t>попробуйте </a:t>
+            </a:r>
+            <a:r>
+              <a:rPr lang="ru-RU" sz="1200" dirty="0">
+                <a:solidFill>
+                  <a:schemeClr val="tx1"/>
+                </a:solidFill>
+              </a:rPr>
+              <a:t>отправить свой проект коллеге </a:t>
+            </a:r>
+            <a:r>
+              <a:rPr lang="ru-RU" sz="1200" dirty="0" smtClean="0">
+                <a:solidFill>
+                  <a:schemeClr val="tx1"/>
+                </a:solidFill>
+              </a:rPr>
+              <a:t>или товарищу по </a:t>
+            </a:r>
+            <a:r>
+              <a:rPr lang="ru-RU" sz="1200" dirty="0">
+                <a:solidFill>
+                  <a:schemeClr val="tx1"/>
+                </a:solidFill>
+              </a:rPr>
+              <a:t>почте. Потом получи его версию и попробуй понять, что изменилось. Внеси свои доработки и отправь снова… А потом попытайся понять, в каком </a:t>
+            </a:r>
+            <a:r>
+              <a:rPr lang="ru-RU" sz="1200" dirty="0" err="1">
+                <a:solidFill>
+                  <a:schemeClr val="tx1"/>
+                </a:solidFill>
+              </a:rPr>
+              <a:t>имейле</a:t>
+            </a:r>
+            <a:r>
+              <a:rPr lang="ru-RU" sz="1200" dirty="0">
+                <a:solidFill>
+                  <a:schemeClr val="tx1"/>
+                </a:solidFill>
+              </a:rPr>
+              <a:t> впервые возник баг, и кто его отправлял. В итоге </a:t>
+            </a:r>
+            <a:r>
+              <a:rPr lang="ru-RU" sz="1200" dirty="0" smtClean="0">
+                <a:solidFill>
+                  <a:schemeClr val="tx1"/>
+                </a:solidFill>
+              </a:rPr>
+              <a:t>вы </a:t>
+            </a:r>
+            <a:r>
+              <a:rPr lang="ru-RU" sz="1200" dirty="0">
+                <a:solidFill>
+                  <a:schemeClr val="tx1"/>
+                </a:solidFill>
+              </a:rPr>
+              <a:t>все </a:t>
+            </a:r>
+            <a:r>
+              <a:rPr lang="ru-RU" sz="1200" dirty="0" smtClean="0">
+                <a:solidFill>
+                  <a:schemeClr val="tx1"/>
+                </a:solidFill>
+              </a:rPr>
+              <a:t>проклянете </a:t>
+            </a:r>
+            <a:r>
+              <a:rPr lang="ru-RU" sz="1200" dirty="0">
+                <a:solidFill>
+                  <a:schemeClr val="tx1"/>
+                </a:solidFill>
+              </a:rPr>
+              <a:t>и </a:t>
+            </a:r>
+            <a:r>
+              <a:rPr lang="ru-RU" sz="1200" dirty="0" smtClean="0">
+                <a:solidFill>
+                  <a:schemeClr val="tx1"/>
+                </a:solidFill>
+              </a:rPr>
+              <a:t>решите </a:t>
+            </a:r>
+            <a:r>
+              <a:rPr lang="ru-RU" sz="1200" dirty="0">
+                <a:solidFill>
+                  <a:schemeClr val="tx1"/>
+                </a:solidFill>
+              </a:rPr>
+              <a:t>работать </a:t>
+            </a:r>
+            <a:r>
+              <a:rPr lang="ru-RU" sz="1200" dirty="0" smtClean="0">
+                <a:solidFill>
+                  <a:schemeClr val="tx1"/>
+                </a:solidFill>
+              </a:rPr>
+              <a:t>одни. </a:t>
+            </a:r>
+            <a:r>
+              <a:rPr lang="ru-RU" sz="1200" dirty="0">
+                <a:solidFill>
+                  <a:schemeClr val="tx1"/>
+                </a:solidFill>
+              </a:rPr>
+              <a:t>Ну или </a:t>
+            </a:r>
+            <a:r>
+              <a:rPr lang="ru-RU" sz="1200" dirty="0" smtClean="0">
+                <a:solidFill>
+                  <a:schemeClr val="tx1"/>
+                </a:solidFill>
+              </a:rPr>
+              <a:t>захотите </a:t>
+            </a:r>
+            <a:r>
+              <a:rPr lang="ru-RU" sz="1200" dirty="0">
+                <a:solidFill>
+                  <a:schemeClr val="tx1"/>
+                </a:solidFill>
+              </a:rPr>
+              <a:t>освоить систему контроля версий!</a:t>
+            </a:r>
+            <a:endParaRPr lang="ru-RU" dirty="0">
+              <a:solidFill>
+                <a:schemeClr val="tx1"/>
+              </a:solidFill>
+            </a:endParaRPr>
+          </a:p>
+        </p:txBody>
+      </p:sp>
+      <p:pic>
+        <p:nvPicPr>
+          <p:cNvPr id="1026" name="Picture 2" descr="C:\Users\pukazov_yag\Downloads\scale_1200 (2).png"/>
+          <p:cNvPicPr>
+            <a:picLocks noChangeAspect="1" noChangeArrowheads="1"/>
+          </p:cNvPicPr>
+          <p:nvPr/>
+        </p:nvPicPr>
+        <p:blipFill>
+          <a:blip r:embed="rId2" cstate="print">
+            <a:extLst>
+              <a:ext uri="{28A0092B-C50C-407E-A947-70E740481C1C}">
+                <a14:useLocalDpi xmlns:a14="http://schemas.microsoft.com/office/drawing/2010/main" val="0"/>
+              </a:ext>
+            </a:extLst>
+          </a:blip>
+          <a:srcRect/>
+          <a:stretch>
+            <a:fillRect/>
+          </a:stretch>
+        </p:blipFill>
+        <p:spPr bwMode="auto">
+          <a:xfrm>
+            <a:off x="2363636" y="4501427"/>
+            <a:ext cx="3579963" cy="2131581"/>
+          </a:xfrm>
+          <a:prstGeom prst="rect">
+            <a:avLst/>
+          </a:prstGeom>
+          <a:noFill/>
+          <a:extLst>
+            <a:ext uri="{909E8E84-426E-40DD-AFC4-6F175D3DCCD1}">
+              <a14:hiddenFill xmlns:a14="http://schemas.microsoft.com/office/drawing/2010/main">
+                <a:solidFill>
+                  <a:srgbClr val="FFFFFF"/>
+                </a:solidFill>
+              </a14:hiddenFill>
+            </a:ext>
+          </a:extLst>
+        </p:spPr>
+      </p:pic>
+      <p:sp>
+        <p:nvSpPr>
+          <p:cNvPr id="10" name="Скругленный прямоугольник 9"/>
+          <p:cNvSpPr/>
+          <p:nvPr/>
+        </p:nvSpPr>
+        <p:spPr>
+          <a:xfrm>
+            <a:off x="3714131" y="6151116"/>
+            <a:ext cx="2440969" cy="706884"/>
+          </a:xfrm>
+          <a:prstGeom prst="roundRect">
+            <a:avLst/>
+          </a:prstGeom>
+          <a:solidFill>
+            <a:schemeClr val="accent4">
+              <a:lumMod val="20000"/>
+              <a:lumOff val="80000"/>
+            </a:schemeClr>
+          </a:solidFill>
+          <a:ln w="38100">
+            <a:solidFill>
+              <a:srgbClr val="FF0000"/>
+            </a:solidFill>
+          </a:ln>
+        </p:spPr>
+        <p:style>
+          <a:lnRef idx="2">
+            <a:schemeClr val="accent1">
+              <a:shade val="50000"/>
+            </a:schemeClr>
+          </a:lnRef>
+          <a:fillRef idx="1">
+            <a:schemeClr val="accent1"/>
+          </a:fillRef>
+          <a:effectRef idx="0">
+            <a:schemeClr val="accent1"/>
+          </a:effectRef>
+          <a:fontRef idx="minor">
+            <a:schemeClr val="lt1"/>
+          </a:fontRef>
+        </p:style>
+        <p:txBody>
+          <a:bodyPr rtlCol="0" anchor="ctr"/>
+          <a:lstStyle/>
+          <a:p>
+            <a:r>
+              <a:rPr lang="ru-RU" sz="1200" dirty="0">
+                <a:solidFill>
+                  <a:schemeClr val="tx1"/>
+                </a:solidFill>
+              </a:rPr>
+              <a:t>Благодаря гиту, над ядром </a:t>
+            </a:r>
+            <a:r>
+              <a:rPr lang="ru-RU" sz="1200" dirty="0" err="1">
+                <a:solidFill>
+                  <a:schemeClr val="tx1"/>
+                </a:solidFill>
+              </a:rPr>
+              <a:t>Linux</a:t>
+            </a:r>
+            <a:r>
+              <a:rPr lang="ru-RU" sz="1200" dirty="0" smtClean="0">
+                <a:solidFill>
+                  <a:schemeClr val="tx1"/>
+                </a:solidFill>
+              </a:rPr>
+              <a:t>,  </a:t>
+            </a:r>
+            <a:r>
+              <a:rPr lang="ru-RU" sz="1200" dirty="0">
+                <a:solidFill>
+                  <a:schemeClr val="tx1"/>
+                </a:solidFill>
+              </a:rPr>
+              <a:t>поработало уже 12000 человек со всего мира. </a:t>
+            </a:r>
+            <a:endParaRPr lang="ru-RU" dirty="0">
+              <a:solidFill>
+                <a:schemeClr val="tx1"/>
+              </a:solidFill>
+            </a:endParaRPr>
           </a:p>
         </p:txBody>
       </p:sp>
     </p:spTree>
     <p:extLst>
       <p:ext uri="{BB962C8B-B14F-4D97-AF65-F5344CB8AC3E}">
-        <p14:creationId xmlns:p14="http://schemas.microsoft.com/office/powerpoint/2010/main" val="3200603902"/>
+        <p14:creationId xmlns:p14="http://schemas.microsoft.com/office/powerpoint/2010/main" val="2681451712"/>
       </p:ext>
     </p:extLst>
   </p:cSld>
   <p:clrMapOvr>
     <a:masterClrMapping/>
   </p:clrMapOvr>
+  <p:timing>
+    <p:tnLst>
+      <p:par>
+        <p:cTn id="1" dur="indefinite" restart="never" nodeType="tmRoot"/>
+      </p:par>
+    </p:tnLst>
+  </p:timing>
 </p:sld>
 </file>
 
@@ -4068,7 +5281,7 @@
           <p:cNvPr id="2" name="Заголовок 1">
             <a:extLst>
               <a:ext uri="{FF2B5EF4-FFF2-40B4-BE49-F238E27FC236}">
-                <a16:creationId xmlns:a16="http://schemas.microsoft.com/office/drawing/2014/main" id="{F5437F0A-FD52-494B-9787-D33921FF945A}"/>
+                <a16:creationId xmlns="" xmlns:a16="http://schemas.microsoft.com/office/drawing/2014/main" id="{F5437F0A-FD52-494B-9787-D33921FF945A}"/>
               </a:ext>
             </a:extLst>
           </p:cNvPr>
@@ -4081,22 +5294,12 @@
         </p:nvSpPr>
         <p:spPr/>
         <p:txBody>
-          <a:bodyPr>
-            <a:normAutofit/>
-          </a:bodyPr>
+          <a:bodyPr/>
           <a:lstStyle/>
           <a:p>
             <a:r>
               <a:rPr lang="ru-RU" dirty="0"/>
-              <a:t>Почему </a:t>
-            </a:r>
-            <a:r>
-              <a:rPr lang="en-US" dirty="0"/>
-              <a:t>Git </a:t>
-            </a:r>
-            <a:r>
-              <a:rPr lang="ru-RU" dirty="0"/>
-              <a:t>так популярен среди разработчиков ПО?</a:t>
+              <a:t>Какие еще бывают системы контроля версий?</a:t>
             </a:r>
           </a:p>
         </p:txBody>
@@ -4106,7 +5309,7 @@
           <p:cNvPr id="3" name="Объект 2">
             <a:extLst>
               <a:ext uri="{FF2B5EF4-FFF2-40B4-BE49-F238E27FC236}">
-                <a16:creationId xmlns:a16="http://schemas.microsoft.com/office/drawing/2014/main" id="{E368B81C-9C8A-4733-96DF-8D4BEC7EB87C}"/>
+                <a16:creationId xmlns="" xmlns:a16="http://schemas.microsoft.com/office/drawing/2014/main" id="{E368B81C-9C8A-4733-96DF-8D4BEC7EB87C}"/>
               </a:ext>
             </a:extLst>
           </p:cNvPr>
@@ -4122,7 +5325,7 @@
           <a:bodyPr/>
           <a:lstStyle/>
           <a:p>
-            <a:endParaRPr lang="ru-RU" dirty="0"/>
+            <a:endParaRPr lang="ru-RU"/>
           </a:p>
         </p:txBody>
       </p:sp>
@@ -4131,7 +5334,7 @@
           <p:cNvPr id="4" name="Текст 3">
             <a:extLst>
               <a:ext uri="{FF2B5EF4-FFF2-40B4-BE49-F238E27FC236}">
-                <a16:creationId xmlns:a16="http://schemas.microsoft.com/office/drawing/2014/main" id="{D33BF655-0120-41B3-A26A-D05B33923351}"/>
+                <a16:creationId xmlns="" xmlns:a16="http://schemas.microsoft.com/office/drawing/2014/main" id="{D33BF655-0120-41B3-A26A-D05B33923351}"/>
               </a:ext>
             </a:extLst>
           </p:cNvPr>
@@ -4154,7 +5357,7 @@
     </p:spTree>
     <p:extLst>
       <p:ext uri="{BB962C8B-B14F-4D97-AF65-F5344CB8AC3E}">
-        <p14:creationId xmlns:p14="http://schemas.microsoft.com/office/powerpoint/2010/main" val="4098926527"/>
+        <p14:creationId xmlns:p14="http://schemas.microsoft.com/office/powerpoint/2010/main" val="3200603902"/>
       </p:ext>
     </p:extLst>
   </p:cSld>
@@ -4186,7 +5389,7 @@
           <p:cNvPr id="2" name="Заголовок 1">
             <a:extLst>
               <a:ext uri="{FF2B5EF4-FFF2-40B4-BE49-F238E27FC236}">
-                <a16:creationId xmlns:a16="http://schemas.microsoft.com/office/drawing/2014/main" id="{F5437F0A-FD52-494B-9787-D33921FF945A}"/>
+                <a16:creationId xmlns="" xmlns:a16="http://schemas.microsoft.com/office/drawing/2014/main" id="{F5437F0A-FD52-494B-9787-D33921FF945A}"/>
               </a:ext>
             </a:extLst>
           </p:cNvPr>
@@ -4197,21 +5400,16 @@
             <p:ph type="title"/>
           </p:nvPr>
         </p:nvSpPr>
-        <p:spPr>
-          <a:xfrm>
-            <a:off x="839788" y="457200"/>
-            <a:ext cx="4448649" cy="1600200"/>
-          </a:xfrm>
-        </p:spPr>
+        <p:spPr/>
         <p:txBody>
           <a:bodyPr>
-            <a:noAutofit/>
+            <a:normAutofit/>
           </a:bodyPr>
           <a:lstStyle/>
           <a:p>
             <a:r>
               <a:rPr lang="ru-RU" dirty="0"/>
-              <a:t>Как можно использовать </a:t>
+              <a:t>Почему </a:t>
             </a:r>
             <a:r>
               <a:rPr lang="en-US" dirty="0"/>
@@ -4219,7 +5417,7 @@
             </a:r>
             <a:r>
               <a:rPr lang="ru-RU" dirty="0"/>
-              <a:t>в повседневной и бытовой деятельности?</a:t>
+              <a:t>так популярен среди разработчиков ПО?</a:t>
             </a:r>
           </a:p>
         </p:txBody>
@@ -4229,7 +5427,7 @@
           <p:cNvPr id="3" name="Объект 2">
             <a:extLst>
               <a:ext uri="{FF2B5EF4-FFF2-40B4-BE49-F238E27FC236}">
-                <a16:creationId xmlns:a16="http://schemas.microsoft.com/office/drawing/2014/main" id="{E368B81C-9C8A-4733-96DF-8D4BEC7EB87C}"/>
+                <a16:creationId xmlns="" xmlns:a16="http://schemas.microsoft.com/office/drawing/2014/main" id="{E368B81C-9C8A-4733-96DF-8D4BEC7EB87C}"/>
               </a:ext>
             </a:extLst>
           </p:cNvPr>
@@ -4254,7 +5452,7 @@
           <p:cNvPr id="4" name="Текст 3">
             <a:extLst>
               <a:ext uri="{FF2B5EF4-FFF2-40B4-BE49-F238E27FC236}">
-                <a16:creationId xmlns:a16="http://schemas.microsoft.com/office/drawing/2014/main" id="{D33BF655-0120-41B3-A26A-D05B33923351}"/>
+                <a16:creationId xmlns="" xmlns:a16="http://schemas.microsoft.com/office/drawing/2014/main" id="{D33BF655-0120-41B3-A26A-D05B33923351}"/>
               </a:ext>
             </a:extLst>
           </p:cNvPr>
@@ -4270,20 +5468,27 @@
           <a:bodyPr/>
           <a:lstStyle/>
           <a:p>
-            <a:endParaRPr lang="ru-RU" dirty="0"/>
+            <a:endParaRPr lang="ru-RU"/>
           </a:p>
         </p:txBody>
       </p:sp>
     </p:spTree>
     <p:extLst>
       <p:ext uri="{BB962C8B-B14F-4D97-AF65-F5344CB8AC3E}">
-        <p14:creationId xmlns:p14="http://schemas.microsoft.com/office/powerpoint/2010/main" val="892428978"/>
+        <p14:creationId xmlns:p14="http://schemas.microsoft.com/office/powerpoint/2010/main" val="4098926527"/>
       </p:ext>
     </p:extLst>
   </p:cSld>
   <p:clrMapOvr>
     <a:masterClrMapping/>
   </p:clrMapOvr>
+  <p:timing>
+    <p:tnLst>
+      <p:par>
+        <p:cTn id="1" dur="indefinite" restart="never" nodeType="tmRoot"/>
+      </p:par>
+    </p:tnLst>
+  </p:timing>
 </p:sld>
 </file>
 
@@ -4309,7 +5514,7 @@
           <p:cNvPr id="2" name="Заголовок 1">
             <a:extLst>
               <a:ext uri="{FF2B5EF4-FFF2-40B4-BE49-F238E27FC236}">
-                <a16:creationId xmlns:a16="http://schemas.microsoft.com/office/drawing/2014/main" id="{F5437F0A-FD52-494B-9787-D33921FF945A}"/>
+                <a16:creationId xmlns="" xmlns:a16="http://schemas.microsoft.com/office/drawing/2014/main" id="{F5437F0A-FD52-494B-9787-D33921FF945A}"/>
               </a:ext>
             </a:extLst>
           </p:cNvPr>
@@ -4323,7 +5528,7 @@
         <p:spPr>
           <a:xfrm>
             <a:off x="839788" y="457200"/>
-            <a:ext cx="4090431" cy="1600200"/>
+            <a:ext cx="4448649" cy="1600200"/>
           </a:xfrm>
         </p:spPr>
         <p:txBody>
@@ -4334,7 +5539,7 @@
           <a:p>
             <a:r>
               <a:rPr lang="ru-RU" dirty="0"/>
-              <a:t>Как мы используем </a:t>
+              <a:t>Как можно использовать </a:t>
             </a:r>
             <a:r>
               <a:rPr lang="en-US" dirty="0"/>
@@ -4342,7 +5547,7 @@
             </a:r>
             <a:r>
               <a:rPr lang="ru-RU" dirty="0"/>
-              <a:t>в конструкторском бюро</a:t>
+              <a:t>в повседневной и бытовой деятельности?</a:t>
             </a:r>
           </a:p>
         </p:txBody>
@@ -4352,7 +5557,7 @@
           <p:cNvPr id="3" name="Объект 2">
             <a:extLst>
               <a:ext uri="{FF2B5EF4-FFF2-40B4-BE49-F238E27FC236}">
-                <a16:creationId xmlns:a16="http://schemas.microsoft.com/office/drawing/2014/main" id="{E368B81C-9C8A-4733-96DF-8D4BEC7EB87C}"/>
+                <a16:creationId xmlns="" xmlns:a16="http://schemas.microsoft.com/office/drawing/2014/main" id="{E368B81C-9C8A-4733-96DF-8D4BEC7EB87C}"/>
               </a:ext>
             </a:extLst>
           </p:cNvPr>
@@ -4377,7 +5582,7 @@
           <p:cNvPr id="4" name="Текст 3">
             <a:extLst>
               <a:ext uri="{FF2B5EF4-FFF2-40B4-BE49-F238E27FC236}">
-                <a16:creationId xmlns:a16="http://schemas.microsoft.com/office/drawing/2014/main" id="{D33BF655-0120-41B3-A26A-D05B33923351}"/>
+                <a16:creationId xmlns="" xmlns:a16="http://schemas.microsoft.com/office/drawing/2014/main" id="{D33BF655-0120-41B3-A26A-D05B33923351}"/>
               </a:ext>
             </a:extLst>
           </p:cNvPr>
@@ -4400,7 +5605,7 @@
     </p:spTree>
     <p:extLst>
       <p:ext uri="{BB962C8B-B14F-4D97-AF65-F5344CB8AC3E}">
-        <p14:creationId xmlns:p14="http://schemas.microsoft.com/office/powerpoint/2010/main" val="539638286"/>
+        <p14:creationId xmlns:p14="http://schemas.microsoft.com/office/powerpoint/2010/main" val="892428978"/>
       </p:ext>
     </p:extLst>
   </p:cSld>
@@ -4432,7 +5637,130 @@
           <p:cNvPr id="2" name="Заголовок 1">
             <a:extLst>
               <a:ext uri="{FF2B5EF4-FFF2-40B4-BE49-F238E27FC236}">
-                <a16:creationId xmlns:a16="http://schemas.microsoft.com/office/drawing/2014/main" id="{F5437F0A-FD52-494B-9787-D33921FF945A}"/>
+                <a16:creationId xmlns="" xmlns:a16="http://schemas.microsoft.com/office/drawing/2014/main" id="{F5437F0A-FD52-494B-9787-D33921FF945A}"/>
+              </a:ext>
+            </a:extLst>
+          </p:cNvPr>
+          <p:cNvSpPr>
+            <a:spLocks noGrp="1"/>
+          </p:cNvSpPr>
+          <p:nvPr>
+            <p:ph type="title"/>
+          </p:nvPr>
+        </p:nvSpPr>
+        <p:spPr>
+          <a:xfrm>
+            <a:off x="839788" y="457200"/>
+            <a:ext cx="4090431" cy="1600200"/>
+          </a:xfrm>
+        </p:spPr>
+        <p:txBody>
+          <a:bodyPr>
+            <a:noAutofit/>
+          </a:bodyPr>
+          <a:lstStyle/>
+          <a:p>
+            <a:r>
+              <a:rPr lang="ru-RU" dirty="0"/>
+              <a:t>Как мы используем </a:t>
+            </a:r>
+            <a:r>
+              <a:rPr lang="en-US" dirty="0"/>
+              <a:t>Git </a:t>
+            </a:r>
+            <a:r>
+              <a:rPr lang="ru-RU" dirty="0"/>
+              <a:t>в конструкторском бюро</a:t>
+            </a:r>
+          </a:p>
+        </p:txBody>
+      </p:sp>
+      <p:sp>
+        <p:nvSpPr>
+          <p:cNvPr id="3" name="Объект 2">
+            <a:extLst>
+              <a:ext uri="{FF2B5EF4-FFF2-40B4-BE49-F238E27FC236}">
+                <a16:creationId xmlns="" xmlns:a16="http://schemas.microsoft.com/office/drawing/2014/main" id="{E368B81C-9C8A-4733-96DF-8D4BEC7EB87C}"/>
+              </a:ext>
+            </a:extLst>
+          </p:cNvPr>
+          <p:cNvSpPr>
+            <a:spLocks noGrp="1"/>
+          </p:cNvSpPr>
+          <p:nvPr>
+            <p:ph idx="1"/>
+          </p:nvPr>
+        </p:nvSpPr>
+        <p:spPr/>
+        <p:txBody>
+          <a:bodyPr/>
+          <a:lstStyle/>
+          <a:p>
+            <a:endParaRPr lang="ru-RU" dirty="0"/>
+          </a:p>
+        </p:txBody>
+      </p:sp>
+      <p:sp>
+        <p:nvSpPr>
+          <p:cNvPr id="4" name="Текст 3">
+            <a:extLst>
+              <a:ext uri="{FF2B5EF4-FFF2-40B4-BE49-F238E27FC236}">
+                <a16:creationId xmlns="" xmlns:a16="http://schemas.microsoft.com/office/drawing/2014/main" id="{D33BF655-0120-41B3-A26A-D05B33923351}"/>
+              </a:ext>
+            </a:extLst>
+          </p:cNvPr>
+          <p:cNvSpPr>
+            <a:spLocks noGrp="1"/>
+          </p:cNvSpPr>
+          <p:nvPr>
+            <p:ph type="body" sz="half" idx="2"/>
+          </p:nvPr>
+        </p:nvSpPr>
+        <p:spPr/>
+        <p:txBody>
+          <a:bodyPr/>
+          <a:lstStyle/>
+          <a:p>
+            <a:endParaRPr lang="ru-RU" dirty="0"/>
+          </a:p>
+        </p:txBody>
+      </p:sp>
+    </p:spTree>
+    <p:extLst>
+      <p:ext uri="{BB962C8B-B14F-4D97-AF65-F5344CB8AC3E}">
+        <p14:creationId xmlns:p14="http://schemas.microsoft.com/office/powerpoint/2010/main" val="539638286"/>
+      </p:ext>
+    </p:extLst>
+  </p:cSld>
+  <p:clrMapOvr>
+    <a:masterClrMapping/>
+  </p:clrMapOvr>
+</p:sld>
+</file>
+
+<file path=ppt/slides/slide8.xml><?xml version="1.0" encoding="utf-8"?>
+<p:sld xmlns:a="http://schemas.openxmlformats.org/drawingml/2006/main" xmlns:r="http://schemas.openxmlformats.org/officeDocument/2006/relationships" xmlns:p="http://schemas.openxmlformats.org/presentationml/2006/main">
+  <p:cSld>
+    <p:spTree>
+      <p:nvGrpSpPr>
+        <p:cNvPr id="1" name=""/>
+        <p:cNvGrpSpPr/>
+        <p:nvPr/>
+      </p:nvGrpSpPr>
+      <p:grpSpPr>
+        <a:xfrm>
+          <a:off x="0" y="0"/>
+          <a:ext cx="0" cy="0"/>
+          <a:chOff x="0" y="0"/>
+          <a:chExt cx="0" cy="0"/>
+        </a:xfrm>
+      </p:grpSpPr>
+      <p:sp>
+        <p:nvSpPr>
+          <p:cNvPr id="2" name="Заголовок 1">
+            <a:extLst>
+              <a:ext uri="{FF2B5EF4-FFF2-40B4-BE49-F238E27FC236}">
+                <a16:creationId xmlns="" xmlns:a16="http://schemas.microsoft.com/office/drawing/2014/main" id="{F5437F0A-FD52-494B-9787-D33921FF945A}"/>
               </a:ext>
             </a:extLst>
           </p:cNvPr>
@@ -4470,7 +5798,7 @@
           <p:cNvPr id="3" name="Объект 2">
             <a:extLst>
               <a:ext uri="{FF2B5EF4-FFF2-40B4-BE49-F238E27FC236}">
-                <a16:creationId xmlns:a16="http://schemas.microsoft.com/office/drawing/2014/main" id="{E368B81C-9C8A-4733-96DF-8D4BEC7EB87C}"/>
+                <a16:creationId xmlns="" xmlns:a16="http://schemas.microsoft.com/office/drawing/2014/main" id="{E368B81C-9C8A-4733-96DF-8D4BEC7EB87C}"/>
               </a:ext>
             </a:extLst>
           </p:cNvPr>
@@ -4495,7 +5823,7 @@
           <p:cNvPr id="4" name="Текст 3">
             <a:extLst>
               <a:ext uri="{FF2B5EF4-FFF2-40B4-BE49-F238E27FC236}">
-                <a16:creationId xmlns:a16="http://schemas.microsoft.com/office/drawing/2014/main" id="{D33BF655-0120-41B3-A26A-D05B33923351}"/>
+                <a16:creationId xmlns="" xmlns:a16="http://schemas.microsoft.com/office/drawing/2014/main" id="{D33BF655-0120-41B3-A26A-D05B33923351}"/>
               </a:ext>
             </a:extLst>
           </p:cNvPr>
@@ -4817,7 +6145,7 @@
   <a:extraClrSchemeLst/>
   <a:extLst>
     <a:ext uri="{05A4C25C-085E-4340-85A3-A5531E510DB2}">
-      <thm15:themeFamily xmlns:thm15="http://schemas.microsoft.com/office/thememl/2012/main" name="Office Theme" id="{62F939B6-93AF-4DB8-9C6B-D6C7DFDC589F}" vid="{4A3C46E8-61CC-4603-A589-7422A47A8E4A}"/>
+      <thm15:themeFamily xmlns="" xmlns:thm15="http://schemas.microsoft.com/office/thememl/2012/main" name="Office Theme" id="{62F939B6-93AF-4DB8-9C6B-D6C7DFDC589F}" vid="{4A3C46E8-61CC-4603-A589-7422A47A8E4A}"/>
     </a:ext>
   </a:extLst>
 </a:theme>
@@ -5112,7 +6440,7 @@
   <a:extraClrSchemeLst/>
   <a:extLst>
     <a:ext uri="{05A4C25C-085E-4340-85A3-A5531E510DB2}">
-      <thm15:themeFamily xmlns:thm15="http://schemas.microsoft.com/office/thememl/2012/main" name="Office Theme" id="{62F939B6-93AF-4DB8-9C6B-D6C7DFDC589F}" vid="{4A3C46E8-61CC-4603-A589-7422A47A8E4A}"/>
+      <thm15:themeFamily xmlns="" xmlns:thm15="http://schemas.microsoft.com/office/thememl/2012/main" name="Office Theme" id="{62F939B6-93AF-4DB8-9C6B-D6C7DFDC589F}" vid="{4A3C46E8-61CC-4603-A589-7422A47A8E4A}"/>
     </a:ext>
   </a:extLst>
 </a:theme>

--- a/Презентация Microsoft PowerPoint.pptx
+++ b/Презентация Microsoft PowerPoint.pptx
@@ -5,17 +5,18 @@
     <p:sldMasterId id="2147483648" r:id="rId1"/>
   </p:sldMasterIdLst>
   <p:notesMasterIdLst>
-    <p:notesMasterId r:id="rId10"/>
+    <p:notesMasterId r:id="rId11"/>
   </p:notesMasterIdLst>
   <p:sldIdLst>
     <p:sldId id="256" r:id="rId2"/>
     <p:sldId id="263" r:id="rId3"/>
     <p:sldId id="264" r:id="rId4"/>
-    <p:sldId id="258" r:id="rId5"/>
-    <p:sldId id="259" r:id="rId6"/>
-    <p:sldId id="260" r:id="rId7"/>
-    <p:sldId id="261" r:id="rId8"/>
-    <p:sldId id="262" r:id="rId9"/>
+    <p:sldId id="266" r:id="rId5"/>
+    <p:sldId id="267" r:id="rId6"/>
+    <p:sldId id="268" r:id="rId7"/>
+    <p:sldId id="260" r:id="rId8"/>
+    <p:sldId id="261" r:id="rId9"/>
+    <p:sldId id="262" r:id="rId10"/>
   </p:sldIdLst>
   <p:sldSz cx="12192000" cy="6858000"/>
   <p:notesSz cx="6858000" cy="9144000"/>
@@ -469,6 +470,116 @@
     </a:lvl9pPr>
   </p:notesStyle>
 </p:notesMaster>
+</file>
+
+<file path=ppt/notesSlides/notesSlide1.xml><?xml version="1.0" encoding="utf-8"?>
+<p:notes xmlns:a="http://schemas.openxmlformats.org/drawingml/2006/main" xmlns:r="http://schemas.openxmlformats.org/officeDocument/2006/relationships" xmlns:p="http://schemas.openxmlformats.org/presentationml/2006/main">
+  <p:cSld>
+    <p:spTree>
+      <p:nvGrpSpPr>
+        <p:cNvPr id="1" name=""/>
+        <p:cNvGrpSpPr/>
+        <p:nvPr/>
+      </p:nvGrpSpPr>
+      <p:grpSpPr>
+        <a:xfrm>
+          <a:off x="0" y="0"/>
+          <a:ext cx="0" cy="0"/>
+          <a:chOff x="0" y="0"/>
+          <a:chExt cx="0" cy="0"/>
+        </a:xfrm>
+      </p:grpSpPr>
+      <p:sp>
+        <p:nvSpPr>
+          <p:cNvPr id="2" name="Образ слайда 1"/>
+          <p:cNvSpPr>
+            <a:spLocks noGrp="1" noRot="1" noChangeAspect="1"/>
+          </p:cNvSpPr>
+          <p:nvPr>
+            <p:ph type="sldImg"/>
+          </p:nvPr>
+        </p:nvSpPr>
+        <p:spPr/>
+      </p:sp>
+      <p:sp>
+        <p:nvSpPr>
+          <p:cNvPr id="3" name="Заметки 2"/>
+          <p:cNvSpPr>
+            <a:spLocks noGrp="1"/>
+          </p:cNvSpPr>
+          <p:nvPr>
+            <p:ph type="body" idx="1"/>
+          </p:nvPr>
+        </p:nvSpPr>
+        <p:spPr/>
+        <p:txBody>
+          <a:bodyPr/>
+          <a:lstStyle/>
+          <a:p>
+            <a:r>
+              <a:rPr lang="ru-RU" dirty="0" smtClean="0"/>
+              <a:t>— "глобальный информационный </a:t>
+            </a:r>
+            <a:r>
+              <a:rPr lang="ru-RU" dirty="0" err="1" smtClean="0"/>
+              <a:t>трекер</a:t>
+            </a:r>
+            <a:r>
+              <a:rPr lang="ru-RU" dirty="0" smtClean="0"/>
+              <a:t>": если</a:t>
+            </a:r>
+            <a:r>
+              <a:rPr lang="ru-RU" baseline="0" dirty="0" smtClean="0"/>
+              <a:t> </a:t>
+            </a:r>
+            <a:r>
+              <a:rPr lang="ru-RU" dirty="0" smtClean="0"/>
+              <a:t>у вас хорошее настроение, и это действительно работает на вас. Ангелы поют, и комнату внезапно наполняет свет. </a:t>
+            </a:r>
+          </a:p>
+          <a:p>
+            <a:r>
+              <a:rPr lang="ru-RU" dirty="0" smtClean="0"/>
+              <a:t>— "чертов идиотский грузовик с дерьмом": когда что-то ломается и не работает как надо…</a:t>
+            </a:r>
+            <a:endParaRPr lang="ru-RU" dirty="0"/>
+          </a:p>
+        </p:txBody>
+      </p:sp>
+      <p:sp>
+        <p:nvSpPr>
+          <p:cNvPr id="4" name="Номер слайда 3"/>
+          <p:cNvSpPr>
+            <a:spLocks noGrp="1"/>
+          </p:cNvSpPr>
+          <p:nvPr>
+            <p:ph type="sldNum" sz="quarter" idx="10"/>
+          </p:nvPr>
+        </p:nvSpPr>
+        <p:spPr/>
+        <p:txBody>
+          <a:bodyPr/>
+          <a:lstStyle/>
+          <a:p>
+            <a:fld id="{42C75884-A36D-4A73-BD66-80FFFE698E82}" type="slidenum">
+              <a:rPr lang="ru-RU" smtClean="0"/>
+              <a:t>2</a:t>
+            </a:fld>
+            <a:endParaRPr lang="ru-RU"/>
+          </a:p>
+        </p:txBody>
+      </p:sp>
+    </p:spTree>
+    <p:extLst>
+      <p:ext uri="{BB962C8B-B14F-4D97-AF65-F5344CB8AC3E}">
+        <p14:creationId xmlns:p14="http://schemas.microsoft.com/office/powerpoint/2010/main" val="697573253"/>
+      </p:ext>
+    </p:extLst>
+  </p:cSld>
+  <p:clrMapOvr>
+    <a:masterClrMapping/>
+  </p:clrMapOvr>
+</p:notes>
 </file>
 
 <file path=ppt/slideLayouts/slideLayout1.xml><?xml version="1.0" encoding="utf-8"?>
@@ -3725,7 +3836,15 @@
             </a:br>
             <a:r>
               <a:rPr lang="ru-RU" sz="4400" dirty="0"/>
-              <a:t>в офисной и бытовой деятельности</a:t>
+              <a:t>в </a:t>
+            </a:r>
+            <a:r>
+              <a:rPr lang="ru-RU" sz="4400" dirty="0" smtClean="0"/>
+              <a:t>офисной </a:t>
+            </a:r>
+            <a:r>
+              <a:rPr lang="ru-RU" sz="4400" dirty="0"/>
+              <a:t>и бытовой деятельности</a:t>
             </a:r>
           </a:p>
         </p:txBody>
@@ -3776,7 +3895,7 @@
         </p:nvSpPr>
         <p:spPr>
           <a:xfrm>
-            <a:off x="9464512" y="5863473"/>
+            <a:off x="9076324" y="4307293"/>
             <a:ext cx="2554664" cy="923330"/>
           </a:xfrm>
           <a:prstGeom prst="rect">
@@ -3791,25 +3910,104 @@
           <a:lstStyle/>
           <a:p>
             <a:r>
-              <a:rPr lang="ru-RU" dirty="0"/>
-              <a:t>Пуказов Я.Г.</a:t>
-            </a:r>
-          </a:p>
-          <a:p>
-            <a:r>
               <a:rPr lang="ru-RU" dirty="0" err="1"/>
               <a:t>инж</a:t>
             </a:r>
             <a:r>
               <a:rPr lang="ru-RU" dirty="0"/>
-              <a:t>. конструктор </a:t>
-            </a:r>
+              <a:t>. </a:t>
+            </a:r>
+            <a:r>
+              <a:rPr lang="ru-RU" dirty="0" smtClean="0"/>
+              <a:t>конструктор</a:t>
+            </a:r>
+            <a:endParaRPr lang="ru-RU" dirty="0"/>
           </a:p>
           <a:p>
             <a:r>
               <a:rPr lang="ru-RU" dirty="0"/>
-              <a:t>АО «Русская механика»</a:t>
-            </a:r>
+              <a:t>АО «Русская механика</a:t>
+            </a:r>
+            <a:r>
+              <a:rPr lang="ru-RU" dirty="0" smtClean="0"/>
+              <a:t>»</a:t>
+            </a:r>
+          </a:p>
+          <a:p>
+            <a:r>
+              <a:rPr lang="ru-RU" dirty="0"/>
+              <a:t>Пуказов Я.Г</a:t>
+            </a:r>
+            <a:r>
+              <a:rPr lang="ru-RU" dirty="0" smtClean="0"/>
+              <a:t>.</a:t>
+            </a:r>
+            <a:endParaRPr lang="ru-RU" dirty="0"/>
+          </a:p>
+        </p:txBody>
+      </p:sp>
+      <p:sp>
+        <p:nvSpPr>
+          <p:cNvPr id="5" name="TextBox 4"/>
+          <p:cNvSpPr txBox="1"/>
+          <p:nvPr/>
+        </p:nvSpPr>
+        <p:spPr>
+          <a:xfrm>
+            <a:off x="172528" y="5707261"/>
+            <a:ext cx="4149306" cy="954107"/>
+          </a:xfrm>
+          <a:prstGeom prst="rect">
+            <a:avLst/>
+          </a:prstGeom>
+          <a:noFill/>
+        </p:spPr>
+        <p:txBody>
+          <a:bodyPr wrap="square" rtlCol="0">
+            <a:spAutoFit/>
+          </a:bodyPr>
+          <a:lstStyle/>
+          <a:p>
+            <a:r>
+              <a:rPr lang="ru-RU" sz="1400" dirty="0" smtClean="0"/>
+              <a:t>Часть контента была позаимствована из авторского курса Павла </a:t>
+            </a:r>
+            <a:r>
+              <a:rPr lang="ru-RU" sz="1400" dirty="0" err="1" smtClean="0"/>
+              <a:t>Рословеца</a:t>
+            </a:r>
+            <a:r>
+              <a:rPr lang="ru-RU" sz="1400" dirty="0" smtClean="0"/>
+              <a:t>: «GIT </a:t>
+            </a:r>
+            <a:r>
+              <a:rPr lang="ru-RU" sz="1400" dirty="0"/>
+              <a:t>для инженеров: основы контроля </a:t>
+            </a:r>
+            <a:r>
+              <a:rPr lang="ru-RU" sz="1400" dirty="0" smtClean="0"/>
+              <a:t>версий»</a:t>
+            </a:r>
+            <a:endParaRPr lang="ru-RU" sz="1400" dirty="0"/>
+          </a:p>
+          <a:p>
+            <a:r>
+              <a:rPr lang="en-US" sz="1400" dirty="0">
+                <a:hlinkClick r:id="rId2"/>
+              </a:rPr>
+              <a:t>https://</a:t>
+            </a:r>
+            <a:r>
+              <a:rPr lang="en-US" sz="1400" dirty="0" smtClean="0">
+                <a:hlinkClick r:id="rId2"/>
+              </a:rPr>
+              <a:t>inzhenerka.tech/git</a:t>
+            </a:r>
+            <a:r>
+              <a:rPr lang="ru-RU" sz="1400" dirty="0" smtClean="0"/>
+              <a:t> </a:t>
+            </a:r>
+            <a:endParaRPr lang="ru-RU" sz="1400" dirty="0"/>
           </a:p>
         </p:txBody>
       </p:sp>
@@ -3901,7 +4099,7 @@
           </p:nvPr>
         </p:nvPicPr>
         <p:blipFill rotWithShape="1">
-          <a:blip r:embed="rId2" cstate="print">
+          <a:blip r:embed="rId3" cstate="print">
             <a:extLst>
               <a:ext uri="{28A0092B-C50C-407E-A947-70E740481C1C}">
                 <a14:useLocalDpi xmlns:a14="http://schemas.microsoft.com/office/drawing/2010/main" val="0"/>
@@ -4041,7 +4239,7 @@
           <p:nvPr/>
         </p:nvPicPr>
         <p:blipFill>
-          <a:blip r:embed="rId3" cstate="print">
+          <a:blip r:embed="rId4" cstate="print">
             <a:extLst>
               <a:ext uri="{28A0092B-C50C-407E-A947-70E740481C1C}">
                 <a14:useLocalDpi xmlns:a14="http://schemas.microsoft.com/office/drawing/2010/main" val="0"/>
@@ -4082,7 +4280,7 @@
           <p:nvPr/>
         </p:nvPicPr>
         <p:blipFill>
-          <a:blip r:embed="rId4">
+          <a:blip r:embed="rId5">
             <a:extLst>
               <a:ext uri="{28A0092B-C50C-407E-A947-70E740481C1C}">
                 <a14:useLocalDpi xmlns:a14="http://schemas.microsoft.com/office/drawing/2010/main" val="0"/>
@@ -4375,6 +4573,152 @@
           <a:p>
             <a:pPr algn="ctr"/>
             <a:endParaRPr lang="ru-RU" dirty="0"/>
+          </a:p>
+        </p:txBody>
+      </p:sp>
+      <p:sp>
+        <p:nvSpPr>
+          <p:cNvPr id="11" name="Скругленный прямоугольник 10"/>
+          <p:cNvSpPr/>
+          <p:nvPr/>
+        </p:nvSpPr>
+        <p:spPr>
+          <a:xfrm>
+            <a:off x="5840084" y="6124755"/>
+            <a:ext cx="5796950" cy="686069"/>
+          </a:xfrm>
+          <a:prstGeom prst="roundRect">
+            <a:avLst/>
+          </a:prstGeom>
+          <a:solidFill>
+            <a:schemeClr val="accent4">
+              <a:lumMod val="20000"/>
+              <a:lumOff val="80000"/>
+            </a:schemeClr>
+          </a:solidFill>
+          <a:ln w="38100">
+            <a:solidFill>
+              <a:srgbClr val="FF0000"/>
+            </a:solidFill>
+          </a:ln>
+        </p:spPr>
+        <p:style>
+          <a:lnRef idx="2">
+            <a:schemeClr val="accent1">
+              <a:shade val="50000"/>
+            </a:schemeClr>
+          </a:lnRef>
+          <a:fillRef idx="1">
+            <a:schemeClr val="accent1"/>
+          </a:fillRef>
+          <a:effectRef idx="0">
+            <a:schemeClr val="accent1"/>
+          </a:effectRef>
+          <a:fontRef idx="minor">
+            <a:schemeClr val="lt1"/>
+          </a:fontRef>
+        </p:style>
+        <p:txBody>
+          <a:bodyPr rtlCol="0" anchor="ctr"/>
+          <a:lstStyle/>
+          <a:p>
+            <a:r>
+              <a:rPr lang="en-US" sz="1050" dirty="0" smtClean="0">
+                <a:solidFill>
+                  <a:schemeClr val="tx1"/>
+                </a:solidFill>
+              </a:rPr>
+              <a:t>GIT</a:t>
+            </a:r>
+            <a:r>
+              <a:rPr lang="en-US" sz="1050" dirty="0">
+                <a:solidFill>
+                  <a:schemeClr val="tx1"/>
+                </a:solidFill>
+              </a:rPr>
+              <a:t>:</a:t>
+            </a:r>
+            <a:r>
+              <a:rPr lang="en-US" sz="1050" dirty="0" smtClean="0">
+                <a:solidFill>
+                  <a:schemeClr val="tx1"/>
+                </a:solidFill>
+              </a:rPr>
+              <a:t> </a:t>
+            </a:r>
+          </a:p>
+          <a:p>
+            <a:r>
+              <a:rPr lang="en-US" sz="1050" dirty="0" smtClean="0">
+                <a:solidFill>
+                  <a:schemeClr val="tx1"/>
+                </a:solidFill>
+              </a:rPr>
+              <a:t>—  </a:t>
+            </a:r>
+            <a:r>
+              <a:rPr lang="en-US" sz="1050" dirty="0">
+                <a:solidFill>
+                  <a:schemeClr val="tx1"/>
+                </a:solidFill>
+              </a:rPr>
+              <a:t>"global information tracker": you're in a good mood, and it </a:t>
+            </a:r>
+            <a:r>
+              <a:rPr lang="en-US" sz="1050" dirty="0" smtClean="0">
+                <a:solidFill>
+                  <a:schemeClr val="tx1"/>
+                </a:solidFill>
+              </a:rPr>
+              <a:t>actually works </a:t>
+            </a:r>
+            <a:r>
+              <a:rPr lang="en-US" sz="1050" dirty="0">
+                <a:solidFill>
+                  <a:schemeClr val="tx1"/>
+                </a:solidFill>
+              </a:rPr>
+              <a:t>for you. Angels sing, and a light suddenly fills the room. </a:t>
+            </a:r>
+          </a:p>
+          <a:p>
+            <a:r>
+              <a:rPr lang="en-US" sz="1050" dirty="0" smtClean="0">
+                <a:solidFill>
+                  <a:schemeClr val="tx1"/>
+                </a:solidFill>
+              </a:rPr>
+              <a:t>—  </a:t>
+            </a:r>
+            <a:r>
+              <a:rPr lang="en-US" sz="1050" dirty="0">
+                <a:solidFill>
+                  <a:schemeClr val="tx1"/>
+                </a:solidFill>
+              </a:rPr>
+              <a:t>"goddamn idiotic truckload of </a:t>
+            </a:r>
+            <a:r>
+              <a:rPr lang="en-US" sz="1050" dirty="0" err="1">
+                <a:solidFill>
+                  <a:schemeClr val="tx1"/>
+                </a:solidFill>
+              </a:rPr>
+              <a:t>sh</a:t>
+            </a:r>
+            <a:r>
+              <a:rPr lang="en-US" sz="1050" dirty="0">
+                <a:solidFill>
+                  <a:schemeClr val="tx1"/>
+                </a:solidFill>
+              </a:rPr>
+              <a:t>*t": when it breaks</a:t>
+            </a:r>
+            <a:endParaRPr lang="ru-RU" sz="1400" dirty="0">
+              <a:solidFill>
+                <a:schemeClr val="tx1"/>
+              </a:solidFill>
+            </a:endParaRPr>
           </a:p>
         </p:txBody>
       </p:sp>
@@ -4741,7 +5085,7 @@
         </p:nvCxnSpPr>
         <p:spPr>
           <a:xfrm flipV="1">
-            <a:off x="327803" y="4597880"/>
+            <a:off x="353682" y="4666891"/>
             <a:ext cx="1621767" cy="1"/>
           </a:xfrm>
           <a:prstGeom prst="line">
@@ -4825,21 +5169,29 @@
           </a:p>
           <a:p>
             <a:r>
-              <a:rPr lang="en-US" sz="1400" dirty="0" err="1" smtClean="0"/>
+              <a:rPr lang="en-US" sz="1400" b="1" dirty="0" err="1" smtClean="0"/>
               <a:t>Git</a:t>
             </a:r>
             <a:r>
-              <a:rPr lang="ru-RU" sz="1400" dirty="0" smtClean="0"/>
+              <a:rPr lang="ru-RU" sz="1400" b="1" dirty="0" smtClean="0"/>
               <a:t> </a:t>
             </a:r>
             <a:r>
-              <a:rPr lang="ru-RU" sz="1400" dirty="0"/>
-              <a:t>– это основополагающий инструмент для командной разработки. </a:t>
+              <a:rPr lang="ru-RU" sz="1400" b="1" dirty="0"/>
+              <a:t>– это основополагающий инструмент для командной </a:t>
+            </a:r>
+            <a:r>
+              <a:rPr lang="ru-RU" sz="1400" b="1" dirty="0" smtClean="0"/>
+              <a:t>разработки! </a:t>
+            </a:r>
+            <a:r>
+              <a:rPr lang="ru-RU" sz="1400" u="sng" dirty="0"/>
+              <a:t/>
             </a:r>
             <a:br>
-              <a:rPr lang="ru-RU" sz="1400" dirty="0"/>
+              <a:rPr lang="ru-RU" sz="1400" u="sng" dirty="0"/>
             </a:br>
-            <a:endParaRPr lang="ru-RU" sz="1400" dirty="0"/>
+            <a:endParaRPr lang="ru-RU" sz="1400" u="sng" dirty="0"/>
           </a:p>
           <a:p>
             <a:r>
@@ -4922,7 +5274,7 @@
         </p:nvSpPr>
         <p:spPr>
           <a:xfrm>
-            <a:off x="8100202" y="4321832"/>
+            <a:off x="7843542" y="4321831"/>
             <a:ext cx="3994031" cy="1725283"/>
           </a:xfrm>
           <a:prstGeom prst="roundRect">
@@ -5102,7 +5454,15 @@
                   <a:schemeClr val="tx1"/>
                 </a:solidFill>
               </a:rPr>
-              <a:t>освоить систему контроля версий!</a:t>
+              <a:t>освоить систему контроля версий</a:t>
+            </a:r>
+            <a:r>
+              <a:rPr lang="ru-RU" sz="1200" dirty="0" smtClean="0">
+                <a:solidFill>
+                  <a:schemeClr val="tx1"/>
+                </a:solidFill>
+              </a:rPr>
+              <a:t>!:-)</a:t>
             </a:r>
             <a:endParaRPr lang="ru-RU" dirty="0">
               <a:solidFill>
@@ -5135,7 +5495,7 @@
         </p:blipFill>
         <p:spPr bwMode="auto">
           <a:xfrm>
-            <a:off x="2363636" y="4501427"/>
+            <a:off x="2234240" y="4474843"/>
             <a:ext cx="3579963" cy="2131581"/>
           </a:xfrm>
           <a:prstGeom prst="rect">
@@ -5161,8 +5521,8 @@
         </p:nvSpPr>
         <p:spPr>
           <a:xfrm>
-            <a:off x="3714131" y="6151116"/>
-            <a:ext cx="2440969" cy="706884"/>
+            <a:off x="3509330" y="6201004"/>
+            <a:ext cx="2399764" cy="544853"/>
           </a:xfrm>
           <a:prstGeom prst="roundRect">
             <a:avLst/>
@@ -5229,7 +5589,133 @@
                   <a:schemeClr val="tx1"/>
                 </a:solidFill>
               </a:rPr>
-              <a:t>поработало уже 12000 человек со всего мира. </a:t>
+              <a:t>поработало уже </a:t>
+            </a:r>
+            <a:r>
+              <a:rPr lang="ru-RU" sz="1200" dirty="0" smtClean="0">
+                <a:solidFill>
+                  <a:schemeClr val="tx1"/>
+                </a:solidFill>
+              </a:rPr>
+              <a:t>12000 </a:t>
+            </a:r>
+            <a:r>
+              <a:rPr lang="ru-RU" sz="1200" dirty="0">
+                <a:solidFill>
+                  <a:schemeClr val="tx1"/>
+                </a:solidFill>
+              </a:rPr>
+              <a:t>человек со всего мира. </a:t>
+            </a:r>
+            <a:endParaRPr lang="ru-RU" dirty="0">
+              <a:solidFill>
+                <a:schemeClr val="tx1"/>
+              </a:solidFill>
+            </a:endParaRPr>
+          </a:p>
+        </p:txBody>
+      </p:sp>
+      <p:sp>
+        <p:nvSpPr>
+          <p:cNvPr id="11" name="Скругленный прямоугольник 10"/>
+          <p:cNvSpPr/>
+          <p:nvPr/>
+        </p:nvSpPr>
+        <p:spPr>
+          <a:xfrm>
+            <a:off x="9466054" y="5771090"/>
+            <a:ext cx="2596550" cy="835334"/>
+          </a:xfrm>
+          <a:prstGeom prst="roundRect">
+            <a:avLst/>
+          </a:prstGeom>
+          <a:solidFill>
+            <a:schemeClr val="accent4">
+              <a:lumMod val="20000"/>
+              <a:lumOff val="80000"/>
+            </a:schemeClr>
+          </a:solidFill>
+          <a:ln w="38100">
+            <a:solidFill>
+              <a:srgbClr val="FF0000"/>
+            </a:solidFill>
+          </a:ln>
+        </p:spPr>
+        <p:style>
+          <a:lnRef idx="2">
+            <a:schemeClr val="accent1">
+              <a:shade val="50000"/>
+            </a:schemeClr>
+          </a:lnRef>
+          <a:fillRef idx="1">
+            <a:schemeClr val="accent1"/>
+          </a:fillRef>
+          <a:effectRef idx="0">
+            <a:schemeClr val="accent1"/>
+          </a:effectRef>
+          <a:fontRef idx="minor">
+            <a:schemeClr val="lt1"/>
+          </a:fontRef>
+        </p:style>
+        <p:txBody>
+          <a:bodyPr rtlCol="0" anchor="ctr"/>
+          <a:lstStyle/>
+          <a:p>
+            <a:r>
+              <a:rPr lang="ru-RU" sz="1200" dirty="0">
+                <a:solidFill>
+                  <a:schemeClr val="tx1"/>
+                </a:solidFill>
+              </a:rPr>
+              <a:t>Впрочем, </a:t>
+            </a:r>
+            <a:r>
+              <a:rPr lang="ru-RU" sz="1200" dirty="0" smtClean="0">
+                <a:solidFill>
+                  <a:schemeClr val="tx1"/>
+                </a:solidFill>
+              </a:rPr>
+              <a:t>даже если делать </a:t>
+            </a:r>
+            <a:r>
+              <a:rPr lang="ru-RU" sz="1200" dirty="0">
+                <a:solidFill>
+                  <a:schemeClr val="tx1"/>
+                </a:solidFill>
+              </a:rPr>
+              <a:t>проект в одиночку, то без гита </a:t>
+            </a:r>
+            <a:r>
+              <a:rPr lang="ru-RU" sz="1200" dirty="0" smtClean="0">
+                <a:solidFill>
+                  <a:schemeClr val="tx1"/>
+                </a:solidFill>
+              </a:rPr>
+              <a:t>вы </a:t>
+            </a:r>
+            <a:r>
+              <a:rPr lang="ru-RU" sz="1200" dirty="0">
+                <a:solidFill>
+                  <a:schemeClr val="tx1"/>
+                </a:solidFill>
+              </a:rPr>
+              <a:t>работать уже не </a:t>
+            </a:r>
+            <a:r>
+              <a:rPr lang="ru-RU" sz="1200" dirty="0" smtClean="0">
+                <a:solidFill>
+                  <a:schemeClr val="tx1"/>
+                </a:solidFill>
+              </a:rPr>
+              <a:t>сможете. </a:t>
+            </a:r>
+            <a:r>
+              <a:rPr lang="ru-RU" sz="1200" dirty="0">
+                <a:solidFill>
+                  <a:schemeClr val="tx1"/>
+                </a:solidFill>
+              </a:rPr>
+              <a:t>Слишком уж много преимуществ он дает.</a:t>
             </a:r>
             <a:endParaRPr lang="ru-RU" dirty="0">
               <a:solidFill>
@@ -5278,92 +5764,277 @@
       </p:grpSpPr>
       <p:sp>
         <p:nvSpPr>
-          <p:cNvPr id="2" name="Заголовок 1">
-            <a:extLst>
-              <a:ext uri="{FF2B5EF4-FFF2-40B4-BE49-F238E27FC236}">
-                <a16:creationId xmlns="" xmlns:a16="http://schemas.microsoft.com/office/drawing/2014/main" id="{F5437F0A-FD52-494B-9787-D33921FF945A}"/>
-              </a:ext>
-            </a:extLst>
-          </p:cNvPr>
-          <p:cNvSpPr>
-            <a:spLocks noGrp="1"/>
-          </p:cNvSpPr>
-          <p:nvPr>
-            <p:ph type="title"/>
-          </p:nvPr>
-        </p:nvSpPr>
-        <p:spPr/>
-        <p:txBody>
-          <a:bodyPr/>
-          <a:lstStyle/>
-          <a:p>
-            <a:r>
-              <a:rPr lang="ru-RU" dirty="0"/>
-              <a:t>Какие еще бывают системы контроля версий?</a:t>
-            </a:r>
-          </a:p>
-        </p:txBody>
-      </p:sp>
-      <p:sp>
-        <p:nvSpPr>
-          <p:cNvPr id="3" name="Объект 2">
-            <a:extLst>
-              <a:ext uri="{FF2B5EF4-FFF2-40B4-BE49-F238E27FC236}">
-                <a16:creationId xmlns="" xmlns:a16="http://schemas.microsoft.com/office/drawing/2014/main" id="{E368B81C-9C8A-4733-96DF-8D4BEC7EB87C}"/>
-              </a:ext>
-            </a:extLst>
-          </p:cNvPr>
-          <p:cNvSpPr>
-            <a:spLocks noGrp="1"/>
-          </p:cNvSpPr>
-          <p:nvPr>
-            <p:ph idx="1"/>
-          </p:nvPr>
-        </p:nvSpPr>
-        <p:spPr/>
-        <p:txBody>
-          <a:bodyPr/>
-          <a:lstStyle/>
-          <a:p>
-            <a:endParaRPr lang="ru-RU"/>
-          </a:p>
-        </p:txBody>
-      </p:sp>
-      <p:sp>
-        <p:nvSpPr>
-          <p:cNvPr id="4" name="Текст 3">
-            <a:extLst>
-              <a:ext uri="{FF2B5EF4-FFF2-40B4-BE49-F238E27FC236}">
-                <a16:creationId xmlns="" xmlns:a16="http://schemas.microsoft.com/office/drawing/2014/main" id="{D33BF655-0120-41B3-A26A-D05B33923351}"/>
-              </a:ext>
-            </a:extLst>
-          </p:cNvPr>
-          <p:cNvSpPr>
-            <a:spLocks noGrp="1"/>
-          </p:cNvSpPr>
-          <p:nvPr>
-            <p:ph type="body" sz="half" idx="2"/>
-          </p:nvPr>
-        </p:nvSpPr>
-        <p:spPr/>
-        <p:txBody>
-          <a:bodyPr/>
-          <a:lstStyle/>
-          <a:p>
-            <a:endParaRPr lang="ru-RU"/>
+          <p:cNvPr id="2" name="Прямоугольник 1"/>
+          <p:cNvSpPr/>
+          <p:nvPr/>
+        </p:nvSpPr>
+        <p:spPr>
+          <a:xfrm>
+            <a:off x="319177" y="293299"/>
+            <a:ext cx="11395495" cy="2062103"/>
+          </a:xfrm>
+          <a:prstGeom prst="rect">
+            <a:avLst/>
+          </a:prstGeom>
+        </p:spPr>
+        <p:txBody>
+          <a:bodyPr wrap="square">
+            <a:spAutoFit/>
+          </a:bodyPr>
+          <a:lstStyle/>
+          <a:p>
+            <a:r>
+              <a:rPr lang="ru-RU" sz="3200" dirty="0" smtClean="0"/>
+              <a:t>Под системой контроля в контексте </a:t>
+            </a:r>
+            <a:r>
+              <a:rPr lang="ru-RU" sz="3200" dirty="0" err="1" smtClean="0"/>
+              <a:t>Git</a:t>
+            </a:r>
+            <a:r>
+              <a:rPr lang="ru-RU" sz="3200" dirty="0" smtClean="0"/>
+              <a:t> подразумевается программный механизм для работы с контентом. </a:t>
+            </a:r>
+          </a:p>
+          <a:p>
+            <a:r>
+              <a:rPr lang="ru-RU" sz="3200" dirty="0" smtClean="0"/>
+              <a:t>В «работу» также входит хранение, передача данных, отслеживание изменений и прочие аспекты.</a:t>
+            </a:r>
+            <a:endParaRPr lang="ru-RU" sz="3200" dirty="0"/>
+          </a:p>
+        </p:txBody>
+      </p:sp>
+      <p:sp>
+        <p:nvSpPr>
+          <p:cNvPr id="3" name="TextBox 2"/>
+          <p:cNvSpPr txBox="1"/>
+          <p:nvPr/>
+        </p:nvSpPr>
+        <p:spPr>
+          <a:xfrm>
+            <a:off x="353682" y="2455839"/>
+            <a:ext cx="5663242" cy="4001095"/>
+          </a:xfrm>
+          <a:prstGeom prst="rect">
+            <a:avLst/>
+          </a:prstGeom>
+          <a:noFill/>
+        </p:spPr>
+        <p:txBody>
+          <a:bodyPr wrap="square" rtlCol="0">
+            <a:spAutoFit/>
+          </a:bodyPr>
+          <a:lstStyle/>
+          <a:p>
+            <a:r>
+              <a:rPr lang="ru-RU" dirty="0" smtClean="0"/>
+              <a:t>Инженерные компании, глядя на успешный опыт коллег в IT, не остаются в стороне. Если посмотреть инженерные вакансии в различных международных инженерных компаниях, то в большинстве вакансий значится владение гитом на базовом уровне. </a:t>
+            </a:r>
+          </a:p>
+          <a:p>
+            <a:endParaRPr lang="ru-RU" dirty="0" smtClean="0"/>
+          </a:p>
+          <a:p>
+            <a:r>
+              <a:rPr lang="ru-RU" dirty="0" smtClean="0"/>
+              <a:t>При этом в России все диаметрально противоположно!</a:t>
+            </a:r>
+          </a:p>
+          <a:p>
+            <a:r>
+              <a:rPr lang="ru-RU" dirty="0" err="1" smtClean="0"/>
+              <a:t>Git</a:t>
+            </a:r>
+            <a:r>
+              <a:rPr lang="ru-RU" dirty="0" smtClean="0"/>
+              <a:t> в инженерной деятельности вообще не используется по сравнению с </a:t>
+            </a:r>
+            <a:r>
+              <a:rPr lang="ru-RU" dirty="0" err="1" smtClean="0"/>
+              <a:t>айтишкой</a:t>
+            </a:r>
+            <a:r>
+              <a:rPr lang="ru-RU" dirty="0" smtClean="0"/>
+              <a:t> — </a:t>
+            </a:r>
+            <a:r>
+              <a:rPr lang="ru-RU" b="1" dirty="0" smtClean="0"/>
+              <a:t>не все, зачастую, даже знают о таком инструменте.</a:t>
+            </a:r>
+          </a:p>
+          <a:p>
+            <a:endParaRPr lang="ru-RU" b="1" dirty="0" smtClean="0"/>
+          </a:p>
+          <a:p>
+            <a:r>
+              <a:rPr lang="ru-RU" sz="1400" dirty="0" smtClean="0"/>
+              <a:t>Из всего этого можно сделать вывод, что для инженера владение </a:t>
+            </a:r>
+            <a:r>
+              <a:rPr lang="ru-RU" sz="1400" dirty="0" err="1" smtClean="0"/>
+              <a:t>версионированием</a:t>
+            </a:r>
+            <a:r>
+              <a:rPr lang="ru-RU" sz="1400" dirty="0" smtClean="0"/>
+              <a:t> может стать мостиком к развитию карьеры или даже существенным конкурентным преимуществом на международном уровне 😉. </a:t>
+            </a:r>
+            <a:endParaRPr lang="ru-RU" sz="1400" b="1" dirty="0"/>
+          </a:p>
+        </p:txBody>
+      </p:sp>
+      <p:pic>
+        <p:nvPicPr>
+          <p:cNvPr id="2050" name="Picture 2" descr="C:\Users\pukazov_yag\Downloads\1903.970.jpeg"/>
+          <p:cNvPicPr>
+            <a:picLocks noChangeAspect="1" noChangeArrowheads="1"/>
+          </p:cNvPicPr>
+          <p:nvPr/>
+        </p:nvPicPr>
+        <p:blipFill>
+          <a:blip r:embed="rId2">
+            <a:extLst>
+              <a:ext uri="{28A0092B-C50C-407E-A947-70E740481C1C}">
+                <a14:useLocalDpi xmlns:a14="http://schemas.microsoft.com/office/drawing/2010/main" val="0"/>
+              </a:ext>
+            </a:extLst>
+          </a:blip>
+          <a:srcRect/>
+          <a:stretch>
+            <a:fillRect/>
+          </a:stretch>
+        </p:blipFill>
+        <p:spPr bwMode="auto">
+          <a:xfrm>
+            <a:off x="5913407" y="2455839"/>
+            <a:ext cx="5580248" cy="3693319"/>
+          </a:xfrm>
+          <a:prstGeom prst="rect">
+            <a:avLst/>
+          </a:prstGeom>
+          <a:noFill/>
+          <a:extLst>
+            <a:ext uri="{909E8E84-426E-40DD-AFC4-6F175D3DCCD1}">
+              <a14:hiddenFill xmlns:a14="http://schemas.microsoft.com/office/drawing/2010/main">
+                <a:solidFill>
+                  <a:srgbClr val="FFFFFF"/>
+                </a:solidFill>
+              </a14:hiddenFill>
+            </a:ext>
+          </a:extLst>
+        </p:spPr>
+      </p:pic>
+      <p:sp>
+        <p:nvSpPr>
+          <p:cNvPr id="9" name="Скругленный прямоугольник 8"/>
+          <p:cNvSpPr/>
+          <p:nvPr/>
+        </p:nvSpPr>
+        <p:spPr>
+          <a:xfrm>
+            <a:off x="8341742" y="1877868"/>
+            <a:ext cx="3737369" cy="1155942"/>
+          </a:xfrm>
+          <a:prstGeom prst="roundRect">
+            <a:avLst/>
+          </a:prstGeom>
+          <a:solidFill>
+            <a:schemeClr val="accent4">
+              <a:lumMod val="20000"/>
+              <a:lumOff val="80000"/>
+            </a:schemeClr>
+          </a:solidFill>
+          <a:ln w="38100">
+            <a:solidFill>
+              <a:srgbClr val="FF0000"/>
+            </a:solidFill>
+          </a:ln>
+        </p:spPr>
+        <p:style>
+          <a:lnRef idx="2">
+            <a:schemeClr val="accent1">
+              <a:shade val="50000"/>
+            </a:schemeClr>
+          </a:lnRef>
+          <a:fillRef idx="1">
+            <a:schemeClr val="accent1"/>
+          </a:fillRef>
+          <a:effectRef idx="0">
+            <a:schemeClr val="accent1"/>
+          </a:effectRef>
+          <a:fontRef idx="minor">
+            <a:schemeClr val="lt1"/>
+          </a:fontRef>
+        </p:style>
+        <p:txBody>
+          <a:bodyPr rtlCol="0" anchor="ctr"/>
+          <a:lstStyle/>
+          <a:p>
+            <a:r>
+              <a:rPr lang="ru-RU" sz="1200" dirty="0">
+                <a:solidFill>
+                  <a:schemeClr val="tx1"/>
+                </a:solidFill>
+              </a:rPr>
+              <a:t>Чаще всего </a:t>
+            </a:r>
+            <a:r>
+              <a:rPr lang="ru-RU" sz="1200" dirty="0" err="1">
+                <a:solidFill>
+                  <a:schemeClr val="tx1"/>
+                </a:solidFill>
+              </a:rPr>
+              <a:t>Git</a:t>
+            </a:r>
+            <a:r>
+              <a:rPr lang="ru-RU" sz="1200" dirty="0">
+                <a:solidFill>
+                  <a:schemeClr val="tx1"/>
+                </a:solidFill>
+              </a:rPr>
+              <a:t> используется в разработке программного обеспечения, но он также находит применение и в других сферах, например в конструкторской, инженерной, </a:t>
+            </a:r>
+            <a:r>
+              <a:rPr lang="ru-RU" sz="1200" dirty="0" smtClean="0">
+                <a:solidFill>
+                  <a:schemeClr val="tx1"/>
+                </a:solidFill>
+              </a:rPr>
+              <a:t>дизайнерской, преподавательской и </a:t>
+            </a:r>
+            <a:r>
+              <a:rPr lang="ru-RU" sz="1200" dirty="0">
+                <a:solidFill>
+                  <a:schemeClr val="tx1"/>
+                </a:solidFill>
+              </a:rPr>
+              <a:t>научной деятельности.</a:t>
+            </a:r>
+            <a:endParaRPr lang="ru-RU" dirty="0">
+              <a:solidFill>
+                <a:schemeClr val="tx1"/>
+              </a:solidFill>
+            </a:endParaRPr>
           </a:p>
         </p:txBody>
       </p:sp>
     </p:spTree>
     <p:extLst>
       <p:ext uri="{BB962C8B-B14F-4D97-AF65-F5344CB8AC3E}">
-        <p14:creationId xmlns:p14="http://schemas.microsoft.com/office/powerpoint/2010/main" val="3200603902"/>
+        <p14:creationId xmlns:p14="http://schemas.microsoft.com/office/powerpoint/2010/main" val="508255813"/>
       </p:ext>
     </p:extLst>
   </p:cSld>
   <p:clrMapOvr>
     <a:masterClrMapping/>
   </p:clrMapOvr>
+  <p:timing>
+    <p:tnLst>
+      <p:par>
+        <p:cTn id="1" dur="indefinite" restart="never" nodeType="tmRoot"/>
+      </p:par>
+    </p:tnLst>
+  </p:timing>
 </p:sld>
 </file>
 
@@ -5386,96 +6057,422 @@
       </p:grpSpPr>
       <p:sp>
         <p:nvSpPr>
-          <p:cNvPr id="2" name="Заголовок 1">
-            <a:extLst>
-              <a:ext uri="{FF2B5EF4-FFF2-40B4-BE49-F238E27FC236}">
-                <a16:creationId xmlns="" xmlns:a16="http://schemas.microsoft.com/office/drawing/2014/main" id="{F5437F0A-FD52-494B-9787-D33921FF945A}"/>
-              </a:ext>
-            </a:extLst>
-          </p:cNvPr>
-          <p:cNvSpPr>
-            <a:spLocks noGrp="1"/>
-          </p:cNvSpPr>
-          <p:nvPr>
-            <p:ph type="title"/>
-          </p:nvPr>
-        </p:nvSpPr>
-        <p:spPr/>
-        <p:txBody>
-          <a:bodyPr>
-            <a:normAutofit/>
+          <p:cNvPr id="2" name="Прямоугольник 1"/>
+          <p:cNvSpPr/>
+          <p:nvPr/>
+        </p:nvSpPr>
+        <p:spPr>
+          <a:xfrm>
+            <a:off x="319177" y="293299"/>
+            <a:ext cx="11395495" cy="1938992"/>
+          </a:xfrm>
+          <a:prstGeom prst="rect">
+            <a:avLst/>
+          </a:prstGeom>
+        </p:spPr>
+        <p:txBody>
+          <a:bodyPr wrap="square">
+            <a:spAutoFit/>
           </a:bodyPr>
           <a:lstStyle/>
           <a:p>
             <a:r>
-              <a:rPr lang="ru-RU" dirty="0"/>
-              <a:t>Почему </a:t>
-            </a:r>
-            <a:r>
-              <a:rPr lang="en-US" dirty="0"/>
-              <a:t>Git </a:t>
-            </a:r>
-            <a:r>
-              <a:rPr lang="ru-RU" dirty="0"/>
-              <a:t>так популярен среди разработчиков ПО?</a:t>
-            </a:r>
-          </a:p>
-        </p:txBody>
-      </p:sp>
-      <p:sp>
-        <p:nvSpPr>
-          <p:cNvPr id="3" name="Объект 2">
-            <a:extLst>
-              <a:ext uri="{FF2B5EF4-FFF2-40B4-BE49-F238E27FC236}">
-                <a16:creationId xmlns="" xmlns:a16="http://schemas.microsoft.com/office/drawing/2014/main" id="{E368B81C-9C8A-4733-96DF-8D4BEC7EB87C}"/>
-              </a:ext>
-            </a:extLst>
-          </p:cNvPr>
-          <p:cNvSpPr>
-            <a:spLocks noGrp="1"/>
-          </p:cNvSpPr>
-          <p:nvPr>
-            <p:ph idx="1"/>
-          </p:nvPr>
-        </p:nvSpPr>
-        <p:spPr/>
-        <p:txBody>
-          <a:bodyPr/>
-          <a:lstStyle/>
-          <a:p>
+              <a:rPr lang="ru-RU" sz="2400" dirty="0"/>
+              <a:t>О</a:t>
+            </a:r>
+            <a:r>
+              <a:rPr lang="ru-RU" sz="2400" dirty="0" smtClean="0"/>
+              <a:t>бычно </a:t>
+            </a:r>
+            <a:r>
+              <a:rPr lang="ru-RU" sz="2400" dirty="0" err="1"/>
+              <a:t>Git</a:t>
+            </a:r>
+            <a:r>
+              <a:rPr lang="ru-RU" sz="2400" dirty="0"/>
+              <a:t> используют для работы с программным </a:t>
+            </a:r>
+            <a:r>
+              <a:rPr lang="ru-RU" sz="2400" dirty="0" smtClean="0"/>
+              <a:t>кодом, однако, ситуация стремительно меняется. Уже сейчас </a:t>
+            </a:r>
+            <a:r>
+              <a:rPr lang="en-US" sz="2400" dirty="0" err="1" smtClean="0"/>
+              <a:t>Git</a:t>
+            </a:r>
+            <a:r>
+              <a:rPr lang="en-US" sz="2400" dirty="0" smtClean="0"/>
+              <a:t> </a:t>
+            </a:r>
+            <a:r>
+              <a:rPr lang="ru-RU" sz="2400" dirty="0" smtClean="0"/>
+              <a:t>используют для работы с чертежами, 3D-моделями, переводами </a:t>
+            </a:r>
+            <a:r>
+              <a:rPr lang="ru-RU" sz="2400" dirty="0"/>
+              <a:t>больших книг, </a:t>
+            </a:r>
+            <a:r>
+              <a:rPr lang="ru-RU" sz="2400" dirty="0" smtClean="0"/>
+              <a:t>дизайнерскими работами: рисунками, </a:t>
+            </a:r>
+            <a:r>
+              <a:rPr lang="ru-RU" sz="2400" dirty="0"/>
+              <a:t>видео и прочее. Правилам работы в системе контроля версий можно подчинить почти любой </a:t>
+            </a:r>
+            <a:r>
+              <a:rPr lang="ru-RU" sz="2400" dirty="0" smtClean="0"/>
+              <a:t>продукт, </a:t>
+            </a:r>
+            <a:r>
+              <a:rPr lang="ru-RU" sz="2400" dirty="0"/>
+              <a:t>и везде от этого будет только польза.</a:t>
+            </a:r>
+            <a:endParaRPr lang="ru-RU" sz="2400" dirty="0"/>
+          </a:p>
+        </p:txBody>
+      </p:sp>
+      <p:pic>
+        <p:nvPicPr>
+          <p:cNvPr id="3074" name="Picture 2" descr="C:\Users\pukazov_yag\Pictures\Скриншоты\Screenshot_82.png"/>
+          <p:cNvPicPr>
+            <a:picLocks noChangeAspect="1" noChangeArrowheads="1"/>
+          </p:cNvPicPr>
+          <p:nvPr/>
+        </p:nvPicPr>
+        <p:blipFill>
+          <a:blip r:embed="rId2">
+            <a:extLst>
+              <a:ext uri="{28A0092B-C50C-407E-A947-70E740481C1C}">
+                <a14:useLocalDpi xmlns:a14="http://schemas.microsoft.com/office/drawing/2010/main" val="0"/>
+              </a:ext>
+            </a:extLst>
+          </a:blip>
+          <a:srcRect/>
+          <a:stretch>
+            <a:fillRect/>
+          </a:stretch>
+        </p:blipFill>
+        <p:spPr bwMode="auto">
+          <a:xfrm>
+            <a:off x="9296792" y="2959007"/>
+            <a:ext cx="2659419" cy="2686982"/>
+          </a:xfrm>
+          <a:prstGeom prst="rect">
+            <a:avLst/>
+          </a:prstGeom>
+          <a:noFill/>
+          <a:extLst>
+            <a:ext uri="{909E8E84-426E-40DD-AFC4-6F175D3DCCD1}">
+              <a14:hiddenFill xmlns:a14="http://schemas.microsoft.com/office/drawing/2010/main">
+                <a:solidFill>
+                  <a:srgbClr val="FFFFFF"/>
+                </a:solidFill>
+              </a14:hiddenFill>
+            </a:ext>
+          </a:extLst>
+        </p:spPr>
+      </p:pic>
+      <p:pic>
+        <p:nvPicPr>
+          <p:cNvPr id="3075" name="Picture 3" descr="C:\Users\pukazov_yag\Pictures\Скриншоты\Screenshot_83.png"/>
+          <p:cNvPicPr>
+            <a:picLocks noChangeAspect="1" noChangeArrowheads="1"/>
+          </p:cNvPicPr>
+          <p:nvPr/>
+        </p:nvPicPr>
+        <p:blipFill>
+          <a:blip r:embed="rId3">
+            <a:extLst>
+              <a:ext uri="{28A0092B-C50C-407E-A947-70E740481C1C}">
+                <a14:useLocalDpi xmlns:a14="http://schemas.microsoft.com/office/drawing/2010/main" val="0"/>
+              </a:ext>
+            </a:extLst>
+          </a:blip>
+          <a:srcRect/>
+          <a:stretch>
+            <a:fillRect/>
+          </a:stretch>
+        </p:blipFill>
+        <p:spPr bwMode="auto">
+          <a:xfrm>
+            <a:off x="5710687" y="3094663"/>
+            <a:ext cx="3282662" cy="2415669"/>
+          </a:xfrm>
+          <a:prstGeom prst="rect">
+            <a:avLst/>
+          </a:prstGeom>
+          <a:noFill/>
+          <a:extLst>
+            <a:ext uri="{909E8E84-426E-40DD-AFC4-6F175D3DCCD1}">
+              <a14:hiddenFill xmlns:a14="http://schemas.microsoft.com/office/drawing/2010/main">
+                <a:solidFill>
+                  <a:srgbClr val="FFFFFF"/>
+                </a:solidFill>
+              </a14:hiddenFill>
+            </a:ext>
+          </a:extLst>
+        </p:spPr>
+      </p:pic>
+      <p:sp>
+        <p:nvSpPr>
+          <p:cNvPr id="4" name="TextBox 3"/>
+          <p:cNvSpPr txBox="1"/>
+          <p:nvPr/>
+        </p:nvSpPr>
+        <p:spPr>
+          <a:xfrm>
+            <a:off x="6659593" y="2487566"/>
+            <a:ext cx="1040478" cy="369332"/>
+          </a:xfrm>
+          <a:prstGeom prst="rect">
+            <a:avLst/>
+          </a:prstGeom>
+          <a:noFill/>
+        </p:spPr>
+        <p:txBody>
+          <a:bodyPr wrap="none" rtlCol="0">
+            <a:spAutoFit/>
+          </a:bodyPr>
+          <a:lstStyle/>
+          <a:p>
+            <a:r>
+              <a:rPr lang="ru-RU" dirty="0" err="1" smtClean="0"/>
+              <a:t>Айтишка</a:t>
+            </a:r>
             <a:endParaRPr lang="ru-RU" dirty="0"/>
           </a:p>
         </p:txBody>
       </p:sp>
       <p:sp>
         <p:nvSpPr>
-          <p:cNvPr id="4" name="Текст 3">
-            <a:extLst>
-              <a:ext uri="{FF2B5EF4-FFF2-40B4-BE49-F238E27FC236}">
-                <a16:creationId xmlns="" xmlns:a16="http://schemas.microsoft.com/office/drawing/2014/main" id="{D33BF655-0120-41B3-A26A-D05B33923351}"/>
-              </a:ext>
-            </a:extLst>
-          </p:cNvPr>
-          <p:cNvSpPr>
-            <a:spLocks noGrp="1"/>
-          </p:cNvSpPr>
-          <p:nvPr>
-            <p:ph type="body" sz="half" idx="2"/>
-          </p:nvPr>
-        </p:nvSpPr>
-        <p:spPr/>
-        <p:txBody>
-          <a:bodyPr/>
-          <a:lstStyle/>
-          <a:p>
-            <a:endParaRPr lang="ru-RU"/>
+          <p:cNvPr id="11" name="TextBox 10"/>
+          <p:cNvSpPr txBox="1"/>
+          <p:nvPr/>
+        </p:nvSpPr>
+        <p:spPr>
+          <a:xfrm>
+            <a:off x="9847469" y="2487566"/>
+            <a:ext cx="1722779" cy="369332"/>
+          </a:xfrm>
+          <a:prstGeom prst="rect">
+            <a:avLst/>
+          </a:prstGeom>
+          <a:noFill/>
+        </p:spPr>
+        <p:txBody>
+          <a:bodyPr wrap="none" rtlCol="0">
+            <a:spAutoFit/>
+          </a:bodyPr>
+          <a:lstStyle/>
+          <a:p>
+            <a:r>
+              <a:rPr lang="ru-RU" dirty="0" err="1" smtClean="0"/>
+              <a:t>Инжинигерство</a:t>
+            </a:r>
+            <a:endParaRPr lang="ru-RU" dirty="0"/>
+          </a:p>
+        </p:txBody>
+      </p:sp>
+      <p:sp>
+        <p:nvSpPr>
+          <p:cNvPr id="5" name="TextBox 4"/>
+          <p:cNvSpPr txBox="1"/>
+          <p:nvPr/>
+        </p:nvSpPr>
+        <p:spPr>
+          <a:xfrm>
+            <a:off x="7293666" y="5825992"/>
+            <a:ext cx="3309239" cy="369332"/>
+          </a:xfrm>
+          <a:prstGeom prst="rect">
+            <a:avLst/>
+          </a:prstGeom>
+          <a:noFill/>
+        </p:spPr>
+        <p:txBody>
+          <a:bodyPr wrap="none" rtlCol="0">
+            <a:spAutoFit/>
+          </a:bodyPr>
+          <a:lstStyle/>
+          <a:p>
+            <a:r>
+              <a:rPr lang="ru-RU" b="1" dirty="0" smtClean="0">
+                <a:solidFill>
+                  <a:srgbClr val="FF0000"/>
+                </a:solidFill>
+              </a:rPr>
+              <a:t>У нас даже </a:t>
+            </a:r>
+            <a:r>
+              <a:rPr lang="ru-RU" b="1" dirty="0" err="1" smtClean="0">
+                <a:solidFill>
+                  <a:srgbClr val="FF0000"/>
+                </a:solidFill>
+              </a:rPr>
+              <a:t>мемы</a:t>
+            </a:r>
+            <a:r>
+              <a:rPr lang="ru-RU" b="1" dirty="0" smtClean="0">
+                <a:solidFill>
+                  <a:srgbClr val="FF0000"/>
+                </a:solidFill>
+              </a:rPr>
+              <a:t> одинаковые!</a:t>
+            </a:r>
+            <a:endParaRPr lang="ru-RU" b="1" dirty="0">
+              <a:solidFill>
+                <a:srgbClr val="FF0000"/>
+              </a:solidFill>
+            </a:endParaRPr>
+          </a:p>
+        </p:txBody>
+      </p:sp>
+      <p:pic>
+        <p:nvPicPr>
+          <p:cNvPr id="3076" name="Picture 4" descr="C:\Users\pukazov_yag\Downloads\qQ-ZaR8vmZI.jpg"/>
+          <p:cNvPicPr>
+            <a:picLocks noChangeAspect="1" noChangeArrowheads="1"/>
+          </p:cNvPicPr>
+          <p:nvPr/>
+        </p:nvPicPr>
+        <p:blipFill>
+          <a:blip r:embed="rId4" cstate="print">
+            <a:extLst>
+              <a:ext uri="{28A0092B-C50C-407E-A947-70E740481C1C}">
+                <a14:useLocalDpi xmlns:a14="http://schemas.microsoft.com/office/drawing/2010/main" val="0"/>
+              </a:ext>
+            </a:extLst>
+          </a:blip>
+          <a:srcRect/>
+          <a:stretch>
+            <a:fillRect/>
+          </a:stretch>
+        </p:blipFill>
+        <p:spPr bwMode="auto">
+          <a:xfrm>
+            <a:off x="10905377" y="5825992"/>
+            <a:ext cx="1238410" cy="1032008"/>
+          </a:xfrm>
+          <a:prstGeom prst="rect">
+            <a:avLst/>
+          </a:prstGeom>
+          <a:noFill/>
+          <a:extLst>
+            <a:ext uri="{909E8E84-426E-40DD-AFC4-6F175D3DCCD1}">
+              <a14:hiddenFill xmlns:a14="http://schemas.microsoft.com/office/drawing/2010/main">
+                <a:solidFill>
+                  <a:srgbClr val="FFFFFF"/>
+                </a:solidFill>
+              </a14:hiddenFill>
+            </a:ext>
+          </a:extLst>
+        </p:spPr>
+      </p:pic>
+      <p:sp>
+        <p:nvSpPr>
+          <p:cNvPr id="3" name="TextBox 2"/>
+          <p:cNvSpPr txBox="1"/>
+          <p:nvPr/>
+        </p:nvSpPr>
+        <p:spPr>
+          <a:xfrm>
+            <a:off x="353683" y="2409672"/>
+            <a:ext cx="5357004" cy="3785652"/>
+          </a:xfrm>
+          <a:prstGeom prst="rect">
+            <a:avLst/>
+          </a:prstGeom>
+          <a:noFill/>
+        </p:spPr>
+        <p:txBody>
+          <a:bodyPr wrap="square" rtlCol="0">
+            <a:spAutoFit/>
+          </a:bodyPr>
+          <a:lstStyle/>
+          <a:p>
+            <a:r>
+              <a:rPr lang="ru-RU" sz="1600" dirty="0"/>
+              <a:t>В целом можно сказать, что «</a:t>
+            </a:r>
+            <a:r>
+              <a:rPr lang="ru-RU" sz="1600" dirty="0" err="1"/>
+              <a:t>версионирование</a:t>
+            </a:r>
+            <a:r>
+              <a:rPr lang="ru-RU" sz="1600" dirty="0"/>
+              <a:t>» это не только незаменимый инструмент разработчика, но и особый способ мышления, который формируется постепенно по ходу погружения в тему. Заключается он в более аккуратной и вдумчивой работе с изменениями</a:t>
+            </a:r>
+            <a:r>
+              <a:rPr lang="en-US" sz="1600" dirty="0"/>
+              <a:t> </a:t>
+            </a:r>
+            <a:r>
+              <a:rPr lang="ru-RU" sz="1600" dirty="0"/>
+              <a:t>файлов и данных, причем не только своих собственных. </a:t>
+            </a:r>
+            <a:endParaRPr lang="ru-RU" sz="1600" dirty="0" smtClean="0"/>
+          </a:p>
+          <a:p>
+            <a:endParaRPr lang="ru-RU" sz="1600" dirty="0"/>
+          </a:p>
+          <a:p>
+            <a:r>
+              <a:rPr lang="ru-RU" sz="1600" dirty="0" smtClean="0"/>
+              <a:t>Поэтому </a:t>
+            </a:r>
+            <a:r>
+              <a:rPr lang="ru-RU" sz="1600" dirty="0"/>
+              <a:t>побочным эффектом «</a:t>
+            </a:r>
+            <a:r>
+              <a:rPr lang="ru-RU" sz="1600" dirty="0" err="1"/>
+              <a:t>версионирования</a:t>
+            </a:r>
+            <a:r>
+              <a:rPr lang="ru-RU" sz="1600" dirty="0"/>
+              <a:t>» является уменьшение количества ошибок и повышение качества проекта в целом. Особенно это проявляется, если в команде практикуют так называемые «код </a:t>
+            </a:r>
+            <a:r>
+              <a:rPr lang="ru-RU" sz="1600" dirty="0" err="1"/>
+              <a:t>ревью</a:t>
+            </a:r>
+            <a:r>
+              <a:rPr lang="ru-RU" sz="1600" dirty="0"/>
+              <a:t>» (</a:t>
+            </a:r>
+            <a:r>
+              <a:rPr lang="ru-RU" sz="1600" dirty="0" err="1"/>
+              <a:t>нормоконтроль</a:t>
+            </a:r>
+            <a:r>
+              <a:rPr lang="ru-RU" sz="1600" dirty="0"/>
+              <a:t> по старинке) – </a:t>
+            </a:r>
+            <a:r>
+              <a:rPr lang="ru-RU" sz="1600" dirty="0" smtClean="0"/>
+              <a:t>это когда </a:t>
+            </a:r>
+            <a:r>
+              <a:rPr lang="ru-RU" sz="1600" dirty="0"/>
+              <a:t>ваши коллеги критически оценивают ваши разработки и помогают довести их до ума перед окончательным внесением в проект. Этот процесс отлично строится вокруг </a:t>
+            </a:r>
+            <a:r>
+              <a:rPr lang="ru-RU" sz="1600" dirty="0" err="1"/>
+              <a:t>Git</a:t>
+            </a:r>
+            <a:r>
+              <a:rPr lang="ru-RU" sz="1600" dirty="0"/>
+              <a:t>.</a:t>
+            </a:r>
+            <a:endParaRPr lang="en-US" sz="1600" dirty="0"/>
           </a:p>
         </p:txBody>
       </p:sp>
     </p:spTree>
     <p:extLst>
       <p:ext uri="{BB962C8B-B14F-4D97-AF65-F5344CB8AC3E}">
-        <p14:creationId xmlns:p14="http://schemas.microsoft.com/office/powerpoint/2010/main" val="4098926527"/>
+        <p14:creationId xmlns:p14="http://schemas.microsoft.com/office/powerpoint/2010/main" val="48843119"/>
       </p:ext>
     </p:extLst>
   </p:cSld>
@@ -5511,107 +6508,351 @@
       </p:grpSpPr>
       <p:sp>
         <p:nvSpPr>
-          <p:cNvPr id="2" name="Заголовок 1">
-            <a:extLst>
-              <a:ext uri="{FF2B5EF4-FFF2-40B4-BE49-F238E27FC236}">
-                <a16:creationId xmlns="" xmlns:a16="http://schemas.microsoft.com/office/drawing/2014/main" id="{F5437F0A-FD52-494B-9787-D33921FF945A}"/>
-              </a:ext>
-            </a:extLst>
-          </p:cNvPr>
-          <p:cNvSpPr>
-            <a:spLocks noGrp="1"/>
-          </p:cNvSpPr>
-          <p:nvPr>
-            <p:ph type="title"/>
-          </p:nvPr>
+          <p:cNvPr id="2" name="Прямоугольник 1"/>
+          <p:cNvSpPr/>
+          <p:nvPr/>
         </p:nvSpPr>
         <p:spPr>
           <a:xfrm>
-            <a:off x="839788" y="457200"/>
-            <a:ext cx="4448649" cy="1600200"/>
+            <a:off x="319177" y="293299"/>
+            <a:ext cx="11395495" cy="1200329"/>
           </a:xfrm>
+          <a:prstGeom prst="rect">
+            <a:avLst/>
+          </a:prstGeom>
         </p:spPr>
         <p:txBody>
-          <a:bodyPr>
-            <a:noAutofit/>
+          <a:bodyPr wrap="square">
+            <a:spAutoFit/>
           </a:bodyPr>
           <a:lstStyle/>
           <a:p>
             <a:r>
-              <a:rPr lang="ru-RU" dirty="0"/>
-              <a:t>Как можно использовать </a:t>
-            </a:r>
-            <a:r>
-              <a:rPr lang="en-US" dirty="0"/>
-              <a:t>Git </a:t>
-            </a:r>
-            <a:r>
-              <a:rPr lang="ru-RU" dirty="0"/>
-              <a:t>в повседневной и бытовой деятельности?</a:t>
-            </a:r>
-          </a:p>
-        </p:txBody>
-      </p:sp>
-      <p:sp>
-        <p:nvSpPr>
-          <p:cNvPr id="3" name="Объект 2">
-            <a:extLst>
-              <a:ext uri="{FF2B5EF4-FFF2-40B4-BE49-F238E27FC236}">
-                <a16:creationId xmlns="" xmlns:a16="http://schemas.microsoft.com/office/drawing/2014/main" id="{E368B81C-9C8A-4733-96DF-8D4BEC7EB87C}"/>
-              </a:ext>
-            </a:extLst>
-          </p:cNvPr>
-          <p:cNvSpPr>
-            <a:spLocks noGrp="1"/>
-          </p:cNvSpPr>
-          <p:nvPr>
-            <p:ph idx="1"/>
-          </p:nvPr>
-        </p:nvSpPr>
-        <p:spPr/>
-        <p:txBody>
-          <a:bodyPr/>
-          <a:lstStyle/>
-          <a:p>
-            <a:endParaRPr lang="ru-RU" dirty="0"/>
-          </a:p>
-        </p:txBody>
-      </p:sp>
-      <p:sp>
-        <p:nvSpPr>
-          <p:cNvPr id="4" name="Текст 3">
-            <a:extLst>
-              <a:ext uri="{FF2B5EF4-FFF2-40B4-BE49-F238E27FC236}">
-                <a16:creationId xmlns="" xmlns:a16="http://schemas.microsoft.com/office/drawing/2014/main" id="{D33BF655-0120-41B3-A26A-D05B33923351}"/>
-              </a:ext>
-            </a:extLst>
-          </p:cNvPr>
-          <p:cNvSpPr>
-            <a:spLocks noGrp="1"/>
-          </p:cNvSpPr>
-          <p:nvPr>
-            <p:ph type="body" sz="half" idx="2"/>
-          </p:nvPr>
-        </p:nvSpPr>
-        <p:spPr/>
-        <p:txBody>
-          <a:bodyPr/>
-          <a:lstStyle/>
-          <a:p>
-            <a:endParaRPr lang="ru-RU" dirty="0"/>
+              <a:rPr lang="ru-RU" sz="2400" dirty="0"/>
+              <a:t>Также </a:t>
+            </a:r>
+            <a:r>
+              <a:rPr lang="ru-RU" sz="2400" dirty="0" err="1"/>
+              <a:t>Git</a:t>
+            </a:r>
+            <a:r>
+              <a:rPr lang="ru-RU" sz="2400" dirty="0"/>
+              <a:t> позволяет вести параллельную разработку, когда несколько разработчиков одновременно вносят изменения в одну работу, но при этом не мешают друг другу и спокойно дополняют продукт, не вызывая сбоев и конфликтов в рабочем процессе.</a:t>
+            </a:r>
+            <a:endParaRPr lang="ru-RU" sz="2400" dirty="0"/>
+          </a:p>
+        </p:txBody>
+      </p:sp>
+      <p:pic>
+        <p:nvPicPr>
+          <p:cNvPr id="4098" name="Picture 2" descr="C:\Users\pukazov_yag\Downloads\118.png"/>
+          <p:cNvPicPr>
+            <a:picLocks noChangeAspect="1" noChangeArrowheads="1"/>
+          </p:cNvPicPr>
+          <p:nvPr/>
+        </p:nvPicPr>
+        <p:blipFill>
+          <a:blip r:embed="rId2">
+            <a:extLst>
+              <a:ext uri="{28A0092B-C50C-407E-A947-70E740481C1C}">
+                <a14:useLocalDpi xmlns:a14="http://schemas.microsoft.com/office/drawing/2010/main" val="0"/>
+              </a:ext>
+            </a:extLst>
+          </a:blip>
+          <a:srcRect/>
+          <a:stretch>
+            <a:fillRect/>
+          </a:stretch>
+        </p:blipFill>
+        <p:spPr bwMode="auto">
+          <a:xfrm>
+            <a:off x="6320915" y="2759716"/>
+            <a:ext cx="5281613" cy="1539875"/>
+          </a:xfrm>
+          <a:prstGeom prst="rect">
+            <a:avLst/>
+          </a:prstGeom>
+          <a:noFill/>
+          <a:extLst>
+            <a:ext uri="{909E8E84-426E-40DD-AFC4-6F175D3DCCD1}">
+              <a14:hiddenFill xmlns:a14="http://schemas.microsoft.com/office/drawing/2010/main">
+                <a:solidFill>
+                  <a:srgbClr val="FFFFFF"/>
+                </a:solidFill>
+              </a14:hiddenFill>
+            </a:ext>
+          </a:extLst>
+        </p:spPr>
+      </p:pic>
+      <p:sp>
+        <p:nvSpPr>
+          <p:cNvPr id="12" name="TextBox 11"/>
+          <p:cNvSpPr txBox="1"/>
+          <p:nvPr/>
+        </p:nvSpPr>
+        <p:spPr>
+          <a:xfrm>
+            <a:off x="1968373" y="5249361"/>
+            <a:ext cx="2919774" cy="307777"/>
+          </a:xfrm>
+          <a:prstGeom prst="rect">
+            <a:avLst/>
+          </a:prstGeom>
+          <a:noFill/>
+        </p:spPr>
+        <p:txBody>
+          <a:bodyPr wrap="none" rtlCol="0">
+            <a:spAutoFit/>
+          </a:bodyPr>
+          <a:lstStyle/>
+          <a:p>
+            <a:r>
+              <a:rPr lang="ru-RU" sz="1400" b="1" dirty="0" err="1">
+                <a:solidFill>
+                  <a:srgbClr val="00B050"/>
+                </a:solidFill>
+              </a:rPr>
+              <a:t>Версионирование</a:t>
+            </a:r>
+            <a:r>
+              <a:rPr lang="ru-RU" sz="1400" b="1" dirty="0">
+                <a:solidFill>
+                  <a:srgbClr val="00B050"/>
+                </a:solidFill>
+              </a:rPr>
+              <a:t> </a:t>
+            </a:r>
+            <a:r>
+              <a:rPr lang="ru-RU" sz="1400" b="1" dirty="0" smtClean="0">
+                <a:solidFill>
+                  <a:srgbClr val="00B050"/>
+                </a:solidFill>
+              </a:rPr>
+              <a:t>ТРУ </a:t>
+            </a:r>
+            <a:r>
+              <a:rPr lang="ru-RU" sz="1400" b="1" dirty="0" err="1" smtClean="0">
+                <a:solidFill>
+                  <a:srgbClr val="00B050"/>
+                </a:solidFill>
+              </a:rPr>
+              <a:t>инжинигера</a:t>
+            </a:r>
+            <a:endParaRPr lang="ru-RU" sz="1400" b="1" dirty="0">
+              <a:solidFill>
+                <a:srgbClr val="00B050"/>
+              </a:solidFill>
+            </a:endParaRPr>
+          </a:p>
+        </p:txBody>
+      </p:sp>
+      <p:pic>
+        <p:nvPicPr>
+          <p:cNvPr id="4099" name="Picture 3" descr="C:\Users\pukazov_yag\Pictures\Скриншоты\Screenshot_84.png"/>
+          <p:cNvPicPr>
+            <a:picLocks noChangeAspect="1" noChangeArrowheads="1"/>
+          </p:cNvPicPr>
+          <p:nvPr/>
+        </p:nvPicPr>
+        <p:blipFill>
+          <a:blip r:embed="rId3">
+            <a:extLst>
+              <a:ext uri="{28A0092B-C50C-407E-A947-70E740481C1C}">
+                <a14:useLocalDpi xmlns:a14="http://schemas.microsoft.com/office/drawing/2010/main" val="0"/>
+              </a:ext>
+            </a:extLst>
+          </a:blip>
+          <a:srcRect/>
+          <a:stretch>
+            <a:fillRect/>
+          </a:stretch>
+        </p:blipFill>
+        <p:spPr bwMode="auto">
+          <a:xfrm>
+            <a:off x="474197" y="1831702"/>
+            <a:ext cx="5712110" cy="3395905"/>
+          </a:xfrm>
+          <a:prstGeom prst="rect">
+            <a:avLst/>
+          </a:prstGeom>
+          <a:noFill/>
+          <a:extLst>
+            <a:ext uri="{909E8E84-426E-40DD-AFC4-6F175D3DCCD1}">
+              <a14:hiddenFill xmlns:a14="http://schemas.microsoft.com/office/drawing/2010/main">
+                <a:solidFill>
+                  <a:srgbClr val="FFFFFF"/>
+                </a:solidFill>
+              </a14:hiddenFill>
+            </a:ext>
+          </a:extLst>
+        </p:spPr>
+      </p:pic>
+      <p:sp>
+        <p:nvSpPr>
+          <p:cNvPr id="13" name="TextBox 12"/>
+          <p:cNvSpPr txBox="1"/>
+          <p:nvPr/>
+        </p:nvSpPr>
+        <p:spPr>
+          <a:xfrm>
+            <a:off x="7687686" y="5249360"/>
+            <a:ext cx="2601290" cy="307777"/>
+          </a:xfrm>
+          <a:prstGeom prst="rect">
+            <a:avLst/>
+          </a:prstGeom>
+          <a:noFill/>
+        </p:spPr>
+        <p:txBody>
+          <a:bodyPr wrap="none" rtlCol="0">
+            <a:spAutoFit/>
+          </a:bodyPr>
+          <a:lstStyle/>
+          <a:p>
+            <a:r>
+              <a:rPr lang="ru-RU" sz="1400" b="1" dirty="0" err="1">
+                <a:solidFill>
+                  <a:srgbClr val="FF0000"/>
+                </a:solidFill>
+              </a:rPr>
+              <a:t>Версионирование</a:t>
+            </a:r>
+            <a:r>
+              <a:rPr lang="ru-RU" sz="1400" b="1" dirty="0">
+                <a:solidFill>
+                  <a:srgbClr val="FF0000"/>
+                </a:solidFill>
+              </a:rPr>
+              <a:t> </a:t>
+            </a:r>
+            <a:r>
+              <a:rPr lang="ru-RU" sz="1400" b="1" dirty="0" smtClean="0">
+                <a:solidFill>
+                  <a:srgbClr val="FF0000"/>
+                </a:solidFill>
+              </a:rPr>
+              <a:t>курильщика</a:t>
+            </a:r>
+            <a:endParaRPr lang="ru-RU" sz="1400" b="1" dirty="0">
+              <a:solidFill>
+                <a:srgbClr val="FF0000"/>
+              </a:solidFill>
+            </a:endParaRPr>
+          </a:p>
+        </p:txBody>
+      </p:sp>
+      <p:sp>
+        <p:nvSpPr>
+          <p:cNvPr id="6" name="Улыбающееся лицо 5"/>
+          <p:cNvSpPr/>
+          <p:nvPr/>
+        </p:nvSpPr>
+        <p:spPr>
+          <a:xfrm>
+            <a:off x="1716656" y="5281615"/>
+            <a:ext cx="251717" cy="243265"/>
+          </a:xfrm>
+          <a:prstGeom prst="smileyFace">
+            <a:avLst/>
+          </a:prstGeom>
+          <a:solidFill>
+            <a:srgbClr val="92D050"/>
+          </a:solidFill>
+          <a:ln>
+            <a:solidFill>
+              <a:schemeClr val="accent1"/>
+            </a:solidFill>
+          </a:ln>
+        </p:spPr>
+        <p:style>
+          <a:lnRef idx="2">
+            <a:schemeClr val="accent6">
+              <a:shade val="50000"/>
+            </a:schemeClr>
+          </a:lnRef>
+          <a:fillRef idx="1">
+            <a:schemeClr val="accent6"/>
+          </a:fillRef>
+          <a:effectRef idx="0">
+            <a:schemeClr val="accent6"/>
+          </a:effectRef>
+          <a:fontRef idx="minor">
+            <a:schemeClr val="lt1"/>
+          </a:fontRef>
+        </p:style>
+        <p:txBody>
+          <a:bodyPr rtlCol="0" anchor="ctr"/>
+          <a:lstStyle/>
+          <a:p>
+            <a:pPr algn="ctr"/>
+            <a:endParaRPr lang="ru-RU"/>
+          </a:p>
+        </p:txBody>
+      </p:sp>
+      <p:sp>
+        <p:nvSpPr>
+          <p:cNvPr id="7" name="Знак запрета 6"/>
+          <p:cNvSpPr/>
+          <p:nvPr/>
+        </p:nvSpPr>
+        <p:spPr>
+          <a:xfrm>
+            <a:off x="7392839" y="5281615"/>
+            <a:ext cx="294848" cy="243265"/>
+          </a:xfrm>
+          <a:prstGeom prst="noSmoking">
+            <a:avLst/>
+          </a:prstGeom>
+          <a:solidFill>
+            <a:srgbClr val="FF0000"/>
+          </a:solidFill>
+        </p:spPr>
+        <p:style>
+          <a:lnRef idx="2">
+            <a:schemeClr val="accent1">
+              <a:shade val="50000"/>
+            </a:schemeClr>
+          </a:lnRef>
+          <a:fillRef idx="1">
+            <a:schemeClr val="accent1"/>
+          </a:fillRef>
+          <a:effectRef idx="0">
+            <a:schemeClr val="accent1"/>
+          </a:effectRef>
+          <a:fontRef idx="minor">
+            <a:schemeClr val="lt1"/>
+          </a:fontRef>
+        </p:style>
+        <p:txBody>
+          <a:bodyPr rtlCol="0" anchor="ctr"/>
+          <a:lstStyle/>
+          <a:p>
+            <a:pPr algn="ctr"/>
+            <a:endParaRPr lang="ru-RU">
+              <a:solidFill>
+                <a:schemeClr val="tx1"/>
+              </a:solidFill>
+            </a:endParaRPr>
           </a:p>
         </p:txBody>
       </p:sp>
     </p:spTree>
     <p:extLst>
       <p:ext uri="{BB962C8B-B14F-4D97-AF65-F5344CB8AC3E}">
-        <p14:creationId xmlns:p14="http://schemas.microsoft.com/office/powerpoint/2010/main" val="892428978"/>
+        <p14:creationId xmlns:p14="http://schemas.microsoft.com/office/powerpoint/2010/main" val="3576378043"/>
       </p:ext>
     </p:extLst>
   </p:cSld>
   <p:clrMapOvr>
     <a:masterClrMapping/>
   </p:clrMapOvr>
+  <p:timing>
+    <p:tnLst>
+      <p:par>
+        <p:cTn id="1" dur="indefinite" restart="never" nodeType="tmRoot"/>
+      </p:par>
+    </p:tnLst>
+  </p:timing>
 </p:sld>
 </file>
 
@@ -5651,6 +6892,126 @@
         <p:spPr>
           <a:xfrm>
             <a:off x="839788" y="457200"/>
+            <a:ext cx="4448649" cy="621102"/>
+          </a:xfrm>
+        </p:spPr>
+        <p:txBody>
+          <a:bodyPr>
+            <a:noAutofit/>
+          </a:bodyPr>
+          <a:lstStyle/>
+          <a:p>
+            <a:r>
+              <a:rPr lang="ru-RU" dirty="0" smtClean="0"/>
+              <a:t>Начало работы в </a:t>
+            </a:r>
+            <a:r>
+              <a:rPr lang="en-US" dirty="0" err="1" smtClean="0"/>
+              <a:t>Git</a:t>
+            </a:r>
+            <a:endParaRPr lang="ru-RU" dirty="0"/>
+          </a:p>
+        </p:txBody>
+      </p:sp>
+      <p:sp>
+        <p:nvSpPr>
+          <p:cNvPr id="3" name="Объект 2">
+            <a:extLst>
+              <a:ext uri="{FF2B5EF4-FFF2-40B4-BE49-F238E27FC236}">
+                <a16:creationId xmlns="" xmlns:a16="http://schemas.microsoft.com/office/drawing/2014/main" id="{E368B81C-9C8A-4733-96DF-8D4BEC7EB87C}"/>
+              </a:ext>
+            </a:extLst>
+          </p:cNvPr>
+          <p:cNvSpPr>
+            <a:spLocks noGrp="1"/>
+          </p:cNvSpPr>
+          <p:nvPr>
+            <p:ph idx="1"/>
+          </p:nvPr>
+        </p:nvSpPr>
+        <p:spPr/>
+        <p:txBody>
+          <a:bodyPr/>
+          <a:lstStyle/>
+          <a:p>
+            <a:endParaRPr lang="ru-RU" dirty="0"/>
+          </a:p>
+        </p:txBody>
+      </p:sp>
+      <p:sp>
+        <p:nvSpPr>
+          <p:cNvPr id="4" name="Текст 3">
+            <a:extLst>
+              <a:ext uri="{FF2B5EF4-FFF2-40B4-BE49-F238E27FC236}">
+                <a16:creationId xmlns="" xmlns:a16="http://schemas.microsoft.com/office/drawing/2014/main" id="{D33BF655-0120-41B3-A26A-D05B33923351}"/>
+              </a:ext>
+            </a:extLst>
+          </p:cNvPr>
+          <p:cNvSpPr>
+            <a:spLocks noGrp="1"/>
+          </p:cNvSpPr>
+          <p:nvPr>
+            <p:ph type="body" sz="half" idx="2"/>
+          </p:nvPr>
+        </p:nvSpPr>
+        <p:spPr/>
+        <p:txBody>
+          <a:bodyPr/>
+          <a:lstStyle/>
+          <a:p>
+            <a:endParaRPr lang="ru-RU" dirty="0"/>
+          </a:p>
+        </p:txBody>
+      </p:sp>
+    </p:spTree>
+    <p:extLst>
+      <p:ext uri="{BB962C8B-B14F-4D97-AF65-F5344CB8AC3E}">
+        <p14:creationId xmlns:p14="http://schemas.microsoft.com/office/powerpoint/2010/main" val="892428978"/>
+      </p:ext>
+    </p:extLst>
+  </p:cSld>
+  <p:clrMapOvr>
+    <a:masterClrMapping/>
+  </p:clrMapOvr>
+</p:sld>
+</file>
+
+<file path=ppt/slides/slide8.xml><?xml version="1.0" encoding="utf-8"?>
+<p:sld xmlns:a="http://schemas.openxmlformats.org/drawingml/2006/main" xmlns:r="http://schemas.openxmlformats.org/officeDocument/2006/relationships" xmlns:p="http://schemas.openxmlformats.org/presentationml/2006/main">
+  <p:cSld>
+    <p:spTree>
+      <p:nvGrpSpPr>
+        <p:cNvPr id="1" name=""/>
+        <p:cNvGrpSpPr/>
+        <p:nvPr/>
+      </p:nvGrpSpPr>
+      <p:grpSpPr>
+        <a:xfrm>
+          <a:off x="0" y="0"/>
+          <a:ext cx="0" cy="0"/>
+          <a:chOff x="0" y="0"/>
+          <a:chExt cx="0" cy="0"/>
+        </a:xfrm>
+      </p:grpSpPr>
+      <p:sp>
+        <p:nvSpPr>
+          <p:cNvPr id="2" name="Заголовок 1">
+            <a:extLst>
+              <a:ext uri="{FF2B5EF4-FFF2-40B4-BE49-F238E27FC236}">
+                <a16:creationId xmlns="" xmlns:a16="http://schemas.microsoft.com/office/drawing/2014/main" id="{F5437F0A-FD52-494B-9787-D33921FF945A}"/>
+              </a:ext>
+            </a:extLst>
+          </p:cNvPr>
+          <p:cNvSpPr>
+            <a:spLocks noGrp="1"/>
+          </p:cNvSpPr>
+          <p:nvPr>
+            <p:ph type="title"/>
+          </p:nvPr>
+        </p:nvSpPr>
+        <p:spPr>
+          <a:xfrm>
+            <a:off x="839788" y="457200"/>
             <a:ext cx="4090431" cy="1600200"/>
           </a:xfrm>
         </p:spPr>
@@ -5738,7 +7099,7 @@
 </p:sld>
 </file>
 
-<file path=ppt/slides/slide8.xml><?xml version="1.0" encoding="utf-8"?>
+<file path=ppt/slides/slide9.xml><?xml version="1.0" encoding="utf-8"?>
 <p:sld xmlns:a="http://schemas.openxmlformats.org/drawingml/2006/main" xmlns:r="http://schemas.openxmlformats.org/officeDocument/2006/relationships" xmlns:p="http://schemas.openxmlformats.org/presentationml/2006/main">
   <p:cSld>
     <p:spTree>

--- a/Презентация Microsoft PowerPoint.pptx
+++ b/Презентация Microsoft PowerPoint.pptx
@@ -5,7 +5,7 @@
     <p:sldMasterId id="2147483648" r:id="rId1"/>
   </p:sldMasterIdLst>
   <p:notesMasterIdLst>
-    <p:notesMasterId r:id="rId11"/>
+    <p:notesMasterId r:id="rId12"/>
   </p:notesMasterIdLst>
   <p:sldIdLst>
     <p:sldId id="256" r:id="rId2"/>
@@ -14,9 +14,10 @@
     <p:sldId id="266" r:id="rId5"/>
     <p:sldId id="267" r:id="rId6"/>
     <p:sldId id="268" r:id="rId7"/>
-    <p:sldId id="260" r:id="rId8"/>
-    <p:sldId id="261" r:id="rId9"/>
-    <p:sldId id="262" r:id="rId10"/>
+    <p:sldId id="269" r:id="rId8"/>
+    <p:sldId id="260" r:id="rId9"/>
+    <p:sldId id="261" r:id="rId10"/>
+    <p:sldId id="262" r:id="rId11"/>
   </p:sldIdLst>
   <p:sldSz cx="12192000" cy="6858000"/>
   <p:notesSz cx="6858000" cy="9144000"/>
@@ -117,7 +118,7 @@
   </p:defaultTextStyle>
   <p:extLst>
     <p:ext uri="{EFAFB233-063F-42B5-8137-9DF3F51BA10A}">
-      <p15:sldGuideLst xmlns="" xmlns:p15="http://schemas.microsoft.com/office/powerpoint/2012/main"/>
+      <p15:sldGuideLst xmlns:p15="http://schemas.microsoft.com/office/powerpoint/2012/main" xmlns=""/>
     </p:ext>
   </p:extLst>
 </p:presentation>
@@ -604,7 +605,7 @@
           <p:cNvPr id="2" name="Заголовок 1">
             <a:extLst>
               <a:ext uri="{FF2B5EF4-FFF2-40B4-BE49-F238E27FC236}">
-                <a16:creationId xmlns="" xmlns:a16="http://schemas.microsoft.com/office/drawing/2014/main" id="{283FD91C-B533-488C-95D9-EDA1B233A7F0}"/>
+                <a16:creationId xmlns:a16="http://schemas.microsoft.com/office/drawing/2014/main" xmlns="" id="{283FD91C-B533-488C-95D9-EDA1B233A7F0}"/>
               </a:ext>
             </a:extLst>
           </p:cNvPr>
@@ -641,7 +642,7 @@
           <p:cNvPr id="3" name="Подзаголовок 2">
             <a:extLst>
               <a:ext uri="{FF2B5EF4-FFF2-40B4-BE49-F238E27FC236}">
-                <a16:creationId xmlns="" xmlns:a16="http://schemas.microsoft.com/office/drawing/2014/main" id="{B925300A-509F-439A-A059-6650C5852C0C}"/>
+                <a16:creationId xmlns:a16="http://schemas.microsoft.com/office/drawing/2014/main" xmlns="" id="{B925300A-509F-439A-A059-6650C5852C0C}"/>
               </a:ext>
             </a:extLst>
           </p:cNvPr>
@@ -711,7 +712,7 @@
           <p:cNvPr id="4" name="Дата 3">
             <a:extLst>
               <a:ext uri="{FF2B5EF4-FFF2-40B4-BE49-F238E27FC236}">
-                <a16:creationId xmlns="" xmlns:a16="http://schemas.microsoft.com/office/drawing/2014/main" id="{F95D3E71-DAED-4B56-BA6B-B8BCCB69B007}"/>
+                <a16:creationId xmlns:a16="http://schemas.microsoft.com/office/drawing/2014/main" xmlns="" id="{F95D3E71-DAED-4B56-BA6B-B8BCCB69B007}"/>
               </a:ext>
             </a:extLst>
           </p:cNvPr>
@@ -740,7 +741,7 @@
           <p:cNvPr id="5" name="Нижний колонтитул 4">
             <a:extLst>
               <a:ext uri="{FF2B5EF4-FFF2-40B4-BE49-F238E27FC236}">
-                <a16:creationId xmlns="" xmlns:a16="http://schemas.microsoft.com/office/drawing/2014/main" id="{8B943E9A-0314-4DA1-B491-3A59252A14DC}"/>
+                <a16:creationId xmlns:a16="http://schemas.microsoft.com/office/drawing/2014/main" xmlns="" id="{8B943E9A-0314-4DA1-B491-3A59252A14DC}"/>
               </a:ext>
             </a:extLst>
           </p:cNvPr>
@@ -765,7 +766,7 @@
           <p:cNvPr id="6" name="Номер слайда 5">
             <a:extLst>
               <a:ext uri="{FF2B5EF4-FFF2-40B4-BE49-F238E27FC236}">
-                <a16:creationId xmlns="" xmlns:a16="http://schemas.microsoft.com/office/drawing/2014/main" id="{506ABC50-D6C3-4BF9-B44C-2913A7AB0C64}"/>
+                <a16:creationId xmlns:a16="http://schemas.microsoft.com/office/drawing/2014/main" xmlns="" id="{506ABC50-D6C3-4BF9-B44C-2913A7AB0C64}"/>
               </a:ext>
             </a:extLst>
           </p:cNvPr>
@@ -824,7 +825,7 @@
           <p:cNvPr id="2" name="Заголовок 1">
             <a:extLst>
               <a:ext uri="{FF2B5EF4-FFF2-40B4-BE49-F238E27FC236}">
-                <a16:creationId xmlns="" xmlns:a16="http://schemas.microsoft.com/office/drawing/2014/main" id="{47A06A23-10B1-413B-8F2D-95439A808658}"/>
+                <a16:creationId xmlns:a16="http://schemas.microsoft.com/office/drawing/2014/main" xmlns="" id="{47A06A23-10B1-413B-8F2D-95439A808658}"/>
               </a:ext>
             </a:extLst>
           </p:cNvPr>
@@ -852,7 +853,7 @@
           <p:cNvPr id="3" name="Вертикальный текст 2">
             <a:extLst>
               <a:ext uri="{FF2B5EF4-FFF2-40B4-BE49-F238E27FC236}">
-                <a16:creationId xmlns="" xmlns:a16="http://schemas.microsoft.com/office/drawing/2014/main" id="{6354E4F1-9732-4CB9-BC7E-0AA965A45A46}"/>
+                <a16:creationId xmlns:a16="http://schemas.microsoft.com/office/drawing/2014/main" xmlns="" id="{6354E4F1-9732-4CB9-BC7E-0AA965A45A46}"/>
               </a:ext>
             </a:extLst>
           </p:cNvPr>
@@ -909,7 +910,7 @@
           <p:cNvPr id="4" name="Дата 3">
             <a:extLst>
               <a:ext uri="{FF2B5EF4-FFF2-40B4-BE49-F238E27FC236}">
-                <a16:creationId xmlns="" xmlns:a16="http://schemas.microsoft.com/office/drawing/2014/main" id="{9EED374D-3053-4BEE-AEC2-F740B5DC57BE}"/>
+                <a16:creationId xmlns:a16="http://schemas.microsoft.com/office/drawing/2014/main" xmlns="" id="{9EED374D-3053-4BEE-AEC2-F740B5DC57BE}"/>
               </a:ext>
             </a:extLst>
           </p:cNvPr>
@@ -938,7 +939,7 @@
           <p:cNvPr id="5" name="Нижний колонтитул 4">
             <a:extLst>
               <a:ext uri="{FF2B5EF4-FFF2-40B4-BE49-F238E27FC236}">
-                <a16:creationId xmlns="" xmlns:a16="http://schemas.microsoft.com/office/drawing/2014/main" id="{996E03C1-E5F5-4227-B943-248731FE689A}"/>
+                <a16:creationId xmlns:a16="http://schemas.microsoft.com/office/drawing/2014/main" xmlns="" id="{996E03C1-E5F5-4227-B943-248731FE689A}"/>
               </a:ext>
             </a:extLst>
           </p:cNvPr>
@@ -963,7 +964,7 @@
           <p:cNvPr id="6" name="Номер слайда 5">
             <a:extLst>
               <a:ext uri="{FF2B5EF4-FFF2-40B4-BE49-F238E27FC236}">
-                <a16:creationId xmlns="" xmlns:a16="http://schemas.microsoft.com/office/drawing/2014/main" id="{205107A9-416C-417A-B829-8FE18C1721D4}"/>
+                <a16:creationId xmlns:a16="http://schemas.microsoft.com/office/drawing/2014/main" xmlns="" id="{205107A9-416C-417A-B829-8FE18C1721D4}"/>
               </a:ext>
             </a:extLst>
           </p:cNvPr>
@@ -1022,7 +1023,7 @@
           <p:cNvPr id="2" name="Вертикальный заголовок 1">
             <a:extLst>
               <a:ext uri="{FF2B5EF4-FFF2-40B4-BE49-F238E27FC236}">
-                <a16:creationId xmlns="" xmlns:a16="http://schemas.microsoft.com/office/drawing/2014/main" id="{FDE715DB-BEB4-4F3E-9CC8-4EA7045D1DF7}"/>
+                <a16:creationId xmlns:a16="http://schemas.microsoft.com/office/drawing/2014/main" xmlns="" id="{FDE715DB-BEB4-4F3E-9CC8-4EA7045D1DF7}"/>
               </a:ext>
             </a:extLst>
           </p:cNvPr>
@@ -1055,7 +1056,7 @@
           <p:cNvPr id="3" name="Вертикальный текст 2">
             <a:extLst>
               <a:ext uri="{FF2B5EF4-FFF2-40B4-BE49-F238E27FC236}">
-                <a16:creationId xmlns="" xmlns:a16="http://schemas.microsoft.com/office/drawing/2014/main" id="{E7D0765E-FE08-4C22-B2B0-628F79501F12}"/>
+                <a16:creationId xmlns:a16="http://schemas.microsoft.com/office/drawing/2014/main" xmlns="" id="{E7D0765E-FE08-4C22-B2B0-628F79501F12}"/>
               </a:ext>
             </a:extLst>
           </p:cNvPr>
@@ -1117,7 +1118,7 @@
           <p:cNvPr id="4" name="Дата 3">
             <a:extLst>
               <a:ext uri="{FF2B5EF4-FFF2-40B4-BE49-F238E27FC236}">
-                <a16:creationId xmlns="" xmlns:a16="http://schemas.microsoft.com/office/drawing/2014/main" id="{9B4909BA-1324-4FAA-BE8E-A786553D6686}"/>
+                <a16:creationId xmlns:a16="http://schemas.microsoft.com/office/drawing/2014/main" xmlns="" id="{9B4909BA-1324-4FAA-BE8E-A786553D6686}"/>
               </a:ext>
             </a:extLst>
           </p:cNvPr>
@@ -1146,7 +1147,7 @@
           <p:cNvPr id="5" name="Нижний колонтитул 4">
             <a:extLst>
               <a:ext uri="{FF2B5EF4-FFF2-40B4-BE49-F238E27FC236}">
-                <a16:creationId xmlns="" xmlns:a16="http://schemas.microsoft.com/office/drawing/2014/main" id="{F2EAC16C-CD27-46AE-9F17-916613F6B996}"/>
+                <a16:creationId xmlns:a16="http://schemas.microsoft.com/office/drawing/2014/main" xmlns="" id="{F2EAC16C-CD27-46AE-9F17-916613F6B996}"/>
               </a:ext>
             </a:extLst>
           </p:cNvPr>
@@ -1171,7 +1172,7 @@
           <p:cNvPr id="6" name="Номер слайда 5">
             <a:extLst>
               <a:ext uri="{FF2B5EF4-FFF2-40B4-BE49-F238E27FC236}">
-                <a16:creationId xmlns="" xmlns:a16="http://schemas.microsoft.com/office/drawing/2014/main" id="{8F5FA05F-32CB-4F29-8D2F-1D315E9D53B4}"/>
+                <a16:creationId xmlns:a16="http://schemas.microsoft.com/office/drawing/2014/main" xmlns="" id="{8F5FA05F-32CB-4F29-8D2F-1D315E9D53B4}"/>
               </a:ext>
             </a:extLst>
           </p:cNvPr>
@@ -1230,7 +1231,7 @@
           <p:cNvPr id="2" name="Заголовок 1">
             <a:extLst>
               <a:ext uri="{FF2B5EF4-FFF2-40B4-BE49-F238E27FC236}">
-                <a16:creationId xmlns="" xmlns:a16="http://schemas.microsoft.com/office/drawing/2014/main" id="{9DC23E3D-DE8A-45BB-9737-B1DD5600438A}"/>
+                <a16:creationId xmlns:a16="http://schemas.microsoft.com/office/drawing/2014/main" xmlns="" id="{9DC23E3D-DE8A-45BB-9737-B1DD5600438A}"/>
               </a:ext>
             </a:extLst>
           </p:cNvPr>
@@ -1258,7 +1259,7 @@
           <p:cNvPr id="3" name="Объект 2">
             <a:extLst>
               <a:ext uri="{FF2B5EF4-FFF2-40B4-BE49-F238E27FC236}">
-                <a16:creationId xmlns="" xmlns:a16="http://schemas.microsoft.com/office/drawing/2014/main" id="{4E5818E6-402A-47F0-BFC5-C08AF567E239}"/>
+                <a16:creationId xmlns:a16="http://schemas.microsoft.com/office/drawing/2014/main" xmlns="" id="{4E5818E6-402A-47F0-BFC5-C08AF567E239}"/>
               </a:ext>
             </a:extLst>
           </p:cNvPr>
@@ -1315,7 +1316,7 @@
           <p:cNvPr id="4" name="Дата 3">
             <a:extLst>
               <a:ext uri="{FF2B5EF4-FFF2-40B4-BE49-F238E27FC236}">
-                <a16:creationId xmlns="" xmlns:a16="http://schemas.microsoft.com/office/drawing/2014/main" id="{3F661468-92AE-4AAC-940B-D702C5E9FDB6}"/>
+                <a16:creationId xmlns:a16="http://schemas.microsoft.com/office/drawing/2014/main" xmlns="" id="{3F661468-92AE-4AAC-940B-D702C5E9FDB6}"/>
               </a:ext>
             </a:extLst>
           </p:cNvPr>
@@ -1344,7 +1345,7 @@
           <p:cNvPr id="5" name="Нижний колонтитул 4">
             <a:extLst>
               <a:ext uri="{FF2B5EF4-FFF2-40B4-BE49-F238E27FC236}">
-                <a16:creationId xmlns="" xmlns:a16="http://schemas.microsoft.com/office/drawing/2014/main" id="{6A75746A-188D-4E20-9D16-B9FB1A9422CC}"/>
+                <a16:creationId xmlns:a16="http://schemas.microsoft.com/office/drawing/2014/main" xmlns="" id="{6A75746A-188D-4E20-9D16-B9FB1A9422CC}"/>
               </a:ext>
             </a:extLst>
           </p:cNvPr>
@@ -1369,7 +1370,7 @@
           <p:cNvPr id="6" name="Номер слайда 5">
             <a:extLst>
               <a:ext uri="{FF2B5EF4-FFF2-40B4-BE49-F238E27FC236}">
-                <a16:creationId xmlns="" xmlns:a16="http://schemas.microsoft.com/office/drawing/2014/main" id="{B01D9066-E808-43C5-B7FD-6738286DAA72}"/>
+                <a16:creationId xmlns:a16="http://schemas.microsoft.com/office/drawing/2014/main" xmlns="" id="{B01D9066-E808-43C5-B7FD-6738286DAA72}"/>
               </a:ext>
             </a:extLst>
           </p:cNvPr>
@@ -1428,7 +1429,7 @@
           <p:cNvPr id="2" name="Заголовок 1">
             <a:extLst>
               <a:ext uri="{FF2B5EF4-FFF2-40B4-BE49-F238E27FC236}">
-                <a16:creationId xmlns="" xmlns:a16="http://schemas.microsoft.com/office/drawing/2014/main" id="{B645BEC7-5451-4C6C-8AF9-701EDCBA71B4}"/>
+                <a16:creationId xmlns:a16="http://schemas.microsoft.com/office/drawing/2014/main" xmlns="" id="{B645BEC7-5451-4C6C-8AF9-701EDCBA71B4}"/>
               </a:ext>
             </a:extLst>
           </p:cNvPr>
@@ -1465,7 +1466,7 @@
           <p:cNvPr id="3" name="Текст 2">
             <a:extLst>
               <a:ext uri="{FF2B5EF4-FFF2-40B4-BE49-F238E27FC236}">
-                <a16:creationId xmlns="" xmlns:a16="http://schemas.microsoft.com/office/drawing/2014/main" id="{856F58DF-AE14-49E8-BE6E-08D676B30119}"/>
+                <a16:creationId xmlns:a16="http://schemas.microsoft.com/office/drawing/2014/main" xmlns="" id="{856F58DF-AE14-49E8-BE6E-08D676B30119}"/>
               </a:ext>
             </a:extLst>
           </p:cNvPr>
@@ -1590,7 +1591,7 @@
           <p:cNvPr id="4" name="Дата 3">
             <a:extLst>
               <a:ext uri="{FF2B5EF4-FFF2-40B4-BE49-F238E27FC236}">
-                <a16:creationId xmlns="" xmlns:a16="http://schemas.microsoft.com/office/drawing/2014/main" id="{D49A1771-B3BC-44A3-A71B-82BE8EFD4E6C}"/>
+                <a16:creationId xmlns:a16="http://schemas.microsoft.com/office/drawing/2014/main" xmlns="" id="{D49A1771-B3BC-44A3-A71B-82BE8EFD4E6C}"/>
               </a:ext>
             </a:extLst>
           </p:cNvPr>
@@ -1619,7 +1620,7 @@
           <p:cNvPr id="5" name="Нижний колонтитул 4">
             <a:extLst>
               <a:ext uri="{FF2B5EF4-FFF2-40B4-BE49-F238E27FC236}">
-                <a16:creationId xmlns="" xmlns:a16="http://schemas.microsoft.com/office/drawing/2014/main" id="{2EAF9CCA-875D-4564-BD9D-E9145CFF989B}"/>
+                <a16:creationId xmlns:a16="http://schemas.microsoft.com/office/drawing/2014/main" xmlns="" id="{2EAF9CCA-875D-4564-BD9D-E9145CFF989B}"/>
               </a:ext>
             </a:extLst>
           </p:cNvPr>
@@ -1644,7 +1645,7 @@
           <p:cNvPr id="6" name="Номер слайда 5">
             <a:extLst>
               <a:ext uri="{FF2B5EF4-FFF2-40B4-BE49-F238E27FC236}">
-                <a16:creationId xmlns="" xmlns:a16="http://schemas.microsoft.com/office/drawing/2014/main" id="{A4D30511-8E90-4D68-900C-5E003010145B}"/>
+                <a16:creationId xmlns:a16="http://schemas.microsoft.com/office/drawing/2014/main" xmlns="" id="{A4D30511-8E90-4D68-900C-5E003010145B}"/>
               </a:ext>
             </a:extLst>
           </p:cNvPr>
@@ -1703,7 +1704,7 @@
           <p:cNvPr id="2" name="Заголовок 1">
             <a:extLst>
               <a:ext uri="{FF2B5EF4-FFF2-40B4-BE49-F238E27FC236}">
-                <a16:creationId xmlns="" xmlns:a16="http://schemas.microsoft.com/office/drawing/2014/main" id="{21B7F65D-C4F7-4876-BB55-1E705064EE86}"/>
+                <a16:creationId xmlns:a16="http://schemas.microsoft.com/office/drawing/2014/main" xmlns="" id="{21B7F65D-C4F7-4876-BB55-1E705064EE86}"/>
               </a:ext>
             </a:extLst>
           </p:cNvPr>
@@ -1731,7 +1732,7 @@
           <p:cNvPr id="3" name="Объект 2">
             <a:extLst>
               <a:ext uri="{FF2B5EF4-FFF2-40B4-BE49-F238E27FC236}">
-                <a16:creationId xmlns="" xmlns:a16="http://schemas.microsoft.com/office/drawing/2014/main" id="{2715BF40-5C2F-4030-A183-59A2F0982D55}"/>
+                <a16:creationId xmlns:a16="http://schemas.microsoft.com/office/drawing/2014/main" xmlns="" id="{2715BF40-5C2F-4030-A183-59A2F0982D55}"/>
               </a:ext>
             </a:extLst>
           </p:cNvPr>
@@ -1793,7 +1794,7 @@
           <p:cNvPr id="4" name="Объект 3">
             <a:extLst>
               <a:ext uri="{FF2B5EF4-FFF2-40B4-BE49-F238E27FC236}">
-                <a16:creationId xmlns="" xmlns:a16="http://schemas.microsoft.com/office/drawing/2014/main" id="{A4AEC0FC-868E-4A41-B46A-74D66B9E5D78}"/>
+                <a16:creationId xmlns:a16="http://schemas.microsoft.com/office/drawing/2014/main" xmlns="" id="{A4AEC0FC-868E-4A41-B46A-74D66B9E5D78}"/>
               </a:ext>
             </a:extLst>
           </p:cNvPr>
@@ -1855,7 +1856,7 @@
           <p:cNvPr id="5" name="Дата 4">
             <a:extLst>
               <a:ext uri="{FF2B5EF4-FFF2-40B4-BE49-F238E27FC236}">
-                <a16:creationId xmlns="" xmlns:a16="http://schemas.microsoft.com/office/drawing/2014/main" id="{6ACB2E59-7A37-4887-BADE-9E27E2258FF6}"/>
+                <a16:creationId xmlns:a16="http://schemas.microsoft.com/office/drawing/2014/main" xmlns="" id="{6ACB2E59-7A37-4887-BADE-9E27E2258FF6}"/>
               </a:ext>
             </a:extLst>
           </p:cNvPr>
@@ -1884,7 +1885,7 @@
           <p:cNvPr id="6" name="Нижний колонтитул 5">
             <a:extLst>
               <a:ext uri="{FF2B5EF4-FFF2-40B4-BE49-F238E27FC236}">
-                <a16:creationId xmlns="" xmlns:a16="http://schemas.microsoft.com/office/drawing/2014/main" id="{29D056A3-BB38-4882-9A28-C519F9467399}"/>
+                <a16:creationId xmlns:a16="http://schemas.microsoft.com/office/drawing/2014/main" xmlns="" id="{29D056A3-BB38-4882-9A28-C519F9467399}"/>
               </a:ext>
             </a:extLst>
           </p:cNvPr>
@@ -1909,7 +1910,7 @@
           <p:cNvPr id="7" name="Номер слайда 6">
             <a:extLst>
               <a:ext uri="{FF2B5EF4-FFF2-40B4-BE49-F238E27FC236}">
-                <a16:creationId xmlns="" xmlns:a16="http://schemas.microsoft.com/office/drawing/2014/main" id="{8E424F73-AC04-4B06-8C5D-35B726503133}"/>
+                <a16:creationId xmlns:a16="http://schemas.microsoft.com/office/drawing/2014/main" xmlns="" id="{8E424F73-AC04-4B06-8C5D-35B726503133}"/>
               </a:ext>
             </a:extLst>
           </p:cNvPr>
@@ -1968,7 +1969,7 @@
           <p:cNvPr id="2" name="Заголовок 1">
             <a:extLst>
               <a:ext uri="{FF2B5EF4-FFF2-40B4-BE49-F238E27FC236}">
-                <a16:creationId xmlns="" xmlns:a16="http://schemas.microsoft.com/office/drawing/2014/main" id="{DC581487-4A25-4EF3-8D1E-545B49D6671E}"/>
+                <a16:creationId xmlns:a16="http://schemas.microsoft.com/office/drawing/2014/main" xmlns="" id="{DC581487-4A25-4EF3-8D1E-545B49D6671E}"/>
               </a:ext>
             </a:extLst>
           </p:cNvPr>
@@ -2001,7 +2002,7 @@
           <p:cNvPr id="3" name="Текст 2">
             <a:extLst>
               <a:ext uri="{FF2B5EF4-FFF2-40B4-BE49-F238E27FC236}">
-                <a16:creationId xmlns="" xmlns:a16="http://schemas.microsoft.com/office/drawing/2014/main" id="{91F955F8-F607-456D-B90F-D13C554204FB}"/>
+                <a16:creationId xmlns:a16="http://schemas.microsoft.com/office/drawing/2014/main" xmlns="" id="{91F955F8-F607-456D-B90F-D13C554204FB}"/>
               </a:ext>
             </a:extLst>
           </p:cNvPr>
@@ -2072,7 +2073,7 @@
           <p:cNvPr id="4" name="Объект 3">
             <a:extLst>
               <a:ext uri="{FF2B5EF4-FFF2-40B4-BE49-F238E27FC236}">
-                <a16:creationId xmlns="" xmlns:a16="http://schemas.microsoft.com/office/drawing/2014/main" id="{03FE0353-D278-4F66-BD6E-AD6E18DD6438}"/>
+                <a16:creationId xmlns:a16="http://schemas.microsoft.com/office/drawing/2014/main" xmlns="" id="{03FE0353-D278-4F66-BD6E-AD6E18DD6438}"/>
               </a:ext>
             </a:extLst>
           </p:cNvPr>
@@ -2134,7 +2135,7 @@
           <p:cNvPr id="5" name="Текст 4">
             <a:extLst>
               <a:ext uri="{FF2B5EF4-FFF2-40B4-BE49-F238E27FC236}">
-                <a16:creationId xmlns="" xmlns:a16="http://schemas.microsoft.com/office/drawing/2014/main" id="{4BF909DC-E217-47CE-B143-C70227F54E7F}"/>
+                <a16:creationId xmlns:a16="http://schemas.microsoft.com/office/drawing/2014/main" xmlns="" id="{4BF909DC-E217-47CE-B143-C70227F54E7F}"/>
               </a:ext>
             </a:extLst>
           </p:cNvPr>
@@ -2205,7 +2206,7 @@
           <p:cNvPr id="6" name="Объект 5">
             <a:extLst>
               <a:ext uri="{FF2B5EF4-FFF2-40B4-BE49-F238E27FC236}">
-                <a16:creationId xmlns="" xmlns:a16="http://schemas.microsoft.com/office/drawing/2014/main" id="{6A6B088C-340B-410F-97C5-20CD8D36B215}"/>
+                <a16:creationId xmlns:a16="http://schemas.microsoft.com/office/drawing/2014/main" xmlns="" id="{6A6B088C-340B-410F-97C5-20CD8D36B215}"/>
               </a:ext>
             </a:extLst>
           </p:cNvPr>
@@ -2267,7 +2268,7 @@
           <p:cNvPr id="7" name="Дата 6">
             <a:extLst>
               <a:ext uri="{FF2B5EF4-FFF2-40B4-BE49-F238E27FC236}">
-                <a16:creationId xmlns="" xmlns:a16="http://schemas.microsoft.com/office/drawing/2014/main" id="{AB47A814-FA92-42FF-AC9B-13E591585236}"/>
+                <a16:creationId xmlns:a16="http://schemas.microsoft.com/office/drawing/2014/main" xmlns="" id="{AB47A814-FA92-42FF-AC9B-13E591585236}"/>
               </a:ext>
             </a:extLst>
           </p:cNvPr>
@@ -2296,7 +2297,7 @@
           <p:cNvPr id="8" name="Нижний колонтитул 7">
             <a:extLst>
               <a:ext uri="{FF2B5EF4-FFF2-40B4-BE49-F238E27FC236}">
-                <a16:creationId xmlns="" xmlns:a16="http://schemas.microsoft.com/office/drawing/2014/main" id="{D3190B88-3502-4305-A3F3-C738F0441E67}"/>
+                <a16:creationId xmlns:a16="http://schemas.microsoft.com/office/drawing/2014/main" xmlns="" id="{D3190B88-3502-4305-A3F3-C738F0441E67}"/>
               </a:ext>
             </a:extLst>
           </p:cNvPr>
@@ -2321,7 +2322,7 @@
           <p:cNvPr id="9" name="Номер слайда 8">
             <a:extLst>
               <a:ext uri="{FF2B5EF4-FFF2-40B4-BE49-F238E27FC236}">
-                <a16:creationId xmlns="" xmlns:a16="http://schemas.microsoft.com/office/drawing/2014/main" id="{314379C6-4E54-416E-978B-7D6B6EF5EC47}"/>
+                <a16:creationId xmlns:a16="http://schemas.microsoft.com/office/drawing/2014/main" xmlns="" id="{314379C6-4E54-416E-978B-7D6B6EF5EC47}"/>
               </a:ext>
             </a:extLst>
           </p:cNvPr>
@@ -2380,7 +2381,7 @@
           <p:cNvPr id="2" name="Заголовок 1">
             <a:extLst>
               <a:ext uri="{FF2B5EF4-FFF2-40B4-BE49-F238E27FC236}">
-                <a16:creationId xmlns="" xmlns:a16="http://schemas.microsoft.com/office/drawing/2014/main" id="{F0B7F35A-8955-4948-B603-FFD122577CF3}"/>
+                <a16:creationId xmlns:a16="http://schemas.microsoft.com/office/drawing/2014/main" xmlns="" id="{F0B7F35A-8955-4948-B603-FFD122577CF3}"/>
               </a:ext>
             </a:extLst>
           </p:cNvPr>
@@ -2408,7 +2409,7 @@
           <p:cNvPr id="3" name="Дата 2">
             <a:extLst>
               <a:ext uri="{FF2B5EF4-FFF2-40B4-BE49-F238E27FC236}">
-                <a16:creationId xmlns="" xmlns:a16="http://schemas.microsoft.com/office/drawing/2014/main" id="{A3593B58-D359-4C11-A6BD-712437242840}"/>
+                <a16:creationId xmlns:a16="http://schemas.microsoft.com/office/drawing/2014/main" xmlns="" id="{A3593B58-D359-4C11-A6BD-712437242840}"/>
               </a:ext>
             </a:extLst>
           </p:cNvPr>
@@ -2437,7 +2438,7 @@
           <p:cNvPr id="4" name="Нижний колонтитул 3">
             <a:extLst>
               <a:ext uri="{FF2B5EF4-FFF2-40B4-BE49-F238E27FC236}">
-                <a16:creationId xmlns="" xmlns:a16="http://schemas.microsoft.com/office/drawing/2014/main" id="{D4A037BB-1D72-47FC-B084-37307FC34A1B}"/>
+                <a16:creationId xmlns:a16="http://schemas.microsoft.com/office/drawing/2014/main" xmlns="" id="{D4A037BB-1D72-47FC-B084-37307FC34A1B}"/>
               </a:ext>
             </a:extLst>
           </p:cNvPr>
@@ -2462,7 +2463,7 @@
           <p:cNvPr id="5" name="Номер слайда 4">
             <a:extLst>
               <a:ext uri="{FF2B5EF4-FFF2-40B4-BE49-F238E27FC236}">
-                <a16:creationId xmlns="" xmlns:a16="http://schemas.microsoft.com/office/drawing/2014/main" id="{FD1004DD-696E-4589-8A48-0366F1754530}"/>
+                <a16:creationId xmlns:a16="http://schemas.microsoft.com/office/drawing/2014/main" xmlns="" id="{FD1004DD-696E-4589-8A48-0366F1754530}"/>
               </a:ext>
             </a:extLst>
           </p:cNvPr>
@@ -2521,7 +2522,7 @@
           <p:cNvPr id="2" name="Дата 1">
             <a:extLst>
               <a:ext uri="{FF2B5EF4-FFF2-40B4-BE49-F238E27FC236}">
-                <a16:creationId xmlns="" xmlns:a16="http://schemas.microsoft.com/office/drawing/2014/main" id="{575A99F8-201E-45AB-95E5-8BFF504165A9}"/>
+                <a16:creationId xmlns:a16="http://schemas.microsoft.com/office/drawing/2014/main" xmlns="" id="{575A99F8-201E-45AB-95E5-8BFF504165A9}"/>
               </a:ext>
             </a:extLst>
           </p:cNvPr>
@@ -2550,7 +2551,7 @@
           <p:cNvPr id="3" name="Нижний колонтитул 2">
             <a:extLst>
               <a:ext uri="{FF2B5EF4-FFF2-40B4-BE49-F238E27FC236}">
-                <a16:creationId xmlns="" xmlns:a16="http://schemas.microsoft.com/office/drawing/2014/main" id="{B6A62162-83AD-443C-8E04-08D8C4A86AEF}"/>
+                <a16:creationId xmlns:a16="http://schemas.microsoft.com/office/drawing/2014/main" xmlns="" id="{B6A62162-83AD-443C-8E04-08D8C4A86AEF}"/>
               </a:ext>
             </a:extLst>
           </p:cNvPr>
@@ -2575,7 +2576,7 @@
           <p:cNvPr id="4" name="Номер слайда 3">
             <a:extLst>
               <a:ext uri="{FF2B5EF4-FFF2-40B4-BE49-F238E27FC236}">
-                <a16:creationId xmlns="" xmlns:a16="http://schemas.microsoft.com/office/drawing/2014/main" id="{047E1679-B144-4B01-9095-A304318CD1CE}"/>
+                <a16:creationId xmlns:a16="http://schemas.microsoft.com/office/drawing/2014/main" xmlns="" id="{047E1679-B144-4B01-9095-A304318CD1CE}"/>
               </a:ext>
             </a:extLst>
           </p:cNvPr>
@@ -2634,7 +2635,7 @@
           <p:cNvPr id="2" name="Заголовок 1">
             <a:extLst>
               <a:ext uri="{FF2B5EF4-FFF2-40B4-BE49-F238E27FC236}">
-                <a16:creationId xmlns="" xmlns:a16="http://schemas.microsoft.com/office/drawing/2014/main" id="{426F6EC2-2B12-453A-BFD6-4F9587559C25}"/>
+                <a16:creationId xmlns:a16="http://schemas.microsoft.com/office/drawing/2014/main" xmlns="" id="{426F6EC2-2B12-453A-BFD6-4F9587559C25}"/>
               </a:ext>
             </a:extLst>
           </p:cNvPr>
@@ -2671,7 +2672,7 @@
           <p:cNvPr id="3" name="Объект 2">
             <a:extLst>
               <a:ext uri="{FF2B5EF4-FFF2-40B4-BE49-F238E27FC236}">
-                <a16:creationId xmlns="" xmlns:a16="http://schemas.microsoft.com/office/drawing/2014/main" id="{468790B8-EF27-48F3-87A9-1DE880DE02BB}"/>
+                <a16:creationId xmlns:a16="http://schemas.microsoft.com/office/drawing/2014/main" xmlns="" id="{468790B8-EF27-48F3-87A9-1DE880DE02BB}"/>
               </a:ext>
             </a:extLst>
           </p:cNvPr>
@@ -2761,7 +2762,7 @@
           <p:cNvPr id="4" name="Текст 3">
             <a:extLst>
               <a:ext uri="{FF2B5EF4-FFF2-40B4-BE49-F238E27FC236}">
-                <a16:creationId xmlns="" xmlns:a16="http://schemas.microsoft.com/office/drawing/2014/main" id="{8B415D3D-0DC0-44C5-BEB6-C15B65B9D1E7}"/>
+                <a16:creationId xmlns:a16="http://schemas.microsoft.com/office/drawing/2014/main" xmlns="" id="{8B415D3D-0DC0-44C5-BEB6-C15B65B9D1E7}"/>
               </a:ext>
             </a:extLst>
           </p:cNvPr>
@@ -2832,7 +2833,7 @@
           <p:cNvPr id="5" name="Дата 4">
             <a:extLst>
               <a:ext uri="{FF2B5EF4-FFF2-40B4-BE49-F238E27FC236}">
-                <a16:creationId xmlns="" xmlns:a16="http://schemas.microsoft.com/office/drawing/2014/main" id="{F7A4C33B-E00E-4295-BFD0-9A9148742DBC}"/>
+                <a16:creationId xmlns:a16="http://schemas.microsoft.com/office/drawing/2014/main" xmlns="" id="{F7A4C33B-E00E-4295-BFD0-9A9148742DBC}"/>
               </a:ext>
             </a:extLst>
           </p:cNvPr>
@@ -2861,7 +2862,7 @@
           <p:cNvPr id="6" name="Нижний колонтитул 5">
             <a:extLst>
               <a:ext uri="{FF2B5EF4-FFF2-40B4-BE49-F238E27FC236}">
-                <a16:creationId xmlns="" xmlns:a16="http://schemas.microsoft.com/office/drawing/2014/main" id="{74CB9968-873B-4D44-8993-38A0F47279C9}"/>
+                <a16:creationId xmlns:a16="http://schemas.microsoft.com/office/drawing/2014/main" xmlns="" id="{74CB9968-873B-4D44-8993-38A0F47279C9}"/>
               </a:ext>
             </a:extLst>
           </p:cNvPr>
@@ -2886,7 +2887,7 @@
           <p:cNvPr id="7" name="Номер слайда 6">
             <a:extLst>
               <a:ext uri="{FF2B5EF4-FFF2-40B4-BE49-F238E27FC236}">
-                <a16:creationId xmlns="" xmlns:a16="http://schemas.microsoft.com/office/drawing/2014/main" id="{D6E1D231-C9AE-4439-A3FC-DDBCEB3FA594}"/>
+                <a16:creationId xmlns:a16="http://schemas.microsoft.com/office/drawing/2014/main" xmlns="" id="{D6E1D231-C9AE-4439-A3FC-DDBCEB3FA594}"/>
               </a:ext>
             </a:extLst>
           </p:cNvPr>
@@ -2945,7 +2946,7 @@
           <p:cNvPr id="2" name="Заголовок 1">
             <a:extLst>
               <a:ext uri="{FF2B5EF4-FFF2-40B4-BE49-F238E27FC236}">
-                <a16:creationId xmlns="" xmlns:a16="http://schemas.microsoft.com/office/drawing/2014/main" id="{52CBD09E-D627-42D9-BDA8-540D4CED45A4}"/>
+                <a16:creationId xmlns:a16="http://schemas.microsoft.com/office/drawing/2014/main" xmlns="" id="{52CBD09E-D627-42D9-BDA8-540D4CED45A4}"/>
               </a:ext>
             </a:extLst>
           </p:cNvPr>
@@ -2982,7 +2983,7 @@
           <p:cNvPr id="3" name="Рисунок 2">
             <a:extLst>
               <a:ext uri="{FF2B5EF4-FFF2-40B4-BE49-F238E27FC236}">
-                <a16:creationId xmlns="" xmlns:a16="http://schemas.microsoft.com/office/drawing/2014/main" id="{E1278D7E-70B6-470F-BD28-6CD21DBEEF47}"/>
+                <a16:creationId xmlns:a16="http://schemas.microsoft.com/office/drawing/2014/main" xmlns="" id="{E1278D7E-70B6-470F-BD28-6CD21DBEEF47}"/>
               </a:ext>
             </a:extLst>
           </p:cNvPr>
@@ -3049,7 +3050,7 @@
           <p:cNvPr id="4" name="Текст 3">
             <a:extLst>
               <a:ext uri="{FF2B5EF4-FFF2-40B4-BE49-F238E27FC236}">
-                <a16:creationId xmlns="" xmlns:a16="http://schemas.microsoft.com/office/drawing/2014/main" id="{190400D1-D645-4345-B463-A5E3FC379E82}"/>
+                <a16:creationId xmlns:a16="http://schemas.microsoft.com/office/drawing/2014/main" xmlns="" id="{190400D1-D645-4345-B463-A5E3FC379E82}"/>
               </a:ext>
             </a:extLst>
           </p:cNvPr>
@@ -3120,7 +3121,7 @@
           <p:cNvPr id="5" name="Дата 4">
             <a:extLst>
               <a:ext uri="{FF2B5EF4-FFF2-40B4-BE49-F238E27FC236}">
-                <a16:creationId xmlns="" xmlns:a16="http://schemas.microsoft.com/office/drawing/2014/main" id="{F25D5B20-159B-471A-ACCF-F8DC4C199EDA}"/>
+                <a16:creationId xmlns:a16="http://schemas.microsoft.com/office/drawing/2014/main" xmlns="" id="{F25D5B20-159B-471A-ACCF-F8DC4C199EDA}"/>
               </a:ext>
             </a:extLst>
           </p:cNvPr>
@@ -3149,7 +3150,7 @@
           <p:cNvPr id="6" name="Нижний колонтитул 5">
             <a:extLst>
               <a:ext uri="{FF2B5EF4-FFF2-40B4-BE49-F238E27FC236}">
-                <a16:creationId xmlns="" xmlns:a16="http://schemas.microsoft.com/office/drawing/2014/main" id="{B99A5192-145C-4984-B5FA-02E5FB65CD28}"/>
+                <a16:creationId xmlns:a16="http://schemas.microsoft.com/office/drawing/2014/main" xmlns="" id="{B99A5192-145C-4984-B5FA-02E5FB65CD28}"/>
               </a:ext>
             </a:extLst>
           </p:cNvPr>
@@ -3174,7 +3175,7 @@
           <p:cNvPr id="7" name="Номер слайда 6">
             <a:extLst>
               <a:ext uri="{FF2B5EF4-FFF2-40B4-BE49-F238E27FC236}">
-                <a16:creationId xmlns="" xmlns:a16="http://schemas.microsoft.com/office/drawing/2014/main" id="{E1ADE512-1A02-4B4A-A91C-6E7DC459E3B6}"/>
+                <a16:creationId xmlns:a16="http://schemas.microsoft.com/office/drawing/2014/main" xmlns="" id="{E1ADE512-1A02-4B4A-A91C-6E7DC459E3B6}"/>
               </a:ext>
             </a:extLst>
           </p:cNvPr>
@@ -3238,7 +3239,7 @@
           <p:cNvPr id="2" name="Заголовок 1">
             <a:extLst>
               <a:ext uri="{FF2B5EF4-FFF2-40B4-BE49-F238E27FC236}">
-                <a16:creationId xmlns="" xmlns:a16="http://schemas.microsoft.com/office/drawing/2014/main" id="{91A84FB4-C57A-41A2-8C52-24C7E4ACC086}"/>
+                <a16:creationId xmlns:a16="http://schemas.microsoft.com/office/drawing/2014/main" xmlns="" id="{91A84FB4-C57A-41A2-8C52-24C7E4ACC086}"/>
               </a:ext>
             </a:extLst>
           </p:cNvPr>
@@ -3276,7 +3277,7 @@
           <p:cNvPr id="3" name="Текст 2">
             <a:extLst>
               <a:ext uri="{FF2B5EF4-FFF2-40B4-BE49-F238E27FC236}">
-                <a16:creationId xmlns="" xmlns:a16="http://schemas.microsoft.com/office/drawing/2014/main" id="{144BA084-0FD3-4AA3-9241-BB4E8F7B542E}"/>
+                <a16:creationId xmlns:a16="http://schemas.microsoft.com/office/drawing/2014/main" xmlns="" id="{144BA084-0FD3-4AA3-9241-BB4E8F7B542E}"/>
               </a:ext>
             </a:extLst>
           </p:cNvPr>
@@ -3343,7 +3344,7 @@
           <p:cNvPr id="4" name="Дата 3">
             <a:extLst>
               <a:ext uri="{FF2B5EF4-FFF2-40B4-BE49-F238E27FC236}">
-                <a16:creationId xmlns="" xmlns:a16="http://schemas.microsoft.com/office/drawing/2014/main" id="{E92D21E8-035B-40F0-B852-A4FB12504252}"/>
+                <a16:creationId xmlns:a16="http://schemas.microsoft.com/office/drawing/2014/main" xmlns="" id="{E92D21E8-035B-40F0-B852-A4FB12504252}"/>
               </a:ext>
             </a:extLst>
           </p:cNvPr>
@@ -3390,7 +3391,7 @@
           <p:cNvPr id="5" name="Нижний колонтитул 4">
             <a:extLst>
               <a:ext uri="{FF2B5EF4-FFF2-40B4-BE49-F238E27FC236}">
-                <a16:creationId xmlns="" xmlns:a16="http://schemas.microsoft.com/office/drawing/2014/main" id="{608B4918-6E21-4876-8C79-5A4A12E525B4}"/>
+                <a16:creationId xmlns:a16="http://schemas.microsoft.com/office/drawing/2014/main" xmlns="" id="{608B4918-6E21-4876-8C79-5A4A12E525B4}"/>
               </a:ext>
             </a:extLst>
           </p:cNvPr>
@@ -3433,7 +3434,7 @@
           <p:cNvPr id="6" name="Номер слайда 5">
             <a:extLst>
               <a:ext uri="{FF2B5EF4-FFF2-40B4-BE49-F238E27FC236}">
-                <a16:creationId xmlns="" xmlns:a16="http://schemas.microsoft.com/office/drawing/2014/main" id="{FD6DAEB5-879C-4C8B-B530-956DB4F7A04D}"/>
+                <a16:creationId xmlns:a16="http://schemas.microsoft.com/office/drawing/2014/main" xmlns="" id="{FD6DAEB5-879C-4C8B-B530-956DB4F7A04D}"/>
               </a:ext>
             </a:extLst>
           </p:cNvPr>
@@ -3801,7 +3802,7 @@
           <p:cNvPr id="2" name="Заголовок 1">
             <a:extLst>
               <a:ext uri="{FF2B5EF4-FFF2-40B4-BE49-F238E27FC236}">
-                <a16:creationId xmlns="" xmlns:a16="http://schemas.microsoft.com/office/drawing/2014/main" id="{CFE7DB13-0EE3-4131-B3B4-B477CF9ED0AA}"/>
+                <a16:creationId xmlns:a16="http://schemas.microsoft.com/office/drawing/2014/main" xmlns="" id="{CFE7DB13-0EE3-4131-B3B4-B477CF9ED0AA}"/>
               </a:ext>
             </a:extLst>
           </p:cNvPr>
@@ -3854,7 +3855,7 @@
           <p:cNvPr id="3" name="Подзаголовок 2">
             <a:extLst>
               <a:ext uri="{FF2B5EF4-FFF2-40B4-BE49-F238E27FC236}">
-                <a16:creationId xmlns="" xmlns:a16="http://schemas.microsoft.com/office/drawing/2014/main" id="{93382DD5-921F-403B-876E-3109CE98A765}"/>
+                <a16:creationId xmlns:a16="http://schemas.microsoft.com/office/drawing/2014/main" xmlns="" id="{93382DD5-921F-403B-876E-3109CE98A765}"/>
               </a:ext>
             </a:extLst>
           </p:cNvPr>
@@ -3886,7 +3887,7 @@
           <p:cNvPr id="4" name="TextBox 3">
             <a:extLst>
               <a:ext uri="{FF2B5EF4-FFF2-40B4-BE49-F238E27FC236}">
-                <a16:creationId xmlns="" xmlns:a16="http://schemas.microsoft.com/office/drawing/2014/main" id="{7239B912-B068-413C-8F69-A0EE2507F65D}"/>
+                <a16:creationId xmlns:a16="http://schemas.microsoft.com/office/drawing/2014/main" xmlns="" id="{7239B912-B068-413C-8F69-A0EE2507F65D}"/>
               </a:ext>
             </a:extLst>
           </p:cNvPr>
@@ -4031,6 +4032,124 @@
 </p:sld>
 </file>
 
+<file path=ppt/slides/slide10.xml><?xml version="1.0" encoding="utf-8"?>
+<p:sld xmlns:a="http://schemas.openxmlformats.org/drawingml/2006/main" xmlns:r="http://schemas.openxmlformats.org/officeDocument/2006/relationships" xmlns:p="http://schemas.openxmlformats.org/presentationml/2006/main">
+  <p:cSld>
+    <p:spTree>
+      <p:nvGrpSpPr>
+        <p:cNvPr id="1" name=""/>
+        <p:cNvGrpSpPr/>
+        <p:nvPr/>
+      </p:nvGrpSpPr>
+      <p:grpSpPr>
+        <a:xfrm>
+          <a:off x="0" y="0"/>
+          <a:ext cx="0" cy="0"/>
+          <a:chOff x="0" y="0"/>
+          <a:chExt cx="0" cy="0"/>
+        </a:xfrm>
+      </p:grpSpPr>
+      <p:sp>
+        <p:nvSpPr>
+          <p:cNvPr id="2" name="Заголовок 1">
+            <a:extLst>
+              <a:ext uri="{FF2B5EF4-FFF2-40B4-BE49-F238E27FC236}">
+                <a16:creationId xmlns:a16="http://schemas.microsoft.com/office/drawing/2014/main" xmlns="" id="{F5437F0A-FD52-494B-9787-D33921FF945A}"/>
+              </a:ext>
+            </a:extLst>
+          </p:cNvPr>
+          <p:cNvSpPr>
+            <a:spLocks noGrp="1"/>
+          </p:cNvSpPr>
+          <p:nvPr>
+            <p:ph type="title"/>
+          </p:nvPr>
+        </p:nvSpPr>
+        <p:spPr/>
+        <p:txBody>
+          <a:bodyPr>
+            <a:normAutofit/>
+          </a:bodyPr>
+          <a:lstStyle/>
+          <a:p>
+            <a:r>
+              <a:rPr lang="ru-RU" dirty="0"/>
+              <a:t>Как использовать </a:t>
+            </a:r>
+            <a:r>
+              <a:rPr lang="en-US" dirty="0"/>
+              <a:t>Git </a:t>
+            </a:r>
+            <a:r>
+              <a:rPr lang="ru-RU" dirty="0"/>
+              <a:t>в преподавательской деятельности?</a:t>
+            </a:r>
+          </a:p>
+        </p:txBody>
+      </p:sp>
+      <p:sp>
+        <p:nvSpPr>
+          <p:cNvPr id="3" name="Объект 2">
+            <a:extLst>
+              <a:ext uri="{FF2B5EF4-FFF2-40B4-BE49-F238E27FC236}">
+                <a16:creationId xmlns:a16="http://schemas.microsoft.com/office/drawing/2014/main" xmlns="" id="{E368B81C-9C8A-4733-96DF-8D4BEC7EB87C}"/>
+              </a:ext>
+            </a:extLst>
+          </p:cNvPr>
+          <p:cNvSpPr>
+            <a:spLocks noGrp="1"/>
+          </p:cNvSpPr>
+          <p:nvPr>
+            <p:ph idx="1"/>
+          </p:nvPr>
+        </p:nvSpPr>
+        <p:spPr/>
+        <p:txBody>
+          <a:bodyPr/>
+          <a:lstStyle/>
+          <a:p>
+            <a:endParaRPr lang="ru-RU" dirty="0"/>
+          </a:p>
+        </p:txBody>
+      </p:sp>
+      <p:sp>
+        <p:nvSpPr>
+          <p:cNvPr id="4" name="Текст 3">
+            <a:extLst>
+              <a:ext uri="{FF2B5EF4-FFF2-40B4-BE49-F238E27FC236}">
+                <a16:creationId xmlns:a16="http://schemas.microsoft.com/office/drawing/2014/main" xmlns="" id="{D33BF655-0120-41B3-A26A-D05B33923351}"/>
+              </a:ext>
+            </a:extLst>
+          </p:cNvPr>
+          <p:cNvSpPr>
+            <a:spLocks noGrp="1"/>
+          </p:cNvSpPr>
+          <p:nvPr>
+            <p:ph type="body" sz="half" idx="2"/>
+          </p:nvPr>
+        </p:nvSpPr>
+        <p:spPr/>
+        <p:txBody>
+          <a:bodyPr/>
+          <a:lstStyle/>
+          <a:p>
+            <a:endParaRPr lang="ru-RU"/>
+          </a:p>
+        </p:txBody>
+      </p:sp>
+    </p:spTree>
+    <p:extLst>
+      <p:ext uri="{BB962C8B-B14F-4D97-AF65-F5344CB8AC3E}">
+        <p14:creationId xmlns:p14="http://schemas.microsoft.com/office/powerpoint/2010/main" val="3609949282"/>
+      </p:ext>
+    </p:extLst>
+  </p:cSld>
+  <p:clrMapOvr>
+    <a:masterClrMapping/>
+  </p:clrMapOvr>
+</p:sld>
+</file>
+
 <file path=ppt/slides/slide2.xml><?xml version="1.0" encoding="utf-8"?>
 <p:sld xmlns:a="http://schemas.openxmlformats.org/drawingml/2006/main" xmlns:r="http://schemas.openxmlformats.org/officeDocument/2006/relationships" xmlns:p="http://schemas.openxmlformats.org/presentationml/2006/main">
   <p:cSld>
@@ -4053,7 +4172,7 @@
           <p:cNvPr id="2" name="Заголовок 1">
             <a:extLst>
               <a:ext uri="{FF2B5EF4-FFF2-40B4-BE49-F238E27FC236}">
-                <a16:creationId xmlns="" xmlns:a16="http://schemas.microsoft.com/office/drawing/2014/main" id="{F5437F0A-FD52-494B-9787-D33921FF945A}"/>
+                <a16:creationId xmlns:a16="http://schemas.microsoft.com/office/drawing/2014/main" xmlns="" id="{F5437F0A-FD52-494B-9787-D33921FF945A}"/>
               </a:ext>
             </a:extLst>
           </p:cNvPr>
@@ -4121,7 +4240,7 @@
           <p:cNvPr id="4" name="Текст 3">
             <a:extLst>
               <a:ext uri="{FF2B5EF4-FFF2-40B4-BE49-F238E27FC236}">
-                <a16:creationId xmlns="" xmlns:a16="http://schemas.microsoft.com/office/drawing/2014/main" id="{D33BF655-0120-41B3-A26A-D05B33923351}"/>
+                <a16:creationId xmlns:a16="http://schemas.microsoft.com/office/drawing/2014/main" xmlns="" id="{D33BF655-0120-41B3-A26A-D05B33923351}"/>
               </a:ext>
             </a:extLst>
           </p:cNvPr>
@@ -6128,7 +6247,6 @@
               <a:rPr lang="ru-RU" sz="2400" dirty="0"/>
               <a:t>и везде от этого будет только польза.</a:t>
             </a:r>
-            <a:endParaRPr lang="ru-RU" sz="2400" dirty="0"/>
           </a:p>
         </p:txBody>
       </p:sp>
@@ -6539,7 +6657,6 @@
               <a:rPr lang="ru-RU" sz="2400" dirty="0"/>
               <a:t> позволяет вести параллельную разработку, когда несколько разработчиков одновременно вносят изменения в одну работу, но при этом не мешают друг другу и спокойно дополняют продукт, не вызывая сбоев и конфликтов в рабочем процессе.</a:t>
             </a:r>
-            <a:endParaRPr lang="ru-RU" sz="2400" dirty="0"/>
           </a:p>
         </p:txBody>
       </p:sp>
@@ -6875,104 +6992,342 @@
       </p:grpSpPr>
       <p:sp>
         <p:nvSpPr>
-          <p:cNvPr id="2" name="Заголовок 1">
-            <a:extLst>
-              <a:ext uri="{FF2B5EF4-FFF2-40B4-BE49-F238E27FC236}">
-                <a16:creationId xmlns="" xmlns:a16="http://schemas.microsoft.com/office/drawing/2014/main" id="{F5437F0A-FD52-494B-9787-D33921FF945A}"/>
-              </a:ext>
-            </a:extLst>
-          </p:cNvPr>
-          <p:cNvSpPr>
-            <a:spLocks noGrp="1"/>
-          </p:cNvSpPr>
-          <p:nvPr>
-            <p:ph type="title"/>
-          </p:nvPr>
+          <p:cNvPr id="2" name="Прямоугольник 1"/>
+          <p:cNvSpPr/>
+          <p:nvPr/>
         </p:nvSpPr>
         <p:spPr>
           <a:xfrm>
-            <a:off x="839788" y="457200"/>
-            <a:ext cx="4448649" cy="621102"/>
+            <a:off x="319177" y="293299"/>
+            <a:ext cx="11395495" cy="1200329"/>
           </a:xfrm>
+          <a:prstGeom prst="rect">
+            <a:avLst/>
+          </a:prstGeom>
         </p:spPr>
         <p:txBody>
-          <a:bodyPr>
-            <a:noAutofit/>
+          <a:bodyPr wrap="square">
+            <a:spAutoFit/>
           </a:bodyPr>
           <a:lstStyle/>
           <a:p>
             <a:r>
-              <a:rPr lang="ru-RU" dirty="0" smtClean="0"/>
-              <a:t>Начало работы в </a:t>
-            </a:r>
-            <a:r>
-              <a:rPr lang="en-US" dirty="0" err="1" smtClean="0"/>
+              <a:rPr lang="ru-RU" sz="2400" dirty="0"/>
+              <a:t>Справедливости ради стоит отметить, </a:t>
+            </a:r>
+            <a:r>
+              <a:rPr lang="ru-RU" sz="2400" dirty="0" err="1"/>
               <a:t>Git</a:t>
             </a:r>
-            <a:endParaRPr lang="ru-RU" dirty="0"/>
-          </a:p>
-        </p:txBody>
-      </p:sp>
-      <p:sp>
-        <p:nvSpPr>
-          <p:cNvPr id="3" name="Объект 2">
-            <a:extLst>
-              <a:ext uri="{FF2B5EF4-FFF2-40B4-BE49-F238E27FC236}">
-                <a16:creationId xmlns="" xmlns:a16="http://schemas.microsoft.com/office/drawing/2014/main" id="{E368B81C-9C8A-4733-96DF-8D4BEC7EB87C}"/>
-              </a:ext>
-            </a:extLst>
-          </p:cNvPr>
-          <p:cNvSpPr>
-            <a:spLocks noGrp="1"/>
-          </p:cNvSpPr>
-          <p:nvPr>
-            <p:ph idx="1"/>
-          </p:nvPr>
-        </p:nvSpPr>
-        <p:spPr/>
-        <p:txBody>
-          <a:bodyPr/>
-          <a:lstStyle/>
-          <a:p>
-            <a:endParaRPr lang="ru-RU" dirty="0"/>
-          </a:p>
-        </p:txBody>
-      </p:sp>
-      <p:sp>
-        <p:nvSpPr>
-          <p:cNvPr id="4" name="Текст 3">
-            <a:extLst>
-              <a:ext uri="{FF2B5EF4-FFF2-40B4-BE49-F238E27FC236}">
-                <a16:creationId xmlns="" xmlns:a16="http://schemas.microsoft.com/office/drawing/2014/main" id="{D33BF655-0120-41B3-A26A-D05B33923351}"/>
-              </a:ext>
-            </a:extLst>
-          </p:cNvPr>
-          <p:cNvSpPr>
-            <a:spLocks noGrp="1"/>
-          </p:cNvSpPr>
-          <p:nvPr>
-            <p:ph type="body" sz="half" idx="2"/>
-          </p:nvPr>
-        </p:nvSpPr>
-        <p:spPr/>
-        <p:txBody>
-          <a:bodyPr/>
-          <a:lstStyle/>
-          <a:p>
-            <a:endParaRPr lang="ru-RU" dirty="0"/>
-          </a:p>
-        </p:txBody>
-      </p:sp>
+            <a:r>
+              <a:rPr lang="ru-RU" sz="2400" dirty="0"/>
+              <a:t> это далеко не единственная и даже не самая простая система контроля версий. Но зато одна из самых мощных и самая популярная, поэтому все ее учат и используют</a:t>
+            </a:r>
+            <a:endParaRPr lang="ru-RU" sz="2400" dirty="0"/>
+          </a:p>
+        </p:txBody>
+      </p:sp>
+      <p:sp>
+        <p:nvSpPr>
+          <p:cNvPr id="9" name="TextBox 8"/>
+          <p:cNvSpPr txBox="1"/>
+          <p:nvPr/>
+        </p:nvSpPr>
+        <p:spPr>
+          <a:xfrm>
+            <a:off x="319177" y="1659174"/>
+            <a:ext cx="5357004" cy="5016758"/>
+          </a:xfrm>
+          <a:prstGeom prst="rect">
+            <a:avLst/>
+          </a:prstGeom>
+          <a:noFill/>
+        </p:spPr>
+        <p:txBody>
+          <a:bodyPr wrap="square" rtlCol="0">
+            <a:spAutoFit/>
+          </a:bodyPr>
+          <a:lstStyle/>
+          <a:p>
+            <a:r>
+              <a:rPr lang="ru-RU" sz="1600" dirty="0"/>
+              <a:t>В заключение </a:t>
+            </a:r>
+            <a:r>
+              <a:rPr lang="ru-RU" sz="1600" dirty="0" smtClean="0"/>
+              <a:t>этой вводной части хочется </a:t>
+            </a:r>
+            <a:r>
+              <a:rPr lang="ru-RU" sz="1600" dirty="0"/>
+              <a:t>предупредить: гит – это консольное приложение. Это означает, что для работы с ним </a:t>
+            </a:r>
+            <a:r>
+              <a:rPr lang="ru-RU" sz="1600" dirty="0" smtClean="0"/>
+              <a:t>вы должны </a:t>
+            </a:r>
+            <a:r>
+              <a:rPr lang="ru-RU" sz="1600" dirty="0"/>
+              <a:t>выучить как минимум с десяток команд и вводить их в черное окно терминала. </a:t>
+            </a:r>
+            <a:endParaRPr lang="en-US" sz="1600" dirty="0" smtClean="0"/>
+          </a:p>
+          <a:p>
+            <a:r>
+              <a:rPr lang="ru-RU" sz="1600" dirty="0" smtClean="0"/>
+              <a:t>Борода </a:t>
+            </a:r>
+            <a:r>
+              <a:rPr lang="ru-RU" sz="1600" dirty="0"/>
+              <a:t>и свитер прилагаются </a:t>
+            </a:r>
+            <a:endParaRPr lang="en-US" sz="1600" dirty="0" smtClean="0"/>
+          </a:p>
+          <a:p>
+            <a:r>
+              <a:rPr lang="ru-RU" sz="1600" dirty="0" smtClean="0"/>
+              <a:t>(</a:t>
+            </a:r>
+            <a:r>
+              <a:rPr lang="ru-RU" sz="1600" dirty="0"/>
+              <a:t>приобретаются отдельно</a:t>
+            </a:r>
+            <a:r>
+              <a:rPr lang="ru-RU" sz="1600" dirty="0" smtClean="0"/>
+              <a:t>).</a:t>
+            </a:r>
+            <a:r>
+              <a:rPr lang="en-US" sz="1600" dirty="0" smtClean="0"/>
+              <a:t> </a:t>
+            </a:r>
+          </a:p>
+          <a:p>
+            <a:endParaRPr lang="ru-RU" sz="1600" dirty="0"/>
+          </a:p>
+          <a:p>
+            <a:r>
+              <a:rPr lang="ru-RU" sz="1600" dirty="0"/>
+              <a:t>Но сильно не </a:t>
+            </a:r>
+            <a:r>
+              <a:rPr lang="ru-RU" sz="1600" dirty="0" smtClean="0"/>
+              <a:t>пугайтесь, </a:t>
+            </a:r>
+            <a:r>
+              <a:rPr lang="ru-RU" sz="1600" dirty="0"/>
+              <a:t>ведь </a:t>
+            </a:r>
+            <a:endParaRPr lang="en-US" sz="1600" dirty="0" smtClean="0"/>
+          </a:p>
+          <a:p>
+            <a:r>
+              <a:rPr lang="ru-RU" sz="1600" dirty="0" smtClean="0"/>
+              <a:t>для </a:t>
+            </a:r>
+            <a:r>
+              <a:rPr lang="ru-RU" sz="1600" dirty="0"/>
+              <a:t>нормальных людей сделали </a:t>
+            </a:r>
+            <a:endParaRPr lang="en-US" sz="1600" dirty="0" smtClean="0"/>
+          </a:p>
+          <a:p>
+            <a:r>
+              <a:rPr lang="ru-RU" sz="1600" dirty="0" smtClean="0"/>
+              <a:t>кучу </a:t>
+            </a:r>
+            <a:r>
+              <a:rPr lang="ru-RU" sz="1600" dirty="0"/>
+              <a:t>графический приложений, чтобы </a:t>
+            </a:r>
+            <a:r>
+              <a:rPr lang="ru-RU" sz="1600" dirty="0" smtClean="0"/>
+              <a:t>вы могли </a:t>
+            </a:r>
+            <a:r>
+              <a:rPr lang="ru-RU" sz="1600" dirty="0"/>
+              <a:t>работать с гитом, кликая мышкой. </a:t>
+            </a:r>
+            <a:r>
+              <a:rPr lang="ru-RU" sz="1600" dirty="0" smtClean="0"/>
+              <a:t>И об этом мы тоже обязательно поговорим.</a:t>
+            </a:r>
+            <a:endParaRPr lang="en-US" sz="1600" dirty="0" smtClean="0"/>
+          </a:p>
+          <a:p>
+            <a:endParaRPr lang="ru-RU" sz="1600" dirty="0" smtClean="0"/>
+          </a:p>
+          <a:p>
+            <a:r>
+              <a:rPr lang="ru-RU" sz="1600" dirty="0" smtClean="0"/>
+              <a:t>Но </a:t>
+            </a:r>
+            <a:r>
+              <a:rPr lang="ru-RU" sz="1600" dirty="0"/>
+              <a:t>до тех пор мы будем изучать именно команды и будем вводить их именно в терминал. Идея в том, что это позволит </a:t>
+            </a:r>
+            <a:r>
+              <a:rPr lang="ru-RU" sz="1600" dirty="0" smtClean="0"/>
+              <a:t>вам лучше </a:t>
+            </a:r>
+            <a:r>
+              <a:rPr lang="ru-RU" sz="1600" dirty="0"/>
+              <a:t>прочувствовать, как гит устроен. Не говоря уже о том, что графические приложения можно запустить не везде и не всегда. Да и без знания команд все равно полноценно работать не получится, так что со временем </a:t>
+            </a:r>
+            <a:r>
+              <a:rPr lang="ru-RU" sz="1600" dirty="0" smtClean="0"/>
+              <a:t>вы </a:t>
+            </a:r>
+            <a:r>
+              <a:rPr lang="ru-RU" sz="1600" dirty="0"/>
+              <a:t>их </a:t>
+            </a:r>
+            <a:r>
+              <a:rPr lang="ru-RU" sz="1600" dirty="0" smtClean="0"/>
+              <a:t>запомните.</a:t>
+            </a:r>
+            <a:endParaRPr lang="en-US" sz="1600" dirty="0"/>
+          </a:p>
+        </p:txBody>
+      </p:sp>
+      <p:pic>
+        <p:nvPicPr>
+          <p:cNvPr id="1027" name="Picture 3" descr="C:\Users\pukazov_yag\Pictures\Скриншоты\Screenshot_85.png"/>
+          <p:cNvPicPr>
+            <a:picLocks noChangeAspect="1" noChangeArrowheads="1"/>
+          </p:cNvPicPr>
+          <p:nvPr/>
+        </p:nvPicPr>
+        <p:blipFill>
+          <a:blip r:embed="rId2">
+            <a:extLst>
+              <a:ext uri="{28A0092B-C50C-407E-A947-70E740481C1C}">
+                <a14:useLocalDpi xmlns:a14="http://schemas.microsoft.com/office/drawing/2010/main" val="0"/>
+              </a:ext>
+            </a:extLst>
+          </a:blip>
+          <a:srcRect/>
+          <a:stretch>
+            <a:fillRect/>
+          </a:stretch>
+        </p:blipFill>
+        <p:spPr bwMode="auto">
+          <a:xfrm>
+            <a:off x="6561573" y="1064962"/>
+            <a:ext cx="5487552" cy="3035916"/>
+          </a:xfrm>
+          <a:prstGeom prst="rect">
+            <a:avLst/>
+          </a:prstGeom>
+          <a:noFill/>
+          <a:extLst>
+            <a:ext uri="{909E8E84-426E-40DD-AFC4-6F175D3DCCD1}">
+              <a14:hiddenFill xmlns:a14="http://schemas.microsoft.com/office/drawing/2010/main">
+                <a:solidFill>
+                  <a:srgbClr val="FFFFFF"/>
+                </a:solidFill>
+              </a14:hiddenFill>
+            </a:ext>
+          </a:extLst>
+        </p:spPr>
+      </p:pic>
+      <p:pic>
+        <p:nvPicPr>
+          <p:cNvPr id="1028" name="Picture 4" descr="C:\Users\pukazov_yag\Downloads\загруженное.jpg"/>
+          <p:cNvPicPr>
+            <a:picLocks noChangeAspect="1" noChangeArrowheads="1"/>
+          </p:cNvPicPr>
+          <p:nvPr/>
+        </p:nvPicPr>
+        <p:blipFill>
+          <a:blip r:embed="rId3">
+            <a:extLst>
+              <a:ext uri="{28A0092B-C50C-407E-A947-70E740481C1C}">
+                <a14:useLocalDpi xmlns:a14="http://schemas.microsoft.com/office/drawing/2010/main" val="0"/>
+              </a:ext>
+            </a:extLst>
+          </a:blip>
+          <a:srcRect/>
+          <a:stretch>
+            <a:fillRect/>
+          </a:stretch>
+        </p:blipFill>
+        <p:spPr bwMode="auto">
+          <a:xfrm>
+            <a:off x="7726517" y="4246960"/>
+            <a:ext cx="3157664" cy="2428972"/>
+          </a:xfrm>
+          <a:prstGeom prst="rect">
+            <a:avLst/>
+          </a:prstGeom>
+          <a:noFill/>
+          <a:extLst>
+            <a:ext uri="{909E8E84-426E-40DD-AFC4-6F175D3DCCD1}">
+              <a14:hiddenFill xmlns:a14="http://schemas.microsoft.com/office/drawing/2010/main">
+                <a:solidFill>
+                  <a:srgbClr val="FFFFFF"/>
+                </a:solidFill>
+              </a14:hiddenFill>
+            </a:ext>
+          </a:extLst>
+        </p:spPr>
+      </p:pic>
+      <p:pic>
+        <p:nvPicPr>
+          <p:cNvPr id="1029" name="Picture 5" descr="C:\Users\pukazov_yag\Downloads\stash_ewoovx.png"/>
+          <p:cNvPicPr>
+            <a:picLocks noChangeAspect="1" noChangeArrowheads="1"/>
+          </p:cNvPicPr>
+          <p:nvPr/>
+        </p:nvPicPr>
+        <p:blipFill>
+          <a:blip r:embed="rId4" cstate="print">
+            <a:extLst>
+              <a:ext uri="{28A0092B-C50C-407E-A947-70E740481C1C}">
+                <a14:useLocalDpi xmlns:a14="http://schemas.microsoft.com/office/drawing/2010/main" val="0"/>
+              </a:ext>
+            </a:extLst>
+          </a:blip>
+          <a:srcRect/>
+          <a:stretch>
+            <a:fillRect/>
+          </a:stretch>
+        </p:blipFill>
+        <p:spPr bwMode="auto">
+          <a:xfrm>
+            <a:off x="3378499" y="2653992"/>
+            <a:ext cx="2638425" cy="1200225"/>
+          </a:xfrm>
+          <a:prstGeom prst="rect">
+            <a:avLst/>
+          </a:prstGeom>
+          <a:noFill/>
+          <a:extLst>
+            <a:ext uri="{909E8E84-426E-40DD-AFC4-6F175D3DCCD1}">
+              <a14:hiddenFill xmlns:a14="http://schemas.microsoft.com/office/drawing/2010/main">
+                <a:solidFill>
+                  <a:srgbClr val="FFFFFF"/>
+                </a:solidFill>
+              </a14:hiddenFill>
+            </a:ext>
+          </a:extLst>
+        </p:spPr>
+      </p:pic>
     </p:spTree>
     <p:extLst>
       <p:ext uri="{BB962C8B-B14F-4D97-AF65-F5344CB8AC3E}">
-        <p14:creationId xmlns:p14="http://schemas.microsoft.com/office/powerpoint/2010/main" val="892428978"/>
+        <p14:creationId xmlns:p14="http://schemas.microsoft.com/office/powerpoint/2010/main" val="2833074451"/>
       </p:ext>
     </p:extLst>
   </p:cSld>
   <p:clrMapOvr>
     <a:masterClrMapping/>
   </p:clrMapOvr>
+  <p:timing>
+    <p:tnLst>
+      <p:par>
+        <p:cTn id="1" dur="indefinite" restart="never" nodeType="tmRoot"/>
+      </p:par>
+    </p:tnLst>
+  </p:timing>
 </p:sld>
 </file>
 
@@ -6998,7 +7353,7 @@
           <p:cNvPr id="2" name="Заголовок 1">
             <a:extLst>
               <a:ext uri="{FF2B5EF4-FFF2-40B4-BE49-F238E27FC236}">
-                <a16:creationId xmlns="" xmlns:a16="http://schemas.microsoft.com/office/drawing/2014/main" id="{F5437F0A-FD52-494B-9787-D33921FF945A}"/>
+                <a16:creationId xmlns:a16="http://schemas.microsoft.com/office/drawing/2014/main" xmlns="" id="{F5437F0A-FD52-494B-9787-D33921FF945A}"/>
               </a:ext>
             </a:extLst>
           </p:cNvPr>
@@ -7012,7 +7367,7 @@
         <p:spPr>
           <a:xfrm>
             <a:off x="839788" y="457200"/>
-            <a:ext cx="4090431" cy="1600200"/>
+            <a:ext cx="4448649" cy="621102"/>
           </a:xfrm>
         </p:spPr>
         <p:txBody>
@@ -7022,17 +7377,14 @@
           <a:lstStyle/>
           <a:p>
             <a:r>
-              <a:rPr lang="ru-RU" dirty="0"/>
-              <a:t>Как мы используем </a:t>
-            </a:r>
-            <a:r>
-              <a:rPr lang="en-US" dirty="0"/>
-              <a:t>Git </a:t>
-            </a:r>
-            <a:r>
-              <a:rPr lang="ru-RU" dirty="0"/>
-              <a:t>в конструкторском бюро</a:t>
-            </a:r>
+              <a:rPr lang="ru-RU" dirty="0" smtClean="0"/>
+              <a:t>Начало работы в </a:t>
+            </a:r>
+            <a:r>
+              <a:rPr lang="en-US" dirty="0" err="1" smtClean="0"/>
+              <a:t>Git</a:t>
+            </a:r>
+            <a:endParaRPr lang="ru-RU" dirty="0"/>
           </a:p>
         </p:txBody>
       </p:sp>
@@ -7041,7 +7393,7 @@
           <p:cNvPr id="3" name="Объект 2">
             <a:extLst>
               <a:ext uri="{FF2B5EF4-FFF2-40B4-BE49-F238E27FC236}">
-                <a16:creationId xmlns="" xmlns:a16="http://schemas.microsoft.com/office/drawing/2014/main" id="{E368B81C-9C8A-4733-96DF-8D4BEC7EB87C}"/>
+                <a16:creationId xmlns:a16="http://schemas.microsoft.com/office/drawing/2014/main" xmlns="" id="{E368B81C-9C8A-4733-96DF-8D4BEC7EB87C}"/>
               </a:ext>
             </a:extLst>
           </p:cNvPr>
@@ -7066,7 +7418,7 @@
           <p:cNvPr id="4" name="Текст 3">
             <a:extLst>
               <a:ext uri="{FF2B5EF4-FFF2-40B4-BE49-F238E27FC236}">
-                <a16:creationId xmlns="" xmlns:a16="http://schemas.microsoft.com/office/drawing/2014/main" id="{D33BF655-0120-41B3-A26A-D05B33923351}"/>
+                <a16:creationId xmlns:a16="http://schemas.microsoft.com/office/drawing/2014/main" xmlns="" id="{D33BF655-0120-41B3-A26A-D05B33923351}"/>
               </a:ext>
             </a:extLst>
           </p:cNvPr>
@@ -7089,7 +7441,7 @@
     </p:spTree>
     <p:extLst>
       <p:ext uri="{BB962C8B-B14F-4D97-AF65-F5344CB8AC3E}">
-        <p14:creationId xmlns:p14="http://schemas.microsoft.com/office/powerpoint/2010/main" val="539638286"/>
+        <p14:creationId xmlns:p14="http://schemas.microsoft.com/office/powerpoint/2010/main" val="892428978"/>
       </p:ext>
     </p:extLst>
   </p:cSld>
@@ -7121,7 +7473,7 @@
           <p:cNvPr id="2" name="Заголовок 1">
             <a:extLst>
               <a:ext uri="{FF2B5EF4-FFF2-40B4-BE49-F238E27FC236}">
-                <a16:creationId xmlns="" xmlns:a16="http://schemas.microsoft.com/office/drawing/2014/main" id="{F5437F0A-FD52-494B-9787-D33921FF945A}"/>
+                <a16:creationId xmlns:a16="http://schemas.microsoft.com/office/drawing/2014/main" xmlns="" id="{F5437F0A-FD52-494B-9787-D33921FF945A}"/>
               </a:ext>
             </a:extLst>
           </p:cNvPr>
@@ -7132,16 +7484,21 @@
             <p:ph type="title"/>
           </p:nvPr>
         </p:nvSpPr>
-        <p:spPr/>
+        <p:spPr>
+          <a:xfrm>
+            <a:off x="839788" y="457200"/>
+            <a:ext cx="4090431" cy="1600200"/>
+          </a:xfrm>
+        </p:spPr>
         <p:txBody>
           <a:bodyPr>
-            <a:normAutofit/>
+            <a:noAutofit/>
           </a:bodyPr>
           <a:lstStyle/>
           <a:p>
             <a:r>
               <a:rPr lang="ru-RU" dirty="0"/>
-              <a:t>Как использовать </a:t>
+              <a:t>Как мы используем </a:t>
             </a:r>
             <a:r>
               <a:rPr lang="en-US" dirty="0"/>
@@ -7149,7 +7506,7 @@
             </a:r>
             <a:r>
               <a:rPr lang="ru-RU" dirty="0"/>
-              <a:t>в преподавательской деятельности?</a:t>
+              <a:t>в конструкторском бюро</a:t>
             </a:r>
           </a:p>
         </p:txBody>
@@ -7159,7 +7516,7 @@
           <p:cNvPr id="3" name="Объект 2">
             <a:extLst>
               <a:ext uri="{FF2B5EF4-FFF2-40B4-BE49-F238E27FC236}">
-                <a16:creationId xmlns="" xmlns:a16="http://schemas.microsoft.com/office/drawing/2014/main" id="{E368B81C-9C8A-4733-96DF-8D4BEC7EB87C}"/>
+                <a16:creationId xmlns:a16="http://schemas.microsoft.com/office/drawing/2014/main" xmlns="" id="{E368B81C-9C8A-4733-96DF-8D4BEC7EB87C}"/>
               </a:ext>
             </a:extLst>
           </p:cNvPr>
@@ -7184,7 +7541,7 @@
           <p:cNvPr id="4" name="Текст 3">
             <a:extLst>
               <a:ext uri="{FF2B5EF4-FFF2-40B4-BE49-F238E27FC236}">
-                <a16:creationId xmlns="" xmlns:a16="http://schemas.microsoft.com/office/drawing/2014/main" id="{D33BF655-0120-41B3-A26A-D05B33923351}"/>
+                <a16:creationId xmlns:a16="http://schemas.microsoft.com/office/drawing/2014/main" xmlns="" id="{D33BF655-0120-41B3-A26A-D05B33923351}"/>
               </a:ext>
             </a:extLst>
           </p:cNvPr>
@@ -7200,14 +7557,14 @@
           <a:bodyPr/>
           <a:lstStyle/>
           <a:p>
-            <a:endParaRPr lang="ru-RU"/>
+            <a:endParaRPr lang="ru-RU" dirty="0"/>
           </a:p>
         </p:txBody>
       </p:sp>
     </p:spTree>
     <p:extLst>
       <p:ext uri="{BB962C8B-B14F-4D97-AF65-F5344CB8AC3E}">
-        <p14:creationId xmlns:p14="http://schemas.microsoft.com/office/powerpoint/2010/main" val="3609949282"/>
+        <p14:creationId xmlns:p14="http://schemas.microsoft.com/office/powerpoint/2010/main" val="539638286"/>
       </p:ext>
     </p:extLst>
   </p:cSld>
@@ -7506,7 +7863,7 @@
   <a:extraClrSchemeLst/>
   <a:extLst>
     <a:ext uri="{05A4C25C-085E-4340-85A3-A5531E510DB2}">
-      <thm15:themeFamily xmlns="" xmlns:thm15="http://schemas.microsoft.com/office/thememl/2012/main" name="Office Theme" id="{62F939B6-93AF-4DB8-9C6B-D6C7DFDC589F}" vid="{4A3C46E8-61CC-4603-A589-7422A47A8E4A}"/>
+      <thm15:themeFamily xmlns:thm15="http://schemas.microsoft.com/office/thememl/2012/main" xmlns="" name="Office Theme" id="{62F939B6-93AF-4DB8-9C6B-D6C7DFDC589F}" vid="{4A3C46E8-61CC-4603-A589-7422A47A8E4A}"/>
     </a:ext>
   </a:extLst>
 </a:theme>
@@ -7801,7 +8158,7 @@
   <a:extraClrSchemeLst/>
   <a:extLst>
     <a:ext uri="{05A4C25C-085E-4340-85A3-A5531E510DB2}">
-      <thm15:themeFamily xmlns="" xmlns:thm15="http://schemas.microsoft.com/office/thememl/2012/main" name="Office Theme" id="{62F939B6-93AF-4DB8-9C6B-D6C7DFDC589F}" vid="{4A3C46E8-61CC-4603-A589-7422A47A8E4A}"/>
+      <thm15:themeFamily xmlns:thm15="http://schemas.microsoft.com/office/thememl/2012/main" xmlns="" name="Office Theme" id="{62F939B6-93AF-4DB8-9C6B-D6C7DFDC589F}" vid="{4A3C46E8-61CC-4603-A589-7422A47A8E4A}"/>
     </a:ext>
   </a:extLst>
 </a:theme>
